--- a/Basic/Leetcode.pptx
+++ b/Basic/Leetcode.pptx
@@ -8,6 +8,7 @@
     <p:sldId id="256" r:id="rId2"/>
     <p:sldId id="257" r:id="rId3"/>
     <p:sldId id="258" r:id="rId4"/>
+    <p:sldId id="259" r:id="rId5"/>
   </p:sldIdLst>
   <p:sldSz cx="9144000" cy="6858000" type="screen4x3"/>
   <p:notesSz cx="6858000" cy="9144000"/>
@@ -5016,6 +5017,74 @@
     <p:extLst>
       <p:ext uri="{BB962C8B-B14F-4D97-AF65-F5344CB8AC3E}">
         <p14:creationId xmlns:p14="http://schemas.microsoft.com/office/powerpoint/2010/main" val="2545928555"/>
+      </p:ext>
+    </p:extLst>
+  </p:cSld>
+  <p:clrMapOvr>
+    <a:masterClrMapping/>
+  </p:clrMapOvr>
+</p:sld>
+</file>
+
+<file path=ppt/slides/slide4.xml><?xml version="1.0" encoding="utf-8"?>
+<p:sld xmlns:a="http://schemas.openxmlformats.org/drawingml/2006/main" xmlns:r="http://schemas.openxmlformats.org/officeDocument/2006/relationships" xmlns:p="http://schemas.openxmlformats.org/presentationml/2006/main">
+  <p:cSld>
+    <p:spTree>
+      <p:nvGrpSpPr>
+        <p:cNvPr id="1" name=""/>
+        <p:cNvGrpSpPr/>
+        <p:nvPr/>
+      </p:nvGrpSpPr>
+      <p:grpSpPr>
+        <a:xfrm>
+          <a:off x="0" y="0"/>
+          <a:ext cx="0" cy="0"/>
+          <a:chOff x="0" y="0"/>
+          <a:chExt cx="0" cy="0"/>
+        </a:xfrm>
+      </p:grpSpPr>
+      <p:sp>
+        <p:nvSpPr>
+          <p:cNvPr id="2" name="Title 1"/>
+          <p:cNvSpPr>
+            <a:spLocks noGrp="1"/>
+          </p:cNvSpPr>
+          <p:nvPr>
+            <p:ph type="title"/>
+          </p:nvPr>
+        </p:nvSpPr>
+        <p:spPr/>
+        <p:txBody>
+          <a:bodyPr/>
+          <a:lstStyle/>
+          <a:p>
+            <a:endParaRPr lang="en-US"/>
+          </a:p>
+        </p:txBody>
+      </p:sp>
+      <p:sp>
+        <p:nvSpPr>
+          <p:cNvPr id="3" name="Content Placeholder 2"/>
+          <p:cNvSpPr>
+            <a:spLocks noGrp="1"/>
+          </p:cNvSpPr>
+          <p:nvPr>
+            <p:ph idx="1"/>
+          </p:nvPr>
+        </p:nvSpPr>
+        <p:spPr/>
+        <p:txBody>
+          <a:bodyPr/>
+          <a:lstStyle/>
+          <a:p>
+            <a:endParaRPr lang="en-US"/>
+          </a:p>
+        </p:txBody>
+      </p:sp>
+    </p:spTree>
+    <p:extLst>
+      <p:ext uri="{BB962C8B-B14F-4D97-AF65-F5344CB8AC3E}">
+        <p14:creationId xmlns:p14="http://schemas.microsoft.com/office/powerpoint/2010/main" val="4110127600"/>
       </p:ext>
     </p:extLst>
   </p:cSld>

--- a/Basic/Leetcode.pptx
+++ b/Basic/Leetcode.pptx
@@ -291,7 +291,7 @@
           <a:p>
             <a:fld id="{71FE50ED-E91C-CA43-967B-57A0700BD591}" type="datetimeFigureOut">
               <a:rPr lang="en-US" smtClean="0"/>
-              <a:t>10/3/16</a:t>
+              <a:t>10/7/16</a:t>
             </a:fld>
             <a:endParaRPr lang="en-US"/>
           </a:p>
@@ -461,7 +461,7 @@
           <a:p>
             <a:fld id="{71FE50ED-E91C-CA43-967B-57A0700BD591}" type="datetimeFigureOut">
               <a:rPr lang="en-US" smtClean="0"/>
-              <a:t>10/3/16</a:t>
+              <a:t>10/7/16</a:t>
             </a:fld>
             <a:endParaRPr lang="en-US"/>
           </a:p>
@@ -641,7 +641,7 @@
           <a:p>
             <a:fld id="{71FE50ED-E91C-CA43-967B-57A0700BD591}" type="datetimeFigureOut">
               <a:rPr lang="en-US" smtClean="0"/>
-              <a:t>10/3/16</a:t>
+              <a:t>10/7/16</a:t>
             </a:fld>
             <a:endParaRPr lang="en-US"/>
           </a:p>
@@ -811,7 +811,7 @@
           <a:p>
             <a:fld id="{71FE50ED-E91C-CA43-967B-57A0700BD591}" type="datetimeFigureOut">
               <a:rPr lang="en-US" smtClean="0"/>
-              <a:t>10/3/16</a:t>
+              <a:t>10/7/16</a:t>
             </a:fld>
             <a:endParaRPr lang="en-US"/>
           </a:p>
@@ -1057,7 +1057,7 @@
           <a:p>
             <a:fld id="{71FE50ED-E91C-CA43-967B-57A0700BD591}" type="datetimeFigureOut">
               <a:rPr lang="en-US" smtClean="0"/>
-              <a:t>10/3/16</a:t>
+              <a:t>10/7/16</a:t>
             </a:fld>
             <a:endParaRPr lang="en-US"/>
           </a:p>
@@ -1345,7 +1345,7 @@
           <a:p>
             <a:fld id="{71FE50ED-E91C-CA43-967B-57A0700BD591}" type="datetimeFigureOut">
               <a:rPr lang="en-US" smtClean="0"/>
-              <a:t>10/3/16</a:t>
+              <a:t>10/7/16</a:t>
             </a:fld>
             <a:endParaRPr lang="en-US"/>
           </a:p>
@@ -1767,7 +1767,7 @@
           <a:p>
             <a:fld id="{71FE50ED-E91C-CA43-967B-57A0700BD591}" type="datetimeFigureOut">
               <a:rPr lang="en-US" smtClean="0"/>
-              <a:t>10/3/16</a:t>
+              <a:t>10/7/16</a:t>
             </a:fld>
             <a:endParaRPr lang="en-US"/>
           </a:p>
@@ -1885,7 +1885,7 @@
           <a:p>
             <a:fld id="{71FE50ED-E91C-CA43-967B-57A0700BD591}" type="datetimeFigureOut">
               <a:rPr lang="en-US" smtClean="0"/>
-              <a:t>10/3/16</a:t>
+              <a:t>10/7/16</a:t>
             </a:fld>
             <a:endParaRPr lang="en-US"/>
           </a:p>
@@ -1980,7 +1980,7 @@
           <a:p>
             <a:fld id="{71FE50ED-E91C-CA43-967B-57A0700BD591}" type="datetimeFigureOut">
               <a:rPr lang="en-US" smtClean="0"/>
-              <a:t>10/3/16</a:t>
+              <a:t>10/7/16</a:t>
             </a:fld>
             <a:endParaRPr lang="en-US"/>
           </a:p>
@@ -2257,7 +2257,7 @@
           <a:p>
             <a:fld id="{71FE50ED-E91C-CA43-967B-57A0700BD591}" type="datetimeFigureOut">
               <a:rPr lang="en-US" smtClean="0"/>
-              <a:t>10/3/16</a:t>
+              <a:t>10/7/16</a:t>
             </a:fld>
             <a:endParaRPr lang="en-US"/>
           </a:p>
@@ -2510,7 +2510,7 @@
           <a:p>
             <a:fld id="{71FE50ED-E91C-CA43-967B-57A0700BD591}" type="datetimeFigureOut">
               <a:rPr lang="en-US" smtClean="0"/>
-              <a:t>10/3/16</a:t>
+              <a:t>10/7/16</a:t>
             </a:fld>
             <a:endParaRPr lang="en-US"/>
           </a:p>
@@ -2723,7 +2723,7 @@
           <a:p>
             <a:fld id="{71FE50ED-E91C-CA43-967B-57A0700BD591}" type="datetimeFigureOut">
               <a:rPr lang="en-US" smtClean="0"/>
-              <a:t>10/3/16</a:t>
+              <a:t>10/7/16</a:t>
             </a:fld>
             <a:endParaRPr lang="en-US"/>
           </a:p>
@@ -5045,39 +5045,668 @@
       </p:grpSpPr>
       <p:sp>
         <p:nvSpPr>
-          <p:cNvPr id="2" name="Title 1"/>
-          <p:cNvSpPr>
-            <a:spLocks noGrp="1"/>
-          </p:cNvSpPr>
-          <p:nvPr>
-            <p:ph type="title"/>
-          </p:nvPr>
-        </p:nvSpPr>
-        <p:spPr/>
-        <p:txBody>
-          <a:bodyPr/>
+          <p:cNvPr id="4" name="TextBox 3"/>
+          <p:cNvSpPr txBox="1"/>
+          <p:nvPr/>
+        </p:nvSpPr>
+        <p:spPr>
+          <a:xfrm>
+            <a:off x="1" y="0"/>
+            <a:ext cx="4621612" cy="6986530"/>
+          </a:xfrm>
+          <a:prstGeom prst="rect">
+            <a:avLst/>
+          </a:prstGeom>
+          <a:noFill/>
+        </p:spPr>
+        <p:txBody>
+          <a:bodyPr wrap="square" rtlCol="0">
+            <a:spAutoFit/>
+          </a:bodyPr>
           <a:lstStyle/>
           <a:p>
-            <a:endParaRPr lang="en-US"/>
-          </a:p>
-        </p:txBody>
-      </p:sp>
-      <p:sp>
-        <p:nvSpPr>
-          <p:cNvPr id="3" name="Content Placeholder 2"/>
-          <p:cNvSpPr>
-            <a:spLocks noGrp="1"/>
-          </p:cNvSpPr>
-          <p:nvPr>
-            <p:ph idx="1"/>
-          </p:nvPr>
-        </p:nvSpPr>
-        <p:spPr/>
-        <p:txBody>
-          <a:bodyPr/>
+            <a:r>
+              <a:rPr lang="en-US" sz="1600" dirty="0"/>
+              <a:t>public class Solution </a:t>
+            </a:r>
+            <a:r>
+              <a:rPr lang="en-US" sz="1600" dirty="0" smtClean="0"/>
+              <a:t>{</a:t>
+            </a:r>
+            <a:endParaRPr lang="en-US" sz="1600" dirty="0"/>
+          </a:p>
+          <a:p>
+            <a:r>
+              <a:rPr lang="en-US" sz="1600" dirty="0"/>
+              <a:t>    public String </a:t>
+            </a:r>
+            <a:r>
+              <a:rPr lang="en-US" sz="1600" dirty="0" err="1"/>
+              <a:t>getPermutation</a:t>
+            </a:r>
+            <a:r>
+              <a:rPr lang="en-US" sz="1600" dirty="0"/>
+              <a:t>(</a:t>
+            </a:r>
+            <a:r>
+              <a:rPr lang="en-US" sz="1600" dirty="0" err="1"/>
+              <a:t>int</a:t>
+            </a:r>
+            <a:r>
+              <a:rPr lang="en-US" sz="1600" dirty="0"/>
+              <a:t> n, </a:t>
+            </a:r>
+            <a:r>
+              <a:rPr lang="en-US" sz="1600" dirty="0" err="1"/>
+              <a:t>int</a:t>
+            </a:r>
+            <a:r>
+              <a:rPr lang="en-US" sz="1600" dirty="0"/>
+              <a:t> k) </a:t>
+            </a:r>
+            <a:r>
+              <a:rPr lang="en-US" sz="1600" dirty="0" smtClean="0"/>
+              <a:t>{</a:t>
+            </a:r>
+            <a:endParaRPr lang="en-US" sz="1600" dirty="0"/>
+          </a:p>
+          <a:p>
+            <a:r>
+              <a:rPr lang="en-US" sz="1600" dirty="0"/>
+              <a:t>        </a:t>
+            </a:r>
+            <a:r>
+              <a:rPr lang="en-US" sz="1600" dirty="0" err="1"/>
+              <a:t>int</a:t>
+            </a:r>
+            <a:r>
+              <a:rPr lang="en-US" sz="1600" dirty="0"/>
+              <a:t>[] data = new </a:t>
+            </a:r>
+            <a:r>
+              <a:rPr lang="en-US" sz="1600" dirty="0" err="1"/>
+              <a:t>int</a:t>
+            </a:r>
+            <a:r>
+              <a:rPr lang="en-US" sz="1600" dirty="0"/>
+              <a:t>[10]</a:t>
+            </a:r>
+            <a:r>
+              <a:rPr lang="en-US" sz="1600" dirty="0" smtClean="0"/>
+              <a:t>;</a:t>
+            </a:r>
+            <a:endParaRPr lang="en-US" sz="1600" dirty="0"/>
+          </a:p>
+          <a:p>
+            <a:r>
+              <a:rPr lang="en-US" sz="1600" dirty="0"/>
+              <a:t>        </a:t>
+            </a:r>
+            <a:r>
+              <a:rPr lang="en-US" sz="1600" dirty="0" err="1"/>
+              <a:t>boolean</a:t>
+            </a:r>
+            <a:r>
+              <a:rPr lang="en-US" sz="1600" dirty="0"/>
+              <a:t> visited[] = new </a:t>
+            </a:r>
+            <a:r>
+              <a:rPr lang="en-US" sz="1600" dirty="0" err="1"/>
+              <a:t>boolean</a:t>
+            </a:r>
+            <a:r>
+              <a:rPr lang="en-US" sz="1600" dirty="0"/>
+              <a:t>[10]</a:t>
+            </a:r>
+            <a:r>
+              <a:rPr lang="en-US" sz="1600" dirty="0" smtClean="0"/>
+              <a:t>;</a:t>
+            </a:r>
+            <a:endParaRPr lang="en-US" sz="1600" dirty="0"/>
+          </a:p>
+          <a:p>
+            <a:r>
+              <a:rPr lang="en-US" sz="1600" dirty="0"/>
+              <a:t>        data[0] = data[1] = 1</a:t>
+            </a:r>
+            <a:r>
+              <a:rPr lang="en-US" sz="1600" dirty="0" smtClean="0"/>
+              <a:t>;</a:t>
+            </a:r>
+            <a:endParaRPr lang="en-US" sz="1600" dirty="0"/>
+          </a:p>
+          <a:p>
+            <a:r>
+              <a:rPr lang="en-US" sz="1600" dirty="0"/>
+              <a:t>        for(</a:t>
+            </a:r>
+            <a:r>
+              <a:rPr lang="en-US" sz="1600" dirty="0" err="1"/>
+              <a:t>int</a:t>
+            </a:r>
+            <a:r>
+              <a:rPr lang="en-US" sz="1600" dirty="0"/>
+              <a:t> </a:t>
+            </a:r>
+            <a:r>
+              <a:rPr lang="en-US" sz="1600" dirty="0" err="1"/>
+              <a:t>i</a:t>
+            </a:r>
+            <a:r>
+              <a:rPr lang="en-US" sz="1600" dirty="0"/>
+              <a:t> =1 ;</a:t>
+            </a:r>
+            <a:r>
+              <a:rPr lang="en-US" sz="1600" dirty="0" err="1"/>
+              <a:t>i</a:t>
+            </a:r>
+            <a:r>
+              <a:rPr lang="en-US" sz="1600" dirty="0"/>
+              <a:t>&lt;10;i++)</a:t>
+            </a:r>
+            <a:r>
+              <a:rPr lang="en-US" sz="1600" dirty="0" smtClean="0"/>
+              <a:t>{</a:t>
+            </a:r>
+            <a:endParaRPr lang="en-US" sz="1600" dirty="0"/>
+          </a:p>
+          <a:p>
+            <a:r>
+              <a:rPr lang="en-US" sz="1600" dirty="0"/>
+              <a:t>            data[</a:t>
+            </a:r>
+            <a:r>
+              <a:rPr lang="en-US" sz="1600" dirty="0" err="1"/>
+              <a:t>i</a:t>
+            </a:r>
+            <a:r>
+              <a:rPr lang="en-US" sz="1600" dirty="0"/>
+              <a:t>] = data[i-1] * </a:t>
+            </a:r>
+            <a:r>
+              <a:rPr lang="en-US" sz="1600" dirty="0" smtClean="0"/>
+              <a:t>I;</a:t>
+            </a:r>
+            <a:endParaRPr lang="en-US" sz="1600" dirty="0"/>
+          </a:p>
+          <a:p>
+            <a:r>
+              <a:rPr lang="en-US" sz="1600" dirty="0"/>
+              <a:t>        </a:t>
+            </a:r>
+            <a:r>
+              <a:rPr lang="en-US" sz="1600" dirty="0" smtClean="0"/>
+              <a:t>}</a:t>
+            </a:r>
+            <a:endParaRPr lang="en-US" sz="1600" dirty="0"/>
+          </a:p>
+          <a:p>
+            <a:r>
+              <a:rPr lang="en-US" sz="1600" dirty="0"/>
+              <a:t>        String </a:t>
+            </a:r>
+            <a:r>
+              <a:rPr lang="en-US" sz="1600" dirty="0" err="1"/>
+              <a:t>str</a:t>
+            </a:r>
+            <a:r>
+              <a:rPr lang="en-US" sz="1600" dirty="0"/>
+              <a:t> = </a:t>
+            </a:r>
+            <a:r>
+              <a:rPr lang="en-US" sz="1600" dirty="0" smtClean="0"/>
+              <a:t>"”;</a:t>
+            </a:r>
+            <a:endParaRPr lang="en-US" sz="1600" dirty="0"/>
+          </a:p>
+          <a:p>
+            <a:r>
+              <a:rPr lang="en-US" sz="1600" dirty="0"/>
+              <a:t>        k--</a:t>
+            </a:r>
+            <a:r>
+              <a:rPr lang="en-US" sz="1600" dirty="0" smtClean="0"/>
+              <a:t>;</a:t>
+            </a:r>
+            <a:endParaRPr lang="en-US" sz="1600" dirty="0"/>
+          </a:p>
+          <a:p>
+            <a:r>
+              <a:rPr lang="en-US" sz="1600" dirty="0"/>
+              <a:t>        for(</a:t>
+            </a:r>
+            <a:r>
+              <a:rPr lang="en-US" sz="1600" dirty="0" err="1"/>
+              <a:t>int</a:t>
+            </a:r>
+            <a:r>
+              <a:rPr lang="en-US" sz="1600" dirty="0"/>
+              <a:t> </a:t>
+            </a:r>
+            <a:r>
+              <a:rPr lang="en-US" sz="1600" dirty="0" err="1"/>
+              <a:t>i</a:t>
+            </a:r>
+            <a:r>
+              <a:rPr lang="en-US" sz="1600" dirty="0"/>
+              <a:t> = n-1;i&gt;=0;i--)</a:t>
+            </a:r>
+            <a:r>
+              <a:rPr lang="en-US" sz="1600" dirty="0" smtClean="0"/>
+              <a:t>{</a:t>
+            </a:r>
+            <a:endParaRPr lang="en-US" sz="1600" dirty="0"/>
+          </a:p>
+          <a:p>
+            <a:r>
+              <a:rPr lang="en-US" sz="1600" dirty="0"/>
+              <a:t>            </a:t>
+            </a:r>
+            <a:r>
+              <a:rPr lang="en-US" sz="1600" dirty="0" err="1"/>
+              <a:t>int</a:t>
+            </a:r>
+            <a:r>
+              <a:rPr lang="en-US" sz="1600" dirty="0"/>
+              <a:t> cur = k/data[</a:t>
+            </a:r>
+            <a:r>
+              <a:rPr lang="en-US" sz="1600" dirty="0" err="1"/>
+              <a:t>i</a:t>
+            </a:r>
+            <a:r>
+              <a:rPr lang="en-US" sz="1600" dirty="0"/>
+              <a:t>]</a:t>
+            </a:r>
+            <a:r>
+              <a:rPr lang="en-US" sz="1600" dirty="0" smtClean="0"/>
+              <a:t>;</a:t>
+            </a:r>
+            <a:endParaRPr lang="en-US" sz="1600" dirty="0"/>
+          </a:p>
+          <a:p>
+            <a:r>
+              <a:rPr lang="en-US" sz="1600" dirty="0"/>
+              <a:t>            </a:t>
+            </a:r>
+            <a:r>
+              <a:rPr lang="en-US" sz="1600" dirty="0" err="1"/>
+              <a:t>int</a:t>
+            </a:r>
+            <a:r>
+              <a:rPr lang="en-US" sz="1600" dirty="0"/>
+              <a:t> j = 1</a:t>
+            </a:r>
+            <a:r>
+              <a:rPr lang="en-US" sz="1600" dirty="0" smtClean="0"/>
+              <a:t>;</a:t>
+            </a:r>
+            <a:endParaRPr lang="en-US" sz="1600" dirty="0"/>
+          </a:p>
+          <a:p>
+            <a:r>
+              <a:rPr lang="en-US" sz="1600" dirty="0"/>
+              <a:t>            for(;j&lt;=9;j++)</a:t>
+            </a:r>
+            <a:r>
+              <a:rPr lang="en-US" sz="1600" dirty="0" smtClean="0"/>
+              <a:t>{</a:t>
+            </a:r>
+            <a:endParaRPr lang="en-US" sz="1600" dirty="0"/>
+          </a:p>
+          <a:p>
+            <a:r>
+              <a:rPr lang="en-US" sz="1600" dirty="0"/>
+              <a:t>                if(visited[j]==false)</a:t>
+            </a:r>
+            <a:r>
+              <a:rPr lang="en-US" sz="1600" dirty="0" smtClean="0"/>
+              <a:t>{</a:t>
+            </a:r>
+            <a:endParaRPr lang="en-US" sz="1600" dirty="0"/>
+          </a:p>
+          <a:p>
+            <a:r>
+              <a:rPr lang="en-US" sz="1600" dirty="0"/>
+              <a:t>                    cur--</a:t>
+            </a:r>
+            <a:r>
+              <a:rPr lang="en-US" sz="1600" dirty="0" smtClean="0"/>
+              <a:t>;</a:t>
+            </a:r>
+            <a:endParaRPr lang="en-US" sz="1600" dirty="0"/>
+          </a:p>
+          <a:p>
+            <a:r>
+              <a:rPr lang="en-US" sz="1600" dirty="0"/>
+              <a:t>                </a:t>
+            </a:r>
+            <a:r>
+              <a:rPr lang="en-US" sz="1600" dirty="0" smtClean="0"/>
+              <a:t>}</a:t>
+            </a:r>
+            <a:endParaRPr lang="en-US" sz="1600" dirty="0"/>
+          </a:p>
+          <a:p>
+            <a:r>
+              <a:rPr lang="en-US" sz="1600" dirty="0"/>
+              <a:t>                if(cur &lt; 0)</a:t>
+            </a:r>
+            <a:r>
+              <a:rPr lang="en-US" sz="1600" dirty="0" smtClean="0"/>
+              <a:t>{</a:t>
+            </a:r>
+            <a:endParaRPr lang="en-US" sz="1600" dirty="0"/>
+          </a:p>
+          <a:p>
+            <a:r>
+              <a:rPr lang="en-US" sz="1600" dirty="0"/>
+              <a:t>                    break</a:t>
+            </a:r>
+            <a:r>
+              <a:rPr lang="en-US" sz="1600" dirty="0" smtClean="0"/>
+              <a:t>;</a:t>
+            </a:r>
+            <a:endParaRPr lang="en-US" sz="1600" dirty="0"/>
+          </a:p>
+          <a:p>
+            <a:r>
+              <a:rPr lang="en-US" sz="1600" dirty="0"/>
+              <a:t>                </a:t>
+            </a:r>
+            <a:r>
+              <a:rPr lang="en-US" sz="1600" dirty="0" smtClean="0"/>
+              <a:t>}</a:t>
+            </a:r>
+            <a:endParaRPr lang="en-US" sz="1600" dirty="0"/>
+          </a:p>
+          <a:p>
+            <a:r>
+              <a:rPr lang="en-US" sz="1600" dirty="0"/>
+              <a:t>            </a:t>
+            </a:r>
+            <a:r>
+              <a:rPr lang="en-US" sz="1600" dirty="0" smtClean="0"/>
+              <a:t>}</a:t>
+            </a:r>
+            <a:endParaRPr lang="en-US" sz="1600" dirty="0"/>
+          </a:p>
+          <a:p>
+            <a:r>
+              <a:rPr lang="en-US" sz="1600" dirty="0"/>
+              <a:t>            visited[j]=true</a:t>
+            </a:r>
+            <a:r>
+              <a:rPr lang="en-US" sz="1600" dirty="0" smtClean="0"/>
+              <a:t>;</a:t>
+            </a:r>
+            <a:endParaRPr lang="en-US" sz="1600" dirty="0"/>
+          </a:p>
+          <a:p>
+            <a:r>
+              <a:rPr lang="en-US" sz="1600" dirty="0"/>
+              <a:t>             </a:t>
+            </a:r>
+            <a:r>
+              <a:rPr lang="en-US" sz="1600" dirty="0" err="1"/>
+              <a:t>str</a:t>
+            </a:r>
+            <a:r>
+              <a:rPr lang="en-US" sz="1600" dirty="0"/>
+              <a:t> += j</a:t>
+            </a:r>
+            <a:r>
+              <a:rPr lang="en-US" sz="1600" dirty="0" smtClean="0"/>
+              <a:t>;</a:t>
+            </a:r>
+            <a:endParaRPr lang="en-US" sz="1600" dirty="0"/>
+          </a:p>
+          <a:p>
+            <a:r>
+              <a:rPr lang="en-US" sz="1600" dirty="0"/>
+              <a:t>             k=</a:t>
+            </a:r>
+            <a:r>
+              <a:rPr lang="en-US" sz="1600" dirty="0" err="1"/>
+              <a:t>k%data</a:t>
+            </a:r>
+            <a:r>
+              <a:rPr lang="en-US" sz="1600" dirty="0"/>
+              <a:t>[</a:t>
+            </a:r>
+            <a:r>
+              <a:rPr lang="en-US" sz="1600" dirty="0" err="1"/>
+              <a:t>i</a:t>
+            </a:r>
+            <a:r>
+              <a:rPr lang="en-US" sz="1600" dirty="0"/>
+              <a:t>]</a:t>
+            </a:r>
+            <a:r>
+              <a:rPr lang="en-US" sz="1600" dirty="0" smtClean="0"/>
+              <a:t>;</a:t>
+            </a:r>
+            <a:endParaRPr lang="en-US" sz="1600" dirty="0"/>
+          </a:p>
+          <a:p>
+            <a:r>
+              <a:rPr lang="en-US" sz="1600" dirty="0"/>
+              <a:t>        </a:t>
+            </a:r>
+            <a:r>
+              <a:rPr lang="en-US" sz="1600" dirty="0" smtClean="0"/>
+              <a:t>}</a:t>
+            </a:r>
+            <a:endParaRPr lang="en-US" sz="1600" dirty="0"/>
+          </a:p>
+          <a:p>
+            <a:r>
+              <a:rPr lang="en-US" sz="1600" dirty="0"/>
+              <a:t>         return </a:t>
+            </a:r>
+            <a:r>
+              <a:rPr lang="en-US" sz="1600" dirty="0" err="1"/>
+              <a:t>str</a:t>
+            </a:r>
+            <a:r>
+              <a:rPr lang="en-US" sz="1600" dirty="0" smtClean="0"/>
+              <a:t>;</a:t>
+            </a:r>
+            <a:endParaRPr lang="en-US" sz="1600" dirty="0"/>
+          </a:p>
+          <a:p>
+            <a:r>
+              <a:rPr lang="en-US" sz="1600" dirty="0"/>
+              <a:t>    </a:t>
+            </a:r>
+            <a:r>
+              <a:rPr lang="en-US" sz="1600" dirty="0" smtClean="0"/>
+              <a:t>}</a:t>
+            </a:r>
+            <a:endParaRPr lang="en-US" sz="1600" dirty="0"/>
+          </a:p>
+          <a:p>
+            <a:r>
+              <a:rPr lang="en-US" sz="1600" dirty="0"/>
+              <a:t>}</a:t>
+            </a:r>
+          </a:p>
+        </p:txBody>
+      </p:sp>
+      <p:sp>
+        <p:nvSpPr>
+          <p:cNvPr id="5" name="TextBox 4"/>
+          <p:cNvSpPr txBox="1"/>
+          <p:nvPr/>
+        </p:nvSpPr>
+        <p:spPr>
+          <a:xfrm>
+            <a:off x="4956767" y="400120"/>
+            <a:ext cx="2169688" cy="646331"/>
+          </a:xfrm>
+          <a:prstGeom prst="rect">
+            <a:avLst/>
+          </a:prstGeom>
+          <a:noFill/>
+        </p:spPr>
+        <p:txBody>
+          <a:bodyPr wrap="square" rtlCol="0">
+            <a:spAutoFit/>
+          </a:bodyPr>
           <a:lstStyle/>
           <a:p>
-            <a:endParaRPr lang="en-US"/>
+            <a:r>
+              <a:rPr lang="en-US" dirty="0"/>
+              <a:t>60. Permutation Sequence</a:t>
+            </a:r>
+            <a:endParaRPr lang="en-US" dirty="0"/>
+          </a:p>
+        </p:txBody>
+      </p:sp>
+      <p:sp>
+        <p:nvSpPr>
+          <p:cNvPr id="6" name="TextBox 5"/>
+          <p:cNvSpPr txBox="1"/>
+          <p:nvPr/>
+        </p:nvSpPr>
+        <p:spPr>
+          <a:xfrm>
+            <a:off x="4815650" y="1446577"/>
+            <a:ext cx="2981115" cy="4524316"/>
+          </a:xfrm>
+          <a:prstGeom prst="rect">
+            <a:avLst/>
+          </a:prstGeom>
+          <a:noFill/>
+        </p:spPr>
+        <p:txBody>
+          <a:bodyPr wrap="square" rtlCol="0">
+            <a:spAutoFit/>
+          </a:bodyPr>
+          <a:lstStyle/>
+          <a:p>
+            <a:r>
+              <a:rPr lang="en-US" dirty="0"/>
+              <a:t>The set [1,2,3,…,</a:t>
+            </a:r>
+            <a:r>
+              <a:rPr lang="en-US" i="1" dirty="0"/>
+              <a:t>n</a:t>
+            </a:r>
+            <a:r>
+              <a:rPr lang="en-US" dirty="0"/>
+              <a:t>] contains a total of </a:t>
+            </a:r>
+            <a:r>
+              <a:rPr lang="en-US" i="1" dirty="0"/>
+              <a:t>n</a:t>
+            </a:r>
+            <a:r>
+              <a:rPr lang="en-US" dirty="0"/>
+              <a:t>! unique permutations.</a:t>
+            </a:r>
+          </a:p>
+          <a:p>
+            <a:r>
+              <a:rPr lang="en-US" dirty="0"/>
+              <a:t>By listing and labeling all of the permutations in order,</a:t>
+            </a:r>
+          </a:p>
+          <a:p>
+            <a:r>
+              <a:rPr lang="en-US" dirty="0"/>
+              <a:t>We get the following sequence (</a:t>
+            </a:r>
+            <a:r>
+              <a:rPr lang="en-US" dirty="0" err="1"/>
+              <a:t>ie</a:t>
+            </a:r>
+            <a:r>
+              <a:rPr lang="en-US" dirty="0"/>
+              <a:t>, for </a:t>
+            </a:r>
+            <a:r>
+              <a:rPr lang="en-US" i="1" dirty="0"/>
+              <a:t>n</a:t>
+            </a:r>
+            <a:r>
+              <a:rPr lang="en-US" dirty="0"/>
+              <a:t> = 3):</a:t>
+            </a:r>
+          </a:p>
+          <a:p>
+            <a:r>
+              <a:rPr lang="en-US" dirty="0"/>
+              <a:t>"123"</a:t>
+            </a:r>
+          </a:p>
+          <a:p>
+            <a:r>
+              <a:rPr lang="en-US" dirty="0"/>
+              <a:t>"132"</a:t>
+            </a:r>
+          </a:p>
+          <a:p>
+            <a:r>
+              <a:rPr lang="en-US" dirty="0"/>
+              <a:t>"213"</a:t>
+            </a:r>
+          </a:p>
+          <a:p>
+            <a:r>
+              <a:rPr lang="en-US" dirty="0"/>
+              <a:t>"231"</a:t>
+            </a:r>
+          </a:p>
+          <a:p>
+            <a:r>
+              <a:rPr lang="en-US" dirty="0"/>
+              <a:t>"312"</a:t>
+            </a:r>
+          </a:p>
+          <a:p>
+            <a:r>
+              <a:rPr lang="en-US" dirty="0"/>
+              <a:t>"321"</a:t>
+            </a:r>
+          </a:p>
+          <a:p>
+            <a:endParaRPr lang="en-US" dirty="0"/>
+          </a:p>
+          <a:p>
+            <a:r>
+              <a:rPr lang="en-US" dirty="0"/>
+              <a:t>Given </a:t>
+            </a:r>
+            <a:r>
+              <a:rPr lang="en-US" i="1" dirty="0"/>
+              <a:t>n</a:t>
+            </a:r>
+            <a:r>
+              <a:rPr lang="en-US" dirty="0"/>
+              <a:t> and </a:t>
+            </a:r>
+            <a:r>
+              <a:rPr lang="en-US" i="1" dirty="0"/>
+              <a:t>k</a:t>
+            </a:r>
+            <a:r>
+              <a:rPr lang="en-US" dirty="0"/>
+              <a:t>, return the </a:t>
+            </a:r>
+            <a:r>
+              <a:rPr lang="en-US" i="1" dirty="0" err="1"/>
+              <a:t>k</a:t>
+            </a:r>
+            <a:r>
+              <a:rPr lang="en-US" dirty="0" err="1"/>
+              <a:t>th</a:t>
+            </a:r>
+            <a:r>
+              <a:rPr lang="en-US" dirty="0"/>
+              <a:t> permutation sequence.</a:t>
+            </a:r>
+            <a:endParaRPr lang="en-US" dirty="0"/>
           </a:p>
         </p:txBody>
       </p:sp>

--- a/Basic/Leetcode.pptx
+++ b/Basic/Leetcode.pptx
@@ -9,6 +9,8 @@
     <p:sldId id="257" r:id="rId3"/>
     <p:sldId id="258" r:id="rId4"/>
     <p:sldId id="259" r:id="rId5"/>
+    <p:sldId id="260" r:id="rId6"/>
+    <p:sldId id="261" r:id="rId7"/>
   </p:sldIdLst>
   <p:sldSz cx="9144000" cy="6858000" type="screen4x3"/>
   <p:notesSz cx="6858000" cy="9144000"/>
@@ -5714,6 +5716,1375 @@
     <p:extLst>
       <p:ext uri="{BB962C8B-B14F-4D97-AF65-F5344CB8AC3E}">
         <p14:creationId xmlns:p14="http://schemas.microsoft.com/office/powerpoint/2010/main" val="4110127600"/>
+      </p:ext>
+    </p:extLst>
+  </p:cSld>
+  <p:clrMapOvr>
+    <a:masterClrMapping/>
+  </p:clrMapOvr>
+</p:sld>
+</file>
+
+<file path=ppt/slides/slide5.xml><?xml version="1.0" encoding="utf-8"?>
+<p:sld xmlns:a="http://schemas.openxmlformats.org/drawingml/2006/main" xmlns:r="http://schemas.openxmlformats.org/officeDocument/2006/relationships" xmlns:p="http://schemas.openxmlformats.org/presentationml/2006/main">
+  <p:cSld>
+    <p:spTree>
+      <p:nvGrpSpPr>
+        <p:cNvPr id="1" name=""/>
+        <p:cNvGrpSpPr/>
+        <p:nvPr/>
+      </p:nvGrpSpPr>
+      <p:grpSpPr>
+        <a:xfrm>
+          <a:off x="0" y="0"/>
+          <a:ext cx="0" cy="0"/>
+          <a:chOff x="0" y="0"/>
+          <a:chExt cx="0" cy="0"/>
+        </a:xfrm>
+      </p:grpSpPr>
+      <p:sp>
+        <p:nvSpPr>
+          <p:cNvPr id="4" name="TextBox 3"/>
+          <p:cNvSpPr txBox="1"/>
+          <p:nvPr/>
+        </p:nvSpPr>
+        <p:spPr>
+          <a:xfrm>
+            <a:off x="0" y="17641"/>
+            <a:ext cx="5795778" cy="6247866"/>
+          </a:xfrm>
+          <a:prstGeom prst="rect">
+            <a:avLst/>
+          </a:prstGeom>
+          <a:noFill/>
+        </p:spPr>
+        <p:txBody>
+          <a:bodyPr wrap="none" rtlCol="0">
+            <a:spAutoFit/>
+          </a:bodyPr>
+          <a:lstStyle/>
+          <a:p>
+            <a:r>
+              <a:rPr lang="en-US" sz="1600" dirty="0"/>
+              <a:t>public class Solution </a:t>
+            </a:r>
+            <a:r>
+              <a:rPr lang="en-US" sz="1600" dirty="0" smtClean="0"/>
+              <a:t>{</a:t>
+            </a:r>
+            <a:endParaRPr lang="en-US" sz="1600" dirty="0"/>
+          </a:p>
+          <a:p>
+            <a:r>
+              <a:rPr lang="en-US" sz="1600" dirty="0"/>
+              <a:t>    public </a:t>
+            </a:r>
+            <a:r>
+              <a:rPr lang="en-US" sz="1600" dirty="0" err="1"/>
+              <a:t>int</a:t>
+            </a:r>
+            <a:r>
+              <a:rPr lang="en-US" sz="1600" dirty="0"/>
+              <a:t> </a:t>
+            </a:r>
+            <a:r>
+              <a:rPr lang="en-US" sz="1600" dirty="0" err="1"/>
+              <a:t>kthSmallest</a:t>
+            </a:r>
+            <a:r>
+              <a:rPr lang="en-US" sz="1600" dirty="0"/>
+              <a:t>(</a:t>
+            </a:r>
+            <a:r>
+              <a:rPr lang="en-US" sz="1600" dirty="0" err="1"/>
+              <a:t>int</a:t>
+            </a:r>
+            <a:r>
+              <a:rPr lang="en-US" sz="1600" dirty="0"/>
+              <a:t>[][] matrix, </a:t>
+            </a:r>
+            <a:r>
+              <a:rPr lang="en-US" sz="1600" dirty="0" err="1"/>
+              <a:t>int</a:t>
+            </a:r>
+            <a:r>
+              <a:rPr lang="en-US" sz="1600" dirty="0"/>
+              <a:t> k) </a:t>
+            </a:r>
+            <a:r>
+              <a:rPr lang="en-US" sz="1600" dirty="0" smtClean="0"/>
+              <a:t>{</a:t>
+            </a:r>
+            <a:endParaRPr lang="en-US" sz="1600" dirty="0"/>
+          </a:p>
+          <a:p>
+            <a:r>
+              <a:rPr lang="en-US" sz="1600" dirty="0"/>
+              <a:t>     </a:t>
+            </a:r>
+            <a:r>
+              <a:rPr lang="en-US" sz="1600" dirty="0" err="1"/>
+              <a:t>int</a:t>
+            </a:r>
+            <a:r>
+              <a:rPr lang="en-US" sz="1600" dirty="0"/>
+              <a:t> n = </a:t>
+            </a:r>
+            <a:r>
+              <a:rPr lang="en-US" sz="1600" dirty="0" err="1"/>
+              <a:t>matrix.length</a:t>
+            </a:r>
+            <a:r>
+              <a:rPr lang="en-US" sz="1600" dirty="0" smtClean="0"/>
+              <a:t>;</a:t>
+            </a:r>
+            <a:endParaRPr lang="en-US" sz="1600" dirty="0"/>
+          </a:p>
+          <a:p>
+            <a:r>
+              <a:rPr lang="en-US" sz="1600" dirty="0"/>
+              <a:t>        </a:t>
+            </a:r>
+            <a:r>
+              <a:rPr lang="en-US" sz="1600" dirty="0" err="1"/>
+              <a:t>PriorityQueue</a:t>
+            </a:r>
+            <a:r>
+              <a:rPr lang="en-US" sz="1600" dirty="0"/>
+              <a:t>&lt;Tuple&gt; </a:t>
+            </a:r>
+            <a:r>
+              <a:rPr lang="en-US" sz="1600" dirty="0" err="1"/>
+              <a:t>pq</a:t>
+            </a:r>
+            <a:r>
+              <a:rPr lang="en-US" sz="1600" dirty="0"/>
+              <a:t> = new </a:t>
+            </a:r>
+            <a:r>
+              <a:rPr lang="en-US" sz="1600" dirty="0" err="1"/>
+              <a:t>PriorityQueue</a:t>
+            </a:r>
+            <a:r>
+              <a:rPr lang="en-US" sz="1600" dirty="0"/>
+              <a:t>&lt;Tuple&gt;()</a:t>
+            </a:r>
+            <a:r>
+              <a:rPr lang="en-US" sz="1600" dirty="0" smtClean="0"/>
+              <a:t>;</a:t>
+            </a:r>
+            <a:endParaRPr lang="en-US" sz="1600" dirty="0"/>
+          </a:p>
+          <a:p>
+            <a:r>
+              <a:rPr lang="en-US" sz="1600" dirty="0"/>
+              <a:t>        for(</a:t>
+            </a:r>
+            <a:r>
+              <a:rPr lang="en-US" sz="1600" dirty="0" err="1"/>
+              <a:t>int</a:t>
+            </a:r>
+            <a:r>
+              <a:rPr lang="en-US" sz="1600" dirty="0"/>
+              <a:t> j = 0; j &lt;= n-1; j++) </a:t>
+            </a:r>
+            <a:r>
+              <a:rPr lang="en-US" sz="1600" dirty="0" err="1"/>
+              <a:t>pq.offer</a:t>
+            </a:r>
+            <a:r>
+              <a:rPr lang="en-US" sz="1600" dirty="0"/>
+              <a:t>(new Tuple(0, j, matrix[0][j]))</a:t>
+            </a:r>
+            <a:r>
+              <a:rPr lang="en-US" sz="1600" dirty="0" smtClean="0"/>
+              <a:t>;</a:t>
+            </a:r>
+            <a:endParaRPr lang="en-US" sz="1600" dirty="0"/>
+          </a:p>
+          <a:p>
+            <a:r>
+              <a:rPr lang="en-US" sz="1600" dirty="0"/>
+              <a:t>        for(</a:t>
+            </a:r>
+            <a:r>
+              <a:rPr lang="en-US" sz="1600" dirty="0" err="1"/>
+              <a:t>int</a:t>
+            </a:r>
+            <a:r>
+              <a:rPr lang="en-US" sz="1600" dirty="0"/>
+              <a:t> </a:t>
+            </a:r>
+            <a:r>
+              <a:rPr lang="en-US" sz="1600" dirty="0" err="1"/>
+              <a:t>i</a:t>
+            </a:r>
+            <a:r>
+              <a:rPr lang="en-US" sz="1600" dirty="0"/>
+              <a:t> = 0; </a:t>
+            </a:r>
+            <a:r>
+              <a:rPr lang="en-US" sz="1600" dirty="0" err="1"/>
+              <a:t>i</a:t>
+            </a:r>
+            <a:r>
+              <a:rPr lang="en-US" sz="1600" dirty="0"/>
+              <a:t> &lt; k-1; </a:t>
+            </a:r>
+            <a:r>
+              <a:rPr lang="en-US" sz="1600" dirty="0" err="1"/>
+              <a:t>i</a:t>
+            </a:r>
+            <a:r>
+              <a:rPr lang="en-US" sz="1600" dirty="0"/>
+              <a:t>++) </a:t>
+            </a:r>
+            <a:r>
+              <a:rPr lang="en-US" sz="1600" dirty="0" smtClean="0"/>
+              <a:t>{</a:t>
+            </a:r>
+            <a:endParaRPr lang="en-US" sz="1600" dirty="0"/>
+          </a:p>
+          <a:p>
+            <a:r>
+              <a:rPr lang="en-US" sz="1600" dirty="0"/>
+              <a:t>            Tuple t = </a:t>
+            </a:r>
+            <a:r>
+              <a:rPr lang="en-US" sz="1600" dirty="0" err="1"/>
+              <a:t>pq.poll</a:t>
+            </a:r>
+            <a:r>
+              <a:rPr lang="en-US" sz="1600" dirty="0"/>
+              <a:t>()</a:t>
+            </a:r>
+            <a:r>
+              <a:rPr lang="en-US" sz="1600" dirty="0" smtClean="0"/>
+              <a:t>;</a:t>
+            </a:r>
+            <a:endParaRPr lang="en-US" sz="1600" dirty="0"/>
+          </a:p>
+          <a:p>
+            <a:r>
+              <a:rPr lang="en-US" sz="1600" dirty="0"/>
+              <a:t>            if(</a:t>
+            </a:r>
+            <a:r>
+              <a:rPr lang="en-US" sz="1600" dirty="0" err="1"/>
+              <a:t>t.x</a:t>
+            </a:r>
+            <a:r>
+              <a:rPr lang="en-US" sz="1600" dirty="0"/>
+              <a:t> == n-1) continue</a:t>
+            </a:r>
+            <a:r>
+              <a:rPr lang="en-US" sz="1600" dirty="0" smtClean="0"/>
+              <a:t>;</a:t>
+            </a:r>
+            <a:endParaRPr lang="en-US" sz="1600" dirty="0"/>
+          </a:p>
+          <a:p>
+            <a:r>
+              <a:rPr lang="en-US" sz="1600" dirty="0"/>
+              <a:t>            </a:t>
+            </a:r>
+            <a:r>
+              <a:rPr lang="en-US" sz="1600" dirty="0" err="1"/>
+              <a:t>pq.offer</a:t>
+            </a:r>
+            <a:r>
+              <a:rPr lang="en-US" sz="1600" dirty="0"/>
+              <a:t>(new Tuple(t.x+1, </a:t>
+            </a:r>
+            <a:r>
+              <a:rPr lang="en-US" sz="1600" dirty="0" err="1"/>
+              <a:t>t.y</a:t>
+            </a:r>
+            <a:r>
+              <a:rPr lang="en-US" sz="1600" dirty="0"/>
+              <a:t>, matrix[t.x+1][</a:t>
+            </a:r>
+            <a:r>
+              <a:rPr lang="en-US" sz="1600" dirty="0" err="1"/>
+              <a:t>t.y</a:t>
+            </a:r>
+            <a:r>
+              <a:rPr lang="en-US" sz="1600" dirty="0"/>
+              <a:t>]))</a:t>
+            </a:r>
+            <a:r>
+              <a:rPr lang="en-US" sz="1600" dirty="0" smtClean="0"/>
+              <a:t>;</a:t>
+            </a:r>
+            <a:endParaRPr lang="en-US" sz="1600" dirty="0"/>
+          </a:p>
+          <a:p>
+            <a:r>
+              <a:rPr lang="en-US" sz="1600" dirty="0"/>
+              <a:t>        </a:t>
+            </a:r>
+            <a:r>
+              <a:rPr lang="en-US" sz="1600" dirty="0" smtClean="0"/>
+              <a:t>}</a:t>
+            </a:r>
+            <a:endParaRPr lang="en-US" sz="1600" dirty="0"/>
+          </a:p>
+          <a:p>
+            <a:r>
+              <a:rPr lang="en-US" sz="1600" dirty="0"/>
+              <a:t>     </a:t>
+            </a:r>
+            <a:r>
+              <a:rPr lang="en-US" sz="1600" dirty="0" smtClean="0"/>
+              <a:t>  </a:t>
+            </a:r>
+            <a:r>
+              <a:rPr lang="en-US" sz="1600" dirty="0"/>
+              <a:t>return </a:t>
+            </a:r>
+            <a:r>
+              <a:rPr lang="en-US" sz="1600" dirty="0" err="1"/>
+              <a:t>pq.poll</a:t>
+            </a:r>
+            <a:r>
+              <a:rPr lang="en-US" sz="1600" dirty="0"/>
+              <a:t>().</a:t>
+            </a:r>
+            <a:r>
+              <a:rPr lang="en-US" sz="1600" dirty="0" err="1"/>
+              <a:t>val</a:t>
+            </a:r>
+            <a:r>
+              <a:rPr lang="en-US" sz="1600" dirty="0" smtClean="0"/>
+              <a:t>;</a:t>
+            </a:r>
+            <a:endParaRPr lang="en-US" sz="1600" dirty="0"/>
+          </a:p>
+          <a:p>
+            <a:r>
+              <a:rPr lang="en-US" sz="1600" dirty="0"/>
+              <a:t>    </a:t>
+            </a:r>
+            <a:r>
+              <a:rPr lang="en-US" sz="1600" dirty="0" smtClean="0"/>
+              <a:t>}</a:t>
+            </a:r>
+            <a:endParaRPr lang="en-US" sz="1600" dirty="0"/>
+          </a:p>
+          <a:p>
+            <a:r>
+              <a:rPr lang="en-US" sz="1600" dirty="0"/>
+              <a:t>class Tuple implements Comparable&lt;Tuple&gt; </a:t>
+            </a:r>
+            <a:r>
+              <a:rPr lang="en-US" sz="1600" dirty="0" smtClean="0"/>
+              <a:t>{</a:t>
+            </a:r>
+            <a:endParaRPr lang="en-US" sz="1600" dirty="0"/>
+          </a:p>
+          <a:p>
+            <a:r>
+              <a:rPr lang="en-US" sz="1600" dirty="0"/>
+              <a:t>    </a:t>
+            </a:r>
+            <a:r>
+              <a:rPr lang="en-US" sz="1600" dirty="0" err="1"/>
+              <a:t>int</a:t>
+            </a:r>
+            <a:r>
+              <a:rPr lang="en-US" sz="1600" dirty="0"/>
+              <a:t> x, y, </a:t>
+            </a:r>
+            <a:r>
+              <a:rPr lang="en-US" sz="1600" dirty="0" err="1"/>
+              <a:t>val</a:t>
+            </a:r>
+            <a:r>
+              <a:rPr lang="en-US" sz="1600" dirty="0" smtClean="0"/>
+              <a:t>;</a:t>
+            </a:r>
+            <a:endParaRPr lang="en-US" sz="1600" dirty="0"/>
+          </a:p>
+          <a:p>
+            <a:r>
+              <a:rPr lang="en-US" sz="1600" dirty="0"/>
+              <a:t>    public Tuple (</a:t>
+            </a:r>
+            <a:r>
+              <a:rPr lang="en-US" sz="1600" dirty="0" err="1"/>
+              <a:t>int</a:t>
+            </a:r>
+            <a:r>
+              <a:rPr lang="en-US" sz="1600" dirty="0"/>
+              <a:t> x, </a:t>
+            </a:r>
+            <a:r>
+              <a:rPr lang="en-US" sz="1600" dirty="0" err="1"/>
+              <a:t>int</a:t>
+            </a:r>
+            <a:r>
+              <a:rPr lang="en-US" sz="1600" dirty="0"/>
+              <a:t> y, </a:t>
+            </a:r>
+            <a:r>
+              <a:rPr lang="en-US" sz="1600" dirty="0" err="1"/>
+              <a:t>int</a:t>
+            </a:r>
+            <a:r>
+              <a:rPr lang="en-US" sz="1600" dirty="0"/>
+              <a:t> </a:t>
+            </a:r>
+            <a:r>
+              <a:rPr lang="en-US" sz="1600" dirty="0" err="1"/>
+              <a:t>val</a:t>
+            </a:r>
+            <a:r>
+              <a:rPr lang="en-US" sz="1600" dirty="0"/>
+              <a:t>) </a:t>
+            </a:r>
+            <a:r>
+              <a:rPr lang="en-US" sz="1600" dirty="0" smtClean="0"/>
+              <a:t>{</a:t>
+            </a:r>
+            <a:endParaRPr lang="en-US" sz="1600" dirty="0"/>
+          </a:p>
+          <a:p>
+            <a:r>
+              <a:rPr lang="en-US" sz="1600" dirty="0"/>
+              <a:t>        </a:t>
+            </a:r>
+            <a:r>
+              <a:rPr lang="en-US" sz="1600" dirty="0" err="1"/>
+              <a:t>this.x</a:t>
+            </a:r>
+            <a:r>
+              <a:rPr lang="en-US" sz="1600" dirty="0"/>
+              <a:t> = x</a:t>
+            </a:r>
+            <a:r>
+              <a:rPr lang="en-US" sz="1600" dirty="0" smtClean="0"/>
+              <a:t>;</a:t>
+            </a:r>
+            <a:endParaRPr lang="en-US" sz="1600" dirty="0"/>
+          </a:p>
+          <a:p>
+            <a:r>
+              <a:rPr lang="en-US" sz="1600" dirty="0"/>
+              <a:t>        </a:t>
+            </a:r>
+            <a:r>
+              <a:rPr lang="en-US" sz="1600" dirty="0" err="1"/>
+              <a:t>this.y</a:t>
+            </a:r>
+            <a:r>
+              <a:rPr lang="en-US" sz="1600" dirty="0"/>
+              <a:t> = y</a:t>
+            </a:r>
+            <a:r>
+              <a:rPr lang="en-US" sz="1600" dirty="0" smtClean="0"/>
+              <a:t>;</a:t>
+            </a:r>
+            <a:endParaRPr lang="en-US" sz="1600" dirty="0"/>
+          </a:p>
+          <a:p>
+            <a:r>
+              <a:rPr lang="en-US" sz="1600" dirty="0"/>
+              <a:t>        </a:t>
+            </a:r>
+            <a:r>
+              <a:rPr lang="en-US" sz="1600" dirty="0" err="1"/>
+              <a:t>this.val</a:t>
+            </a:r>
+            <a:r>
+              <a:rPr lang="en-US" sz="1600" dirty="0"/>
+              <a:t> = </a:t>
+            </a:r>
+            <a:r>
+              <a:rPr lang="en-US" sz="1600" dirty="0" err="1"/>
+              <a:t>val</a:t>
+            </a:r>
+            <a:r>
+              <a:rPr lang="en-US" sz="1600" dirty="0" smtClean="0"/>
+              <a:t>;</a:t>
+            </a:r>
+            <a:endParaRPr lang="en-US" sz="1600" dirty="0"/>
+          </a:p>
+          <a:p>
+            <a:r>
+              <a:rPr lang="en-US" sz="1600" dirty="0"/>
+              <a:t>    </a:t>
+            </a:r>
+            <a:r>
+              <a:rPr lang="en-US" sz="1600" dirty="0" smtClean="0"/>
+              <a:t>}  </a:t>
+            </a:r>
+            <a:endParaRPr lang="en-US" sz="1600" dirty="0"/>
+          </a:p>
+          <a:p>
+            <a:r>
+              <a:rPr lang="en-US" sz="1600" dirty="0"/>
+              <a:t>    @</a:t>
+            </a:r>
+            <a:r>
+              <a:rPr lang="en-US" sz="1600" dirty="0" smtClean="0"/>
+              <a:t>Override</a:t>
+            </a:r>
+            <a:endParaRPr lang="en-US" sz="1600" dirty="0"/>
+          </a:p>
+          <a:p>
+            <a:r>
+              <a:rPr lang="en-US" sz="1600" dirty="0"/>
+              <a:t>    public </a:t>
+            </a:r>
+            <a:r>
+              <a:rPr lang="en-US" sz="1600" dirty="0" err="1"/>
+              <a:t>int</a:t>
+            </a:r>
+            <a:r>
+              <a:rPr lang="en-US" sz="1600" dirty="0"/>
+              <a:t> </a:t>
+            </a:r>
+            <a:r>
+              <a:rPr lang="en-US" sz="1600" dirty="0" err="1"/>
+              <a:t>compareTo</a:t>
+            </a:r>
+            <a:r>
+              <a:rPr lang="en-US" sz="1600" dirty="0"/>
+              <a:t> (Tuple that) </a:t>
+            </a:r>
+            <a:r>
+              <a:rPr lang="en-US" sz="1600" dirty="0" smtClean="0"/>
+              <a:t>{</a:t>
+            </a:r>
+            <a:endParaRPr lang="en-US" sz="1600" dirty="0"/>
+          </a:p>
+          <a:p>
+            <a:r>
+              <a:rPr lang="en-US" sz="1600" dirty="0"/>
+              <a:t>        return </a:t>
+            </a:r>
+            <a:r>
+              <a:rPr lang="en-US" sz="1600" dirty="0" err="1"/>
+              <a:t>this.val</a:t>
+            </a:r>
+            <a:r>
+              <a:rPr lang="en-US" sz="1600" dirty="0"/>
+              <a:t> - </a:t>
+            </a:r>
+            <a:r>
+              <a:rPr lang="en-US" sz="1600" dirty="0" err="1"/>
+              <a:t>that.val</a:t>
+            </a:r>
+            <a:r>
+              <a:rPr lang="en-US" sz="1600" dirty="0" smtClean="0"/>
+              <a:t>;</a:t>
+            </a:r>
+            <a:endParaRPr lang="en-US" sz="1600" dirty="0"/>
+          </a:p>
+          <a:p>
+            <a:r>
+              <a:rPr lang="en-US" sz="1600" dirty="0"/>
+              <a:t>    </a:t>
+            </a:r>
+            <a:r>
+              <a:rPr lang="en-US" sz="1600" dirty="0" smtClean="0"/>
+              <a:t>}</a:t>
+            </a:r>
+            <a:endParaRPr lang="en-US" sz="1600" dirty="0"/>
+          </a:p>
+          <a:p>
+            <a:r>
+              <a:rPr lang="en-US" sz="1600" dirty="0"/>
+              <a:t>    </a:t>
+            </a:r>
+            <a:r>
+              <a:rPr lang="en-US" sz="1600" dirty="0" smtClean="0"/>
+              <a:t>}</a:t>
+            </a:r>
+            <a:endParaRPr lang="en-US" sz="1600" dirty="0"/>
+          </a:p>
+          <a:p>
+            <a:r>
+              <a:rPr lang="en-US" sz="1600" dirty="0"/>
+              <a:t>}</a:t>
+            </a:r>
+          </a:p>
+        </p:txBody>
+      </p:sp>
+      <p:sp>
+        <p:nvSpPr>
+          <p:cNvPr id="5" name="TextBox 4"/>
+          <p:cNvSpPr txBox="1"/>
+          <p:nvPr/>
+        </p:nvSpPr>
+        <p:spPr>
+          <a:xfrm>
+            <a:off x="4884517" y="1440231"/>
+            <a:ext cx="4259483" cy="5355313"/>
+          </a:xfrm>
+          <a:prstGeom prst="rect">
+            <a:avLst/>
+          </a:prstGeom>
+          <a:noFill/>
+        </p:spPr>
+        <p:txBody>
+          <a:bodyPr wrap="square" rtlCol="0">
+            <a:spAutoFit/>
+          </a:bodyPr>
+          <a:lstStyle/>
+          <a:p>
+            <a:r>
+              <a:rPr lang="en-US" dirty="0"/>
+              <a:t>Given a </a:t>
+            </a:r>
+            <a:r>
+              <a:rPr lang="en-US" i="1" dirty="0"/>
+              <a:t>n</a:t>
+            </a:r>
+            <a:r>
+              <a:rPr lang="en-US" dirty="0"/>
+              <a:t> x </a:t>
+            </a:r>
+            <a:r>
+              <a:rPr lang="en-US" i="1" dirty="0"/>
+              <a:t>n</a:t>
+            </a:r>
+            <a:r>
+              <a:rPr lang="en-US" dirty="0"/>
+              <a:t> matrix where each of the rows and columns are sorted in ascending order, find the </a:t>
+            </a:r>
+            <a:r>
+              <a:rPr lang="en-US" dirty="0" err="1"/>
+              <a:t>kth</a:t>
+            </a:r>
+            <a:r>
+              <a:rPr lang="en-US" dirty="0"/>
+              <a:t> smallest element in the matrix.</a:t>
+            </a:r>
+          </a:p>
+          <a:p>
+            <a:r>
+              <a:rPr lang="en-US" dirty="0"/>
+              <a:t>Note that it is the </a:t>
+            </a:r>
+            <a:r>
+              <a:rPr lang="en-US" dirty="0" err="1"/>
+              <a:t>kth</a:t>
+            </a:r>
+            <a:r>
+              <a:rPr lang="en-US" dirty="0"/>
+              <a:t> smallest element in the sorted order, not the </a:t>
+            </a:r>
+            <a:r>
+              <a:rPr lang="en-US" dirty="0" err="1"/>
+              <a:t>kth</a:t>
+            </a:r>
+            <a:r>
+              <a:rPr lang="en-US" dirty="0"/>
+              <a:t> distinct element.</a:t>
+            </a:r>
+          </a:p>
+          <a:p>
+            <a:r>
+              <a:rPr lang="en-US" b="1" dirty="0"/>
+              <a:t>Example:</a:t>
+            </a:r>
+            <a:endParaRPr lang="en-US" dirty="0"/>
+          </a:p>
+          <a:p>
+            <a:r>
+              <a:rPr lang="en-US" dirty="0"/>
+              <a:t>matrix = [</a:t>
+            </a:r>
+          </a:p>
+          <a:p>
+            <a:r>
+              <a:rPr lang="en-US" dirty="0"/>
+              <a:t>   [ 1,  5,  9],</a:t>
+            </a:r>
+          </a:p>
+          <a:p>
+            <a:r>
+              <a:rPr lang="en-US" dirty="0"/>
+              <a:t>   [10, 11, 13],</a:t>
+            </a:r>
+          </a:p>
+          <a:p>
+            <a:r>
+              <a:rPr lang="en-US" dirty="0"/>
+              <a:t>   [12, 13, 15]</a:t>
+            </a:r>
+          </a:p>
+          <a:p>
+            <a:r>
+              <a:rPr lang="en-US" dirty="0"/>
+              <a:t>],</a:t>
+            </a:r>
+          </a:p>
+          <a:p>
+            <a:r>
+              <a:rPr lang="en-US" dirty="0"/>
+              <a:t>k = 8,</a:t>
+            </a:r>
+          </a:p>
+          <a:p>
+            <a:endParaRPr lang="en-US" dirty="0"/>
+          </a:p>
+          <a:p>
+            <a:r>
+              <a:rPr lang="en-US" dirty="0"/>
+              <a:t>return 13.</a:t>
+            </a:r>
+          </a:p>
+          <a:p>
+            <a:endParaRPr lang="en-US" dirty="0"/>
+          </a:p>
+          <a:p>
+            <a:r>
+              <a:rPr lang="en-US" b="1" dirty="0"/>
+              <a:t>Note: </a:t>
+            </a:r>
+            <a:endParaRPr lang="en-US" dirty="0"/>
+          </a:p>
+          <a:p>
+            <a:r>
+              <a:rPr lang="en-US" dirty="0"/>
+              <a:t>You may assume k is always valid, 1 ≤ k ≤ n2.</a:t>
+            </a:r>
+            <a:endParaRPr lang="en-US" dirty="0"/>
+          </a:p>
+        </p:txBody>
+      </p:sp>
+      <p:sp>
+        <p:nvSpPr>
+          <p:cNvPr id="6" name="TextBox 5"/>
+          <p:cNvSpPr txBox="1"/>
+          <p:nvPr/>
+        </p:nvSpPr>
+        <p:spPr>
+          <a:xfrm>
+            <a:off x="5227543" y="164400"/>
+            <a:ext cx="4326826" cy="369332"/>
+          </a:xfrm>
+          <a:prstGeom prst="rect">
+            <a:avLst/>
+          </a:prstGeom>
+          <a:noFill/>
+        </p:spPr>
+        <p:txBody>
+          <a:bodyPr wrap="none" rtlCol="0">
+            <a:spAutoFit/>
+          </a:bodyPr>
+          <a:lstStyle/>
+          <a:p>
+            <a:r>
+              <a:rPr lang="en-US" dirty="0" smtClean="0"/>
+              <a:t>378.Kth </a:t>
+            </a:r>
+            <a:r>
+              <a:rPr lang="en-US" dirty="0"/>
+              <a:t>Smallest Element in a Sorted Matrix</a:t>
+            </a:r>
+            <a:endParaRPr lang="en-US" dirty="0"/>
+          </a:p>
+        </p:txBody>
+      </p:sp>
+    </p:spTree>
+    <p:extLst>
+      <p:ext uri="{BB962C8B-B14F-4D97-AF65-F5344CB8AC3E}">
+        <p14:creationId xmlns:p14="http://schemas.microsoft.com/office/powerpoint/2010/main" val="1072071032"/>
+      </p:ext>
+    </p:extLst>
+  </p:cSld>
+  <p:clrMapOvr>
+    <a:masterClrMapping/>
+  </p:clrMapOvr>
+</p:sld>
+</file>
+
+<file path=ppt/slides/slide6.xml><?xml version="1.0" encoding="utf-8"?>
+<p:sld xmlns:a="http://schemas.openxmlformats.org/drawingml/2006/main" xmlns:r="http://schemas.openxmlformats.org/officeDocument/2006/relationships" xmlns:p="http://schemas.openxmlformats.org/presentationml/2006/main">
+  <p:cSld>
+    <p:spTree>
+      <p:nvGrpSpPr>
+        <p:cNvPr id="1" name=""/>
+        <p:cNvGrpSpPr/>
+        <p:nvPr/>
+      </p:nvGrpSpPr>
+      <p:grpSpPr>
+        <a:xfrm>
+          <a:off x="0" y="0"/>
+          <a:ext cx="0" cy="0"/>
+          <a:chOff x="0" y="0"/>
+          <a:chExt cx="0" cy="0"/>
+        </a:xfrm>
+      </p:grpSpPr>
+      <p:sp>
+        <p:nvSpPr>
+          <p:cNvPr id="4" name="TextBox 3"/>
+          <p:cNvSpPr txBox="1"/>
+          <p:nvPr/>
+        </p:nvSpPr>
+        <p:spPr>
+          <a:xfrm>
+            <a:off x="0" y="35283"/>
+            <a:ext cx="8545929" cy="6555641"/>
+          </a:xfrm>
+          <a:prstGeom prst="rect">
+            <a:avLst/>
+          </a:prstGeom>
+          <a:noFill/>
+        </p:spPr>
+        <p:txBody>
+          <a:bodyPr wrap="none" rtlCol="0">
+            <a:spAutoFit/>
+          </a:bodyPr>
+          <a:lstStyle/>
+          <a:p>
+            <a:r>
+              <a:rPr lang="en-US" sz="1500" dirty="0"/>
+              <a:t>public class Solution {</a:t>
+            </a:r>
+          </a:p>
+          <a:p>
+            <a:r>
+              <a:rPr lang="en-US" sz="1500" dirty="0"/>
+              <a:t>    public List&lt;List&lt;Integer&gt;&gt; </a:t>
+            </a:r>
+            <a:r>
+              <a:rPr lang="en-US" sz="1500" dirty="0" err="1"/>
+              <a:t>permuteUnique</a:t>
+            </a:r>
+            <a:r>
+              <a:rPr lang="en-US" sz="1500" dirty="0"/>
+              <a:t>(</a:t>
+            </a:r>
+            <a:r>
+              <a:rPr lang="en-US" sz="1500" dirty="0" err="1"/>
+              <a:t>int</a:t>
+            </a:r>
+            <a:r>
+              <a:rPr lang="en-US" sz="1500" dirty="0"/>
+              <a:t>[] </a:t>
+            </a:r>
+            <a:r>
+              <a:rPr lang="en-US" sz="1500" dirty="0" err="1"/>
+              <a:t>nums</a:t>
+            </a:r>
+            <a:r>
+              <a:rPr lang="en-US" sz="1500" dirty="0"/>
+              <a:t>) {</a:t>
+            </a:r>
+          </a:p>
+          <a:p>
+            <a:r>
+              <a:rPr lang="en-US" sz="1500" dirty="0"/>
+              <a:t>        List&lt;List&lt;Integer&gt;&gt; result = new </a:t>
+            </a:r>
+            <a:r>
+              <a:rPr lang="en-US" sz="1500" dirty="0" err="1"/>
+              <a:t>ArrayList</a:t>
+            </a:r>
+            <a:r>
+              <a:rPr lang="en-US" sz="1500" dirty="0"/>
+              <a:t>&lt;List&lt;Integer&gt;&gt;();</a:t>
+            </a:r>
+          </a:p>
+          <a:p>
+            <a:r>
+              <a:rPr lang="en-US" sz="1500" dirty="0"/>
+              <a:t>        </a:t>
+            </a:r>
+            <a:r>
+              <a:rPr lang="en-US" sz="1500" dirty="0" err="1"/>
+              <a:t>boolean</a:t>
+            </a:r>
+            <a:r>
+              <a:rPr lang="en-US" sz="1500" dirty="0"/>
+              <a:t>[] visited = new </a:t>
+            </a:r>
+            <a:r>
+              <a:rPr lang="en-US" sz="1500" dirty="0" err="1"/>
+              <a:t>boolean</a:t>
+            </a:r>
+            <a:r>
+              <a:rPr lang="en-US" sz="1500" dirty="0"/>
+              <a:t>[</a:t>
+            </a:r>
+            <a:r>
+              <a:rPr lang="en-US" sz="1500" dirty="0" err="1"/>
+              <a:t>nums.length</a:t>
+            </a:r>
+            <a:r>
+              <a:rPr lang="en-US" sz="1500" dirty="0"/>
+              <a:t>];</a:t>
+            </a:r>
+          </a:p>
+          <a:p>
+            <a:r>
+              <a:rPr lang="en-US" sz="1500" dirty="0"/>
+              <a:t>        </a:t>
+            </a:r>
+            <a:r>
+              <a:rPr lang="en-US" sz="1500" dirty="0" err="1"/>
+              <a:t>Arrays.sort</a:t>
+            </a:r>
+            <a:r>
+              <a:rPr lang="en-US" sz="1500" dirty="0"/>
+              <a:t>(</a:t>
+            </a:r>
+            <a:r>
+              <a:rPr lang="en-US" sz="1500" dirty="0" err="1"/>
+              <a:t>nums</a:t>
+            </a:r>
+            <a:r>
+              <a:rPr lang="en-US" sz="1500" dirty="0"/>
+              <a:t>);</a:t>
+            </a:r>
+          </a:p>
+          <a:p>
+            <a:r>
+              <a:rPr lang="en-US" sz="1500" dirty="0"/>
+              <a:t>        backtracking(</a:t>
+            </a:r>
+            <a:r>
+              <a:rPr lang="en-US" sz="1500" dirty="0" err="1"/>
+              <a:t>nums,visited,result,new</a:t>
+            </a:r>
+            <a:r>
+              <a:rPr lang="en-US" sz="1500" dirty="0"/>
+              <a:t> </a:t>
+            </a:r>
+            <a:r>
+              <a:rPr lang="en-US" sz="1500" dirty="0" err="1"/>
+              <a:t>ArrayList</a:t>
+            </a:r>
+            <a:r>
+              <a:rPr lang="en-US" sz="1500" dirty="0"/>
+              <a:t>&lt;Integer&gt;(), </a:t>
+            </a:r>
+            <a:r>
+              <a:rPr lang="en-US" sz="1500" dirty="0" err="1"/>
+              <a:t>nums.length</a:t>
+            </a:r>
+            <a:r>
+              <a:rPr lang="en-US" sz="1500" dirty="0"/>
+              <a:t>);</a:t>
+            </a:r>
+          </a:p>
+          <a:p>
+            <a:r>
+              <a:rPr lang="en-US" sz="1500" dirty="0"/>
+              <a:t>        return result;</a:t>
+            </a:r>
+          </a:p>
+          <a:p>
+            <a:r>
+              <a:rPr lang="en-US" sz="1500" dirty="0"/>
+              <a:t>    </a:t>
+            </a:r>
+            <a:r>
+              <a:rPr lang="en-US" sz="1500" dirty="0" smtClean="0"/>
+              <a:t>}</a:t>
+            </a:r>
+            <a:endParaRPr lang="en-US" sz="1500" dirty="0"/>
+          </a:p>
+          <a:p>
+            <a:r>
+              <a:rPr lang="en-US" sz="1500" dirty="0"/>
+              <a:t>    public void backtracking (</a:t>
+            </a:r>
+            <a:r>
+              <a:rPr lang="en-US" sz="1500" dirty="0" err="1"/>
+              <a:t>int</a:t>
+            </a:r>
+            <a:r>
+              <a:rPr lang="en-US" sz="1500" dirty="0"/>
+              <a:t>[] </a:t>
+            </a:r>
+            <a:r>
+              <a:rPr lang="en-US" sz="1500" dirty="0" err="1"/>
+              <a:t>nums</a:t>
+            </a:r>
+            <a:r>
+              <a:rPr lang="en-US" sz="1500" dirty="0"/>
+              <a:t>, </a:t>
+            </a:r>
+            <a:r>
+              <a:rPr lang="en-US" sz="1500" dirty="0" err="1"/>
+              <a:t>boolean</a:t>
+            </a:r>
+            <a:r>
+              <a:rPr lang="en-US" sz="1500" dirty="0"/>
+              <a:t>[] visited, List&lt;List&lt;Integer&gt;&gt; result, List&lt;Integer&gt; list, </a:t>
+            </a:r>
+            <a:r>
+              <a:rPr lang="en-US" sz="1500" dirty="0" err="1"/>
+              <a:t>int</a:t>
+            </a:r>
+            <a:r>
+              <a:rPr lang="en-US" sz="1500" dirty="0"/>
+              <a:t> k){</a:t>
+            </a:r>
+          </a:p>
+          <a:p>
+            <a:r>
+              <a:rPr lang="en-US" sz="1500" dirty="0"/>
+              <a:t>        if(k==0){</a:t>
+            </a:r>
+          </a:p>
+          <a:p>
+            <a:r>
+              <a:rPr lang="en-US" sz="1500" dirty="0"/>
+              <a:t>            </a:t>
+            </a:r>
+            <a:r>
+              <a:rPr lang="en-US" sz="1500" dirty="0" err="1"/>
+              <a:t>result.add</a:t>
+            </a:r>
+            <a:r>
+              <a:rPr lang="en-US" sz="1500" dirty="0"/>
+              <a:t>(new </a:t>
+            </a:r>
+            <a:r>
+              <a:rPr lang="en-US" sz="1500" dirty="0" err="1"/>
+              <a:t>ArrayList</a:t>
+            </a:r>
+            <a:r>
+              <a:rPr lang="en-US" sz="1500" dirty="0"/>
+              <a:t>&lt;Integer&gt;(list));</a:t>
+            </a:r>
+          </a:p>
+          <a:p>
+            <a:r>
+              <a:rPr lang="en-US" sz="1500" dirty="0"/>
+              <a:t>            return;</a:t>
+            </a:r>
+          </a:p>
+          <a:p>
+            <a:r>
+              <a:rPr lang="en-US" sz="1500" dirty="0"/>
+              <a:t>        }</a:t>
+            </a:r>
+          </a:p>
+          <a:p>
+            <a:r>
+              <a:rPr lang="en-US" sz="1500" dirty="0"/>
+              <a:t>        for(</a:t>
+            </a:r>
+            <a:r>
+              <a:rPr lang="en-US" sz="1500" dirty="0" err="1"/>
+              <a:t>int</a:t>
+            </a:r>
+            <a:r>
+              <a:rPr lang="en-US" sz="1500" dirty="0"/>
+              <a:t> </a:t>
+            </a:r>
+            <a:r>
+              <a:rPr lang="en-US" sz="1500" dirty="0" err="1"/>
+              <a:t>i</a:t>
+            </a:r>
+            <a:r>
+              <a:rPr lang="en-US" sz="1500" dirty="0"/>
+              <a:t> = 0;i&lt;</a:t>
+            </a:r>
+            <a:r>
+              <a:rPr lang="en-US" sz="1500" dirty="0" err="1"/>
+              <a:t>nums.length;i</a:t>
+            </a:r>
+            <a:r>
+              <a:rPr lang="en-US" sz="1500" dirty="0"/>
+              <a:t>++){</a:t>
+            </a:r>
+          </a:p>
+          <a:p>
+            <a:r>
+              <a:rPr lang="en-US" sz="1500" dirty="0"/>
+              <a:t>            if(visited[</a:t>
+            </a:r>
+            <a:r>
+              <a:rPr lang="en-US" sz="1500" dirty="0" err="1"/>
+              <a:t>i</a:t>
+            </a:r>
+            <a:r>
+              <a:rPr lang="en-US" sz="1500" dirty="0"/>
+              <a:t>]){</a:t>
+            </a:r>
+          </a:p>
+          <a:p>
+            <a:r>
+              <a:rPr lang="en-US" sz="1500" dirty="0"/>
+              <a:t>                continue;</a:t>
+            </a:r>
+          </a:p>
+          <a:p>
+            <a:r>
+              <a:rPr lang="en-US" sz="1500" dirty="0"/>
+              <a:t>            }else{</a:t>
+            </a:r>
+          </a:p>
+          <a:p>
+            <a:r>
+              <a:rPr lang="en-US" sz="1500" dirty="0"/>
+              <a:t>                if(</a:t>
+            </a:r>
+            <a:r>
+              <a:rPr lang="en-US" sz="1500" dirty="0" err="1"/>
+              <a:t>i</a:t>
+            </a:r>
+            <a:r>
+              <a:rPr lang="en-US" sz="1500" dirty="0"/>
+              <a:t>&gt;0&amp;&amp;</a:t>
+            </a:r>
+            <a:r>
+              <a:rPr lang="en-US" sz="1500" dirty="0" err="1"/>
+              <a:t>nums</a:t>
+            </a:r>
+            <a:r>
+              <a:rPr lang="en-US" sz="1500" dirty="0"/>
+              <a:t>[i-1]==</a:t>
+            </a:r>
+            <a:r>
+              <a:rPr lang="en-US" sz="1500" dirty="0" err="1"/>
+              <a:t>nums</a:t>
+            </a:r>
+            <a:r>
+              <a:rPr lang="en-US" sz="1500" dirty="0"/>
+              <a:t>[</a:t>
+            </a:r>
+            <a:r>
+              <a:rPr lang="en-US" sz="1500" dirty="0" err="1"/>
+              <a:t>i</a:t>
+            </a:r>
+            <a:r>
+              <a:rPr lang="en-US" sz="1500" dirty="0"/>
+              <a:t>]&amp;&amp;visited[i-1]){</a:t>
+            </a:r>
+          </a:p>
+          <a:p>
+            <a:r>
+              <a:rPr lang="en-US" sz="1500" dirty="0"/>
+              <a:t>                    return;</a:t>
+            </a:r>
+          </a:p>
+          <a:p>
+            <a:r>
+              <a:rPr lang="en-US" sz="1500" dirty="0"/>
+              <a:t>                }</a:t>
+            </a:r>
+          </a:p>
+          <a:p>
+            <a:r>
+              <a:rPr lang="en-US" sz="1500" dirty="0"/>
+              <a:t>                visited[</a:t>
+            </a:r>
+            <a:r>
+              <a:rPr lang="en-US" sz="1500" dirty="0" err="1"/>
+              <a:t>i</a:t>
+            </a:r>
+            <a:r>
+              <a:rPr lang="en-US" sz="1500" dirty="0"/>
+              <a:t>] = true;</a:t>
+            </a:r>
+          </a:p>
+          <a:p>
+            <a:r>
+              <a:rPr lang="en-US" sz="1500" dirty="0"/>
+              <a:t>                </a:t>
+            </a:r>
+            <a:r>
+              <a:rPr lang="en-US" sz="1500" dirty="0" err="1"/>
+              <a:t>list.add</a:t>
+            </a:r>
+            <a:r>
+              <a:rPr lang="en-US" sz="1500" dirty="0"/>
+              <a:t>(</a:t>
+            </a:r>
+            <a:r>
+              <a:rPr lang="en-US" sz="1500" dirty="0" err="1"/>
+              <a:t>nums</a:t>
+            </a:r>
+            <a:r>
+              <a:rPr lang="en-US" sz="1500" dirty="0"/>
+              <a:t>[</a:t>
+            </a:r>
+            <a:r>
+              <a:rPr lang="en-US" sz="1500" dirty="0" err="1"/>
+              <a:t>i</a:t>
+            </a:r>
+            <a:r>
+              <a:rPr lang="en-US" sz="1500" dirty="0"/>
+              <a:t>]);</a:t>
+            </a:r>
+          </a:p>
+          <a:p>
+            <a:r>
+              <a:rPr lang="en-US" sz="1500" dirty="0"/>
+              <a:t>                backtracking(nums,visited,result,list,k-1);</a:t>
+            </a:r>
+          </a:p>
+          <a:p>
+            <a:r>
+              <a:rPr lang="en-US" sz="1500" dirty="0"/>
+              <a:t>                </a:t>
+            </a:r>
+            <a:r>
+              <a:rPr lang="en-US" sz="1500" dirty="0" err="1"/>
+              <a:t>list.remove</a:t>
+            </a:r>
+            <a:r>
+              <a:rPr lang="en-US" sz="1500" dirty="0"/>
+              <a:t>(</a:t>
+            </a:r>
+            <a:r>
+              <a:rPr lang="en-US" sz="1500" dirty="0" err="1"/>
+              <a:t>list.size</a:t>
+            </a:r>
+            <a:r>
+              <a:rPr lang="en-US" sz="1500" dirty="0"/>
+              <a:t>()-1);</a:t>
+            </a:r>
+          </a:p>
+          <a:p>
+            <a:r>
+              <a:rPr lang="en-US" sz="1500" dirty="0"/>
+              <a:t>                visited[</a:t>
+            </a:r>
+            <a:r>
+              <a:rPr lang="en-US" sz="1500" dirty="0" err="1"/>
+              <a:t>i</a:t>
+            </a:r>
+            <a:r>
+              <a:rPr lang="en-US" sz="1500" dirty="0"/>
+              <a:t>] = false;</a:t>
+            </a:r>
+          </a:p>
+          <a:p>
+            <a:r>
+              <a:rPr lang="en-US" sz="1500" dirty="0"/>
+              <a:t>            }</a:t>
+            </a:r>
+          </a:p>
+          <a:p>
+            <a:r>
+              <a:rPr lang="en-US" sz="1500" dirty="0"/>
+              <a:t>        }</a:t>
+            </a:r>
+          </a:p>
+          <a:p>
+            <a:r>
+              <a:rPr lang="en-US" sz="1500" dirty="0"/>
+              <a:t>    }</a:t>
+            </a:r>
+          </a:p>
+        </p:txBody>
+      </p:sp>
+      <p:sp>
+        <p:nvSpPr>
+          <p:cNvPr id="5" name="TextBox 4"/>
+          <p:cNvSpPr txBox="1"/>
+          <p:nvPr/>
+        </p:nvSpPr>
+        <p:spPr>
+          <a:xfrm>
+            <a:off x="4313516" y="3087202"/>
+            <a:ext cx="4830484" cy="2862323"/>
+          </a:xfrm>
+          <a:prstGeom prst="rect">
+            <a:avLst/>
+          </a:prstGeom>
+          <a:noFill/>
+        </p:spPr>
+        <p:txBody>
+          <a:bodyPr wrap="square" rtlCol="0">
+            <a:spAutoFit/>
+          </a:bodyPr>
+          <a:lstStyle/>
+          <a:p>
+            <a:r>
+              <a:rPr lang="en-US" dirty="0"/>
+              <a:t>Given a collection of numbers that might contain duplicates, return all possible unique permutations.</a:t>
+            </a:r>
+          </a:p>
+          <a:p>
+            <a:r>
+              <a:rPr lang="en-US" dirty="0"/>
+              <a:t>For example,</a:t>
+            </a:r>
+          </a:p>
+          <a:p>
+            <a:r>
+              <a:rPr lang="en-US" dirty="0"/>
+              <a:t>[1,1,2] have the following unique permutations:</a:t>
+            </a:r>
+          </a:p>
+          <a:p>
+            <a:r>
+              <a:rPr lang="en-US" dirty="0"/>
+              <a:t>[</a:t>
+            </a:r>
+          </a:p>
+          <a:p>
+            <a:r>
+              <a:rPr lang="en-US" dirty="0"/>
+              <a:t>  [1,1,2],</a:t>
+            </a:r>
+          </a:p>
+          <a:p>
+            <a:r>
+              <a:rPr lang="en-US" dirty="0"/>
+              <a:t>  [1,2,1],</a:t>
+            </a:r>
+          </a:p>
+          <a:p>
+            <a:r>
+              <a:rPr lang="en-US" dirty="0"/>
+              <a:t>  [2,1,1]</a:t>
+            </a:r>
+          </a:p>
+          <a:p>
+            <a:r>
+              <a:rPr lang="en-US" dirty="0"/>
+              <a:t>]</a:t>
+            </a:r>
+            <a:endParaRPr lang="en-US" dirty="0"/>
+          </a:p>
+        </p:txBody>
+      </p:sp>
+      <p:sp>
+        <p:nvSpPr>
+          <p:cNvPr id="6" name="TextBox 5"/>
+          <p:cNvSpPr txBox="1"/>
+          <p:nvPr/>
+        </p:nvSpPr>
+        <p:spPr>
+          <a:xfrm>
+            <a:off x="5609437" y="476311"/>
+            <a:ext cx="1967644" cy="369332"/>
+          </a:xfrm>
+          <a:prstGeom prst="rect">
+            <a:avLst/>
+          </a:prstGeom>
+          <a:noFill/>
+        </p:spPr>
+        <p:txBody>
+          <a:bodyPr wrap="none" rtlCol="0">
+            <a:spAutoFit/>
+          </a:bodyPr>
+          <a:lstStyle/>
+          <a:p>
+            <a:r>
+              <a:rPr lang="en-US" dirty="0"/>
+              <a:t>47. Permutations II</a:t>
+            </a:r>
+            <a:endParaRPr lang="en-US" dirty="0"/>
+          </a:p>
+        </p:txBody>
+      </p:sp>
+    </p:spTree>
+    <p:extLst>
+      <p:ext uri="{BB962C8B-B14F-4D97-AF65-F5344CB8AC3E}">
+        <p14:creationId xmlns:p14="http://schemas.microsoft.com/office/powerpoint/2010/main" val="4054702776"/>
       </p:ext>
     </p:extLst>
   </p:cSld>

--- a/Basic/Leetcode.pptx
+++ b/Basic/Leetcode.pptx
@@ -11,6 +11,7 @@
     <p:sldId id="259" r:id="rId5"/>
     <p:sldId id="260" r:id="rId6"/>
     <p:sldId id="261" r:id="rId7"/>
+    <p:sldId id="262" r:id="rId8"/>
   </p:sldIdLst>
   <p:sldSz cx="9144000" cy="6858000" type="screen4x3"/>
   <p:notesSz cx="6858000" cy="9144000"/>
@@ -293,7 +294,7 @@
           <a:p>
             <a:fld id="{71FE50ED-E91C-CA43-967B-57A0700BD591}" type="datetimeFigureOut">
               <a:rPr lang="en-US" smtClean="0"/>
-              <a:t>10/7/16</a:t>
+              <a:t>10/9/16</a:t>
             </a:fld>
             <a:endParaRPr lang="en-US"/>
           </a:p>
@@ -463,7 +464,7 @@
           <a:p>
             <a:fld id="{71FE50ED-E91C-CA43-967B-57A0700BD591}" type="datetimeFigureOut">
               <a:rPr lang="en-US" smtClean="0"/>
-              <a:t>10/7/16</a:t>
+              <a:t>10/9/16</a:t>
             </a:fld>
             <a:endParaRPr lang="en-US"/>
           </a:p>
@@ -643,7 +644,7 @@
           <a:p>
             <a:fld id="{71FE50ED-E91C-CA43-967B-57A0700BD591}" type="datetimeFigureOut">
               <a:rPr lang="en-US" smtClean="0"/>
-              <a:t>10/7/16</a:t>
+              <a:t>10/9/16</a:t>
             </a:fld>
             <a:endParaRPr lang="en-US"/>
           </a:p>
@@ -813,7 +814,7 @@
           <a:p>
             <a:fld id="{71FE50ED-E91C-CA43-967B-57A0700BD591}" type="datetimeFigureOut">
               <a:rPr lang="en-US" smtClean="0"/>
-              <a:t>10/7/16</a:t>
+              <a:t>10/9/16</a:t>
             </a:fld>
             <a:endParaRPr lang="en-US"/>
           </a:p>
@@ -1059,7 +1060,7 @@
           <a:p>
             <a:fld id="{71FE50ED-E91C-CA43-967B-57A0700BD591}" type="datetimeFigureOut">
               <a:rPr lang="en-US" smtClean="0"/>
-              <a:t>10/7/16</a:t>
+              <a:t>10/9/16</a:t>
             </a:fld>
             <a:endParaRPr lang="en-US"/>
           </a:p>
@@ -1347,7 +1348,7 @@
           <a:p>
             <a:fld id="{71FE50ED-E91C-CA43-967B-57A0700BD591}" type="datetimeFigureOut">
               <a:rPr lang="en-US" smtClean="0"/>
-              <a:t>10/7/16</a:t>
+              <a:t>10/9/16</a:t>
             </a:fld>
             <a:endParaRPr lang="en-US"/>
           </a:p>
@@ -1769,7 +1770,7 @@
           <a:p>
             <a:fld id="{71FE50ED-E91C-CA43-967B-57A0700BD591}" type="datetimeFigureOut">
               <a:rPr lang="en-US" smtClean="0"/>
-              <a:t>10/7/16</a:t>
+              <a:t>10/9/16</a:t>
             </a:fld>
             <a:endParaRPr lang="en-US"/>
           </a:p>
@@ -1887,7 +1888,7 @@
           <a:p>
             <a:fld id="{71FE50ED-E91C-CA43-967B-57A0700BD591}" type="datetimeFigureOut">
               <a:rPr lang="en-US" smtClean="0"/>
-              <a:t>10/7/16</a:t>
+              <a:t>10/9/16</a:t>
             </a:fld>
             <a:endParaRPr lang="en-US"/>
           </a:p>
@@ -1982,7 +1983,7 @@
           <a:p>
             <a:fld id="{71FE50ED-E91C-CA43-967B-57A0700BD591}" type="datetimeFigureOut">
               <a:rPr lang="en-US" smtClean="0"/>
-              <a:t>10/7/16</a:t>
+              <a:t>10/9/16</a:t>
             </a:fld>
             <a:endParaRPr lang="en-US"/>
           </a:p>
@@ -2259,7 +2260,7 @@
           <a:p>
             <a:fld id="{71FE50ED-E91C-CA43-967B-57A0700BD591}" type="datetimeFigureOut">
               <a:rPr lang="en-US" smtClean="0"/>
-              <a:t>10/7/16</a:t>
+              <a:t>10/9/16</a:t>
             </a:fld>
             <a:endParaRPr lang="en-US"/>
           </a:p>
@@ -2512,7 +2513,7 @@
           <a:p>
             <a:fld id="{71FE50ED-E91C-CA43-967B-57A0700BD591}" type="datetimeFigureOut">
               <a:rPr lang="en-US" smtClean="0"/>
-              <a:t>10/7/16</a:t>
+              <a:t>10/9/16</a:t>
             </a:fld>
             <a:endParaRPr lang="en-US"/>
           </a:p>
@@ -2725,7 +2726,7 @@
           <a:p>
             <a:fld id="{71FE50ED-E91C-CA43-967B-57A0700BD591}" type="datetimeFigureOut">
               <a:rPr lang="en-US" smtClean="0"/>
-              <a:t>10/7/16</a:t>
+              <a:t>10/9/16</a:t>
             </a:fld>
             <a:endParaRPr lang="en-US"/>
           </a:p>
@@ -5561,7 +5562,6 @@
               <a:rPr lang="en-US" dirty="0"/>
               <a:t>60. Permutation Sequence</a:t>
             </a:r>
-            <a:endParaRPr lang="en-US" dirty="0"/>
           </a:p>
         </p:txBody>
       </p:sp>
@@ -5708,7 +5708,6 @@
               <a:rPr lang="en-US" dirty="0"/>
               <a:t> permutation sequence.</a:t>
             </a:r>
-            <a:endParaRPr lang="en-US" dirty="0"/>
           </a:p>
         </p:txBody>
       </p:sp>
@@ -6451,7 +6450,6 @@
               <a:rPr lang="en-US" dirty="0"/>
               <a:t>You may assume k is always valid, 1 ≤ k ≤ n2.</a:t>
             </a:r>
-            <a:endParaRPr lang="en-US" dirty="0"/>
           </a:p>
         </p:txBody>
       </p:sp>
@@ -6485,7 +6483,6 @@
               <a:rPr lang="en-US" dirty="0"/>
               <a:t>Smallest Element in a Sorted Matrix</a:t>
             </a:r>
-            <a:endParaRPr lang="en-US" dirty="0"/>
           </a:p>
         </p:txBody>
       </p:sp>
@@ -7047,7 +7044,6 @@
               <a:rPr lang="en-US" dirty="0"/>
               <a:t>]</a:t>
             </a:r>
-            <a:endParaRPr lang="en-US" dirty="0"/>
           </a:p>
         </p:txBody>
       </p:sp>
@@ -7077,7 +7073,6 @@
               <a:rPr lang="en-US" dirty="0"/>
               <a:t>47. Permutations II</a:t>
             </a:r>
-            <a:endParaRPr lang="en-US" dirty="0"/>
           </a:p>
         </p:txBody>
       </p:sp>
@@ -7085,6 +7080,681 @@
     <p:extLst>
       <p:ext uri="{BB962C8B-B14F-4D97-AF65-F5344CB8AC3E}">
         <p14:creationId xmlns:p14="http://schemas.microsoft.com/office/powerpoint/2010/main" val="4054702776"/>
+      </p:ext>
+    </p:extLst>
+  </p:cSld>
+  <p:clrMapOvr>
+    <a:masterClrMapping/>
+  </p:clrMapOvr>
+</p:sld>
+</file>
+
+<file path=ppt/slides/slide7.xml><?xml version="1.0" encoding="utf-8"?>
+<p:sld xmlns:a="http://schemas.openxmlformats.org/drawingml/2006/main" xmlns:r="http://schemas.openxmlformats.org/officeDocument/2006/relationships" xmlns:p="http://schemas.openxmlformats.org/presentationml/2006/main">
+  <p:cSld>
+    <p:spTree>
+      <p:nvGrpSpPr>
+        <p:cNvPr id="1" name=""/>
+        <p:cNvGrpSpPr/>
+        <p:nvPr/>
+      </p:nvGrpSpPr>
+      <p:grpSpPr>
+        <a:xfrm>
+          <a:off x="0" y="0"/>
+          <a:ext cx="0" cy="0"/>
+          <a:chOff x="0" y="0"/>
+          <a:chExt cx="0" cy="0"/>
+        </a:xfrm>
+      </p:grpSpPr>
+      <p:sp>
+        <p:nvSpPr>
+          <p:cNvPr id="4" name="TextBox 3"/>
+          <p:cNvSpPr txBox="1"/>
+          <p:nvPr/>
+        </p:nvSpPr>
+        <p:spPr>
+          <a:xfrm>
+            <a:off x="0" y="17641"/>
+            <a:ext cx="6284963" cy="6632584"/>
+          </a:xfrm>
+          <a:prstGeom prst="rect">
+            <a:avLst/>
+          </a:prstGeom>
+          <a:noFill/>
+        </p:spPr>
+        <p:txBody>
+          <a:bodyPr wrap="none" rtlCol="0">
+            <a:spAutoFit/>
+          </a:bodyPr>
+          <a:lstStyle/>
+          <a:p>
+            <a:r>
+              <a:rPr lang="en-US" sz="1700" dirty="0"/>
+              <a:t>public class Solution </a:t>
+            </a:r>
+            <a:r>
+              <a:rPr lang="en-US" sz="1700" dirty="0" smtClean="0"/>
+              <a:t>{</a:t>
+            </a:r>
+            <a:endParaRPr lang="en-US" sz="1700" dirty="0"/>
+          </a:p>
+          <a:p>
+            <a:r>
+              <a:rPr lang="en-US" sz="1700" dirty="0"/>
+              <a:t>    public String </a:t>
+            </a:r>
+            <a:r>
+              <a:rPr lang="en-US" sz="1700" dirty="0" err="1"/>
+              <a:t>reverseWords</a:t>
+            </a:r>
+            <a:r>
+              <a:rPr lang="en-US" sz="1700" dirty="0"/>
+              <a:t>(String s) </a:t>
+            </a:r>
+            <a:r>
+              <a:rPr lang="en-US" sz="1700" dirty="0" smtClean="0"/>
+              <a:t>{</a:t>
+            </a:r>
+            <a:endParaRPr lang="en-US" sz="1700" dirty="0"/>
+          </a:p>
+          <a:p>
+            <a:r>
+              <a:rPr lang="en-US" sz="1700" dirty="0"/>
+              <a:t>    char[] </a:t>
+            </a:r>
+            <a:r>
+              <a:rPr lang="en-US" sz="1700" dirty="0" err="1"/>
+              <a:t>str</a:t>
+            </a:r>
+            <a:r>
+              <a:rPr lang="en-US" sz="1700" dirty="0"/>
+              <a:t> = reverse(</a:t>
+            </a:r>
+            <a:r>
+              <a:rPr lang="en-US" sz="1700" dirty="0" err="1"/>
+              <a:t>s.toCharArray</a:t>
+            </a:r>
+            <a:r>
+              <a:rPr lang="en-US" sz="1700" dirty="0"/>
+              <a:t>(), 0, </a:t>
+            </a:r>
+            <a:r>
+              <a:rPr lang="en-US" sz="1700" dirty="0" err="1"/>
+              <a:t>s.length</a:t>
+            </a:r>
+            <a:r>
+              <a:rPr lang="en-US" sz="1700" dirty="0"/>
+              <a:t>()-1)</a:t>
+            </a:r>
+            <a:r>
+              <a:rPr lang="en-US" sz="1700" dirty="0" smtClean="0"/>
+              <a:t>;</a:t>
+            </a:r>
+            <a:endParaRPr lang="en-US" sz="1700" dirty="0"/>
+          </a:p>
+          <a:p>
+            <a:r>
+              <a:rPr lang="en-US" sz="1700" dirty="0"/>
+              <a:t>    </a:t>
+            </a:r>
+            <a:r>
+              <a:rPr lang="en-US" sz="1700" dirty="0" err="1"/>
+              <a:t>int</a:t>
+            </a:r>
+            <a:r>
+              <a:rPr lang="en-US" sz="1700" dirty="0"/>
+              <a:t> start = 0, end = 0; </a:t>
+            </a:r>
+          </a:p>
+          <a:p>
+            <a:r>
+              <a:rPr lang="en-US" sz="1700" dirty="0"/>
+              <a:t>    for (</a:t>
+            </a:r>
+            <a:r>
+              <a:rPr lang="en-US" sz="1700" dirty="0" err="1"/>
+              <a:t>int</a:t>
+            </a:r>
+            <a:r>
+              <a:rPr lang="en-US" sz="1700" dirty="0"/>
+              <a:t> </a:t>
+            </a:r>
+            <a:r>
+              <a:rPr lang="en-US" sz="1700" dirty="0" err="1"/>
+              <a:t>i</a:t>
+            </a:r>
+            <a:r>
+              <a:rPr lang="en-US" sz="1700" dirty="0"/>
+              <a:t> = 0; </a:t>
+            </a:r>
+            <a:r>
+              <a:rPr lang="en-US" sz="1700" dirty="0" err="1"/>
+              <a:t>i</a:t>
+            </a:r>
+            <a:r>
+              <a:rPr lang="en-US" sz="1700" dirty="0"/>
+              <a:t> &lt; </a:t>
+            </a:r>
+            <a:r>
+              <a:rPr lang="en-US" sz="1700" dirty="0" err="1"/>
+              <a:t>str.length</a:t>
+            </a:r>
+            <a:r>
+              <a:rPr lang="en-US" sz="1700" dirty="0"/>
+              <a:t>; </a:t>
+            </a:r>
+            <a:r>
+              <a:rPr lang="en-US" sz="1700" dirty="0" err="1"/>
+              <a:t>i</a:t>
+            </a:r>
+            <a:r>
+              <a:rPr lang="en-US" sz="1700" dirty="0"/>
+              <a:t>++) </a:t>
+            </a:r>
+            <a:r>
+              <a:rPr lang="en-US" sz="1700" dirty="0" smtClean="0"/>
+              <a:t>{</a:t>
+            </a:r>
+            <a:endParaRPr lang="en-US" sz="1700" dirty="0"/>
+          </a:p>
+          <a:p>
+            <a:r>
+              <a:rPr lang="en-US" sz="1700" dirty="0"/>
+              <a:t>        if (</a:t>
+            </a:r>
+            <a:r>
+              <a:rPr lang="en-US" sz="1700" dirty="0" err="1"/>
+              <a:t>str</a:t>
+            </a:r>
+            <a:r>
+              <a:rPr lang="en-US" sz="1700" dirty="0"/>
+              <a:t>[</a:t>
+            </a:r>
+            <a:r>
+              <a:rPr lang="en-US" sz="1700" dirty="0" err="1"/>
+              <a:t>i</a:t>
+            </a:r>
+            <a:r>
+              <a:rPr lang="en-US" sz="1700" dirty="0"/>
+              <a:t>] != ' ') { </a:t>
+            </a:r>
+          </a:p>
+          <a:p>
+            <a:r>
+              <a:rPr lang="en-US" sz="1700" dirty="0"/>
+              <a:t>            </a:t>
+            </a:r>
+            <a:r>
+              <a:rPr lang="en-US" sz="1700" dirty="0" err="1"/>
+              <a:t>str</a:t>
+            </a:r>
+            <a:r>
+              <a:rPr lang="en-US" sz="1700" dirty="0"/>
+              <a:t>[end++] = </a:t>
+            </a:r>
+            <a:r>
+              <a:rPr lang="en-US" sz="1700" dirty="0" err="1"/>
+              <a:t>str</a:t>
+            </a:r>
+            <a:r>
+              <a:rPr lang="en-US" sz="1700" dirty="0"/>
+              <a:t>[</a:t>
+            </a:r>
+            <a:r>
+              <a:rPr lang="en-US" sz="1700" dirty="0" err="1"/>
+              <a:t>i</a:t>
+            </a:r>
+            <a:r>
+              <a:rPr lang="en-US" sz="1700" dirty="0"/>
+              <a:t>]</a:t>
+            </a:r>
+            <a:r>
+              <a:rPr lang="en-US" sz="1700" dirty="0" smtClean="0"/>
+              <a:t>;</a:t>
+            </a:r>
+            <a:endParaRPr lang="en-US" sz="1700" dirty="0"/>
+          </a:p>
+          <a:p>
+            <a:r>
+              <a:rPr lang="en-US" sz="1700" dirty="0"/>
+              <a:t>        } else if (</a:t>
+            </a:r>
+            <a:r>
+              <a:rPr lang="en-US" sz="1700" dirty="0" err="1"/>
+              <a:t>i</a:t>
+            </a:r>
+            <a:r>
+              <a:rPr lang="en-US" sz="1700" dirty="0"/>
+              <a:t> &gt; 0 &amp;&amp; </a:t>
+            </a:r>
+            <a:r>
+              <a:rPr lang="en-US" sz="1700" dirty="0" err="1"/>
+              <a:t>str</a:t>
+            </a:r>
+            <a:r>
+              <a:rPr lang="en-US" sz="1700" dirty="0"/>
+              <a:t>[i-1] != ' ') { </a:t>
+            </a:r>
+          </a:p>
+          <a:p>
+            <a:r>
+              <a:rPr lang="en-US" sz="1700" dirty="0"/>
+              <a:t>            reverse(</a:t>
+            </a:r>
+            <a:r>
+              <a:rPr lang="en-US" sz="1700" dirty="0" err="1"/>
+              <a:t>str</a:t>
+            </a:r>
+            <a:r>
+              <a:rPr lang="en-US" sz="1700" dirty="0"/>
+              <a:t>, start, end-1); </a:t>
+            </a:r>
+          </a:p>
+          <a:p>
+            <a:r>
+              <a:rPr lang="en-US" sz="1700" dirty="0"/>
+              <a:t>            </a:t>
+            </a:r>
+            <a:r>
+              <a:rPr lang="en-US" sz="1700" dirty="0" err="1"/>
+              <a:t>str</a:t>
+            </a:r>
+            <a:r>
+              <a:rPr lang="en-US" sz="1700" dirty="0"/>
+              <a:t>[end++] = ' '; </a:t>
+            </a:r>
+          </a:p>
+          <a:p>
+            <a:r>
+              <a:rPr lang="en-US" sz="1700" dirty="0"/>
+              <a:t>            start = end; </a:t>
+            </a:r>
+          </a:p>
+          <a:p>
+            <a:r>
+              <a:rPr lang="en-US" sz="1700" dirty="0"/>
+              <a:t>        </a:t>
+            </a:r>
+            <a:r>
+              <a:rPr lang="en-US" sz="1700" dirty="0" smtClean="0"/>
+              <a:t>}</a:t>
+            </a:r>
+            <a:endParaRPr lang="en-US" sz="1700" dirty="0"/>
+          </a:p>
+          <a:p>
+            <a:r>
+              <a:rPr lang="en-US" sz="1700" dirty="0"/>
+              <a:t>    </a:t>
+            </a:r>
+            <a:r>
+              <a:rPr lang="en-US" sz="1700" dirty="0" smtClean="0"/>
+              <a:t>}</a:t>
+            </a:r>
+            <a:endParaRPr lang="en-US" sz="1700" dirty="0"/>
+          </a:p>
+          <a:p>
+            <a:r>
+              <a:rPr lang="en-US" sz="1700" dirty="0"/>
+              <a:t>    reverse(</a:t>
+            </a:r>
+            <a:r>
+              <a:rPr lang="en-US" sz="1700" dirty="0" err="1"/>
+              <a:t>str</a:t>
+            </a:r>
+            <a:r>
+              <a:rPr lang="en-US" sz="1700" dirty="0"/>
+              <a:t>, start, end-1); </a:t>
+            </a:r>
+          </a:p>
+          <a:p>
+            <a:r>
+              <a:rPr lang="en-US" sz="1700" dirty="0"/>
+              <a:t>    return new String(</a:t>
+            </a:r>
+            <a:r>
+              <a:rPr lang="en-US" sz="1700" dirty="0" err="1"/>
+              <a:t>str</a:t>
+            </a:r>
+            <a:r>
+              <a:rPr lang="en-US" sz="1700" dirty="0"/>
+              <a:t>, 0, end &gt; 0 &amp;&amp; </a:t>
+            </a:r>
+            <a:r>
+              <a:rPr lang="en-US" sz="1700" dirty="0" err="1"/>
+              <a:t>str</a:t>
+            </a:r>
+            <a:r>
+              <a:rPr lang="en-US" sz="1700" dirty="0"/>
+              <a:t>[end-1] == ' ' ? end-1 : end)</a:t>
+            </a:r>
+            <a:r>
+              <a:rPr lang="en-US" sz="1700" dirty="0" smtClean="0"/>
+              <a:t>;</a:t>
+            </a:r>
+            <a:endParaRPr lang="en-US" sz="1700" dirty="0"/>
+          </a:p>
+          <a:p>
+            <a:r>
+              <a:rPr lang="en-US" sz="1700" dirty="0"/>
+              <a:t>    </a:t>
+            </a:r>
+            <a:r>
+              <a:rPr lang="en-US" sz="1700" dirty="0" smtClean="0"/>
+              <a:t>}</a:t>
+            </a:r>
+            <a:endParaRPr lang="en-US" sz="1700" dirty="0"/>
+          </a:p>
+          <a:p>
+            <a:r>
+              <a:rPr lang="en-US" sz="1700" dirty="0"/>
+              <a:t>    public char[] reverse(char[] </a:t>
+            </a:r>
+            <a:r>
+              <a:rPr lang="en-US" sz="1700" dirty="0" err="1"/>
+              <a:t>arr</a:t>
+            </a:r>
+            <a:r>
+              <a:rPr lang="en-US" sz="1700" dirty="0"/>
+              <a:t>, </a:t>
+            </a:r>
+            <a:r>
+              <a:rPr lang="en-US" sz="1700" dirty="0" err="1"/>
+              <a:t>int</a:t>
+            </a:r>
+            <a:r>
+              <a:rPr lang="en-US" sz="1700" dirty="0"/>
+              <a:t> </a:t>
+            </a:r>
+            <a:r>
+              <a:rPr lang="en-US" sz="1700" dirty="0" err="1"/>
+              <a:t>i</a:t>
+            </a:r>
+            <a:r>
+              <a:rPr lang="en-US" sz="1700" dirty="0"/>
+              <a:t>, </a:t>
+            </a:r>
+            <a:r>
+              <a:rPr lang="en-US" sz="1700" dirty="0" err="1"/>
+              <a:t>int</a:t>
+            </a:r>
+            <a:r>
+              <a:rPr lang="en-US" sz="1700" dirty="0"/>
+              <a:t> j) </a:t>
+            </a:r>
+            <a:r>
+              <a:rPr lang="en-US" sz="1700" dirty="0" smtClean="0"/>
+              <a:t>{</a:t>
+            </a:r>
+            <a:endParaRPr lang="en-US" sz="1700" dirty="0"/>
+          </a:p>
+          <a:p>
+            <a:r>
+              <a:rPr lang="en-US" sz="1700" dirty="0"/>
+              <a:t>    while (</a:t>
+            </a:r>
+            <a:r>
+              <a:rPr lang="en-US" sz="1700" dirty="0" err="1"/>
+              <a:t>i</a:t>
+            </a:r>
+            <a:r>
+              <a:rPr lang="en-US" sz="1700" dirty="0"/>
+              <a:t> &lt; j) </a:t>
+            </a:r>
+            <a:r>
+              <a:rPr lang="en-US" sz="1700" dirty="0" smtClean="0"/>
+              <a:t>{</a:t>
+            </a:r>
+            <a:endParaRPr lang="en-US" sz="1700" dirty="0"/>
+          </a:p>
+          <a:p>
+            <a:r>
+              <a:rPr lang="en-US" sz="1700" dirty="0"/>
+              <a:t>        char </a:t>
+            </a:r>
+            <a:r>
+              <a:rPr lang="en-US" sz="1700" dirty="0" err="1"/>
+              <a:t>tmp</a:t>
+            </a:r>
+            <a:r>
+              <a:rPr lang="en-US" sz="1700" dirty="0"/>
+              <a:t> = </a:t>
+            </a:r>
+            <a:r>
+              <a:rPr lang="en-US" sz="1700" dirty="0" err="1"/>
+              <a:t>arr</a:t>
+            </a:r>
+            <a:r>
+              <a:rPr lang="en-US" sz="1700" dirty="0"/>
+              <a:t>[</a:t>
+            </a:r>
+            <a:r>
+              <a:rPr lang="en-US" sz="1700" dirty="0" err="1"/>
+              <a:t>i</a:t>
+            </a:r>
+            <a:r>
+              <a:rPr lang="en-US" sz="1700" dirty="0"/>
+              <a:t>]</a:t>
+            </a:r>
+            <a:r>
+              <a:rPr lang="en-US" sz="1700" dirty="0" smtClean="0"/>
+              <a:t>;</a:t>
+            </a:r>
+            <a:endParaRPr lang="en-US" sz="1700" dirty="0"/>
+          </a:p>
+          <a:p>
+            <a:r>
+              <a:rPr lang="en-US" sz="1700" dirty="0"/>
+              <a:t>        </a:t>
+            </a:r>
+            <a:r>
+              <a:rPr lang="en-US" sz="1700" dirty="0" err="1"/>
+              <a:t>arr</a:t>
+            </a:r>
+            <a:r>
+              <a:rPr lang="en-US" sz="1700" dirty="0"/>
+              <a:t>[</a:t>
+            </a:r>
+            <a:r>
+              <a:rPr lang="en-US" sz="1700" dirty="0" err="1"/>
+              <a:t>i</a:t>
+            </a:r>
+            <a:r>
+              <a:rPr lang="en-US" sz="1700" dirty="0"/>
+              <a:t>++] = </a:t>
+            </a:r>
+            <a:r>
+              <a:rPr lang="en-US" sz="1700" dirty="0" err="1"/>
+              <a:t>arr</a:t>
+            </a:r>
+            <a:r>
+              <a:rPr lang="en-US" sz="1700" dirty="0"/>
+              <a:t>[j]</a:t>
+            </a:r>
+            <a:r>
+              <a:rPr lang="en-US" sz="1700" dirty="0" smtClean="0"/>
+              <a:t>;</a:t>
+            </a:r>
+            <a:endParaRPr lang="en-US" sz="1700" dirty="0"/>
+          </a:p>
+          <a:p>
+            <a:r>
+              <a:rPr lang="en-US" sz="1700" dirty="0"/>
+              <a:t>        </a:t>
+            </a:r>
+            <a:r>
+              <a:rPr lang="en-US" sz="1700" dirty="0" err="1"/>
+              <a:t>arr</a:t>
+            </a:r>
+            <a:r>
+              <a:rPr lang="en-US" sz="1700" dirty="0"/>
+              <a:t>[j--] = </a:t>
+            </a:r>
+            <a:r>
+              <a:rPr lang="en-US" sz="1700" dirty="0" err="1"/>
+              <a:t>tmp</a:t>
+            </a:r>
+            <a:r>
+              <a:rPr lang="en-US" sz="1700" dirty="0" smtClean="0"/>
+              <a:t>;</a:t>
+            </a:r>
+            <a:endParaRPr lang="en-US" sz="1700" dirty="0"/>
+          </a:p>
+          <a:p>
+            <a:r>
+              <a:rPr lang="en-US" sz="1700" dirty="0"/>
+              <a:t>    </a:t>
+            </a:r>
+            <a:r>
+              <a:rPr lang="en-US" sz="1700" dirty="0" smtClean="0"/>
+              <a:t>}</a:t>
+            </a:r>
+            <a:endParaRPr lang="en-US" sz="1700" dirty="0"/>
+          </a:p>
+          <a:p>
+            <a:r>
+              <a:rPr lang="en-US" sz="1700" dirty="0"/>
+              <a:t>    return </a:t>
+            </a:r>
+            <a:r>
+              <a:rPr lang="en-US" sz="1700" dirty="0" err="1"/>
+              <a:t>arr</a:t>
+            </a:r>
+            <a:r>
+              <a:rPr lang="en-US" sz="1700" dirty="0" smtClean="0"/>
+              <a:t>;</a:t>
+            </a:r>
+            <a:endParaRPr lang="en-US" sz="1700" dirty="0"/>
+          </a:p>
+          <a:p>
+            <a:r>
+              <a:rPr lang="en-US" sz="1700" dirty="0"/>
+              <a:t>    </a:t>
+            </a:r>
+            <a:r>
+              <a:rPr lang="en-US" sz="1700" dirty="0" smtClean="0"/>
+              <a:t>}</a:t>
+            </a:r>
+            <a:endParaRPr lang="en-US" sz="1700" dirty="0"/>
+          </a:p>
+          <a:p>
+            <a:r>
+              <a:rPr lang="en-US" sz="1700" dirty="0"/>
+              <a:t>}</a:t>
+            </a:r>
+          </a:p>
+        </p:txBody>
+      </p:sp>
+      <p:sp>
+        <p:nvSpPr>
+          <p:cNvPr id="5" name="TextBox 4"/>
+          <p:cNvSpPr txBox="1"/>
+          <p:nvPr/>
+        </p:nvSpPr>
+        <p:spPr>
+          <a:xfrm>
+            <a:off x="5609437" y="158770"/>
+            <a:ext cx="3050460" cy="369332"/>
+          </a:xfrm>
+          <a:prstGeom prst="rect">
+            <a:avLst/>
+          </a:prstGeom>
+          <a:noFill/>
+        </p:spPr>
+        <p:txBody>
+          <a:bodyPr wrap="none" rtlCol="0">
+            <a:spAutoFit/>
+          </a:bodyPr>
+          <a:lstStyle/>
+          <a:p>
+            <a:r>
+              <a:rPr lang="en-US" dirty="0"/>
+              <a:t>151. Reverse Words in a String</a:t>
+            </a:r>
+            <a:endParaRPr lang="en-US" dirty="0"/>
+          </a:p>
+        </p:txBody>
+      </p:sp>
+      <p:sp>
+        <p:nvSpPr>
+          <p:cNvPr id="6" name="TextBox 5"/>
+          <p:cNvSpPr txBox="1"/>
+          <p:nvPr/>
+        </p:nvSpPr>
+        <p:spPr>
+          <a:xfrm>
+            <a:off x="5609437" y="793853"/>
+            <a:ext cx="3050460" cy="2308324"/>
+          </a:xfrm>
+          <a:prstGeom prst="rect">
+            <a:avLst/>
+          </a:prstGeom>
+          <a:noFill/>
+        </p:spPr>
+        <p:txBody>
+          <a:bodyPr wrap="square" rtlCol="0">
+            <a:spAutoFit/>
+          </a:bodyPr>
+          <a:lstStyle/>
+          <a:p>
+            <a:r>
+              <a:rPr lang="en-US" dirty="0"/>
+              <a:t>Given an input string, reverse the string word by word.</a:t>
+            </a:r>
+          </a:p>
+          <a:p>
+            <a:r>
+              <a:rPr lang="en-US" dirty="0"/>
+              <a:t>For example,</a:t>
+            </a:r>
+          </a:p>
+          <a:p>
+            <a:r>
+              <a:rPr lang="en-US" dirty="0"/>
+              <a:t>Given s = "the sky is blue",</a:t>
+            </a:r>
+          </a:p>
+          <a:p>
+            <a:r>
+              <a:rPr lang="en-US" dirty="0"/>
+              <a:t>return "blue is sky the".</a:t>
+            </a:r>
+          </a:p>
+          <a:p>
+            <a:r>
+              <a:rPr lang="en-US" b="1" dirty="0"/>
+              <a:t>Update (2015-02-12):</a:t>
+            </a:r>
+            <a:endParaRPr lang="en-US" dirty="0"/>
+          </a:p>
+          <a:p>
+            <a:r>
+              <a:rPr lang="en-US" dirty="0"/>
+              <a:t>For C programmers: Try to solve it </a:t>
+            </a:r>
+            <a:r>
+              <a:rPr lang="en-US" i="1" dirty="0"/>
+              <a:t>in-place</a:t>
+            </a:r>
+            <a:r>
+              <a:rPr lang="en-US" dirty="0"/>
+              <a:t> in </a:t>
+            </a:r>
+            <a:r>
+              <a:rPr lang="en-US" i="1" dirty="0"/>
+              <a:t>O</a:t>
+            </a:r>
+            <a:r>
+              <a:rPr lang="en-US" dirty="0"/>
+              <a:t>(1) space.</a:t>
+            </a:r>
+            <a:endParaRPr lang="en-US" dirty="0"/>
+          </a:p>
+        </p:txBody>
+      </p:sp>
+    </p:spTree>
+    <p:extLst>
+      <p:ext uri="{BB962C8B-B14F-4D97-AF65-F5344CB8AC3E}">
+        <p14:creationId xmlns:p14="http://schemas.microsoft.com/office/powerpoint/2010/main" val="1700508795"/>
       </p:ext>
     </p:extLst>
   </p:cSld>

--- a/Basic/Leetcode.pptx
+++ b/Basic/Leetcode.pptx
@@ -12,6 +12,8 @@
     <p:sldId id="260" r:id="rId6"/>
     <p:sldId id="261" r:id="rId7"/>
     <p:sldId id="262" r:id="rId8"/>
+    <p:sldId id="263" r:id="rId9"/>
+    <p:sldId id="264" r:id="rId10"/>
   </p:sldIdLst>
   <p:sldSz cx="9144000" cy="6858000" type="screen4x3"/>
   <p:notesSz cx="6858000" cy="9144000"/>
@@ -7755,6 +7757,1647 @@
     <p:extLst>
       <p:ext uri="{BB962C8B-B14F-4D97-AF65-F5344CB8AC3E}">
         <p14:creationId xmlns:p14="http://schemas.microsoft.com/office/powerpoint/2010/main" val="1700508795"/>
+      </p:ext>
+    </p:extLst>
+  </p:cSld>
+  <p:clrMapOvr>
+    <a:masterClrMapping/>
+  </p:clrMapOvr>
+</p:sld>
+</file>
+
+<file path=ppt/slides/slide8.xml><?xml version="1.0" encoding="utf-8"?>
+<p:sld xmlns:a="http://schemas.openxmlformats.org/drawingml/2006/main" xmlns:r="http://schemas.openxmlformats.org/officeDocument/2006/relationships" xmlns:p="http://schemas.openxmlformats.org/presentationml/2006/main">
+  <p:cSld>
+    <p:spTree>
+      <p:nvGrpSpPr>
+        <p:cNvPr id="1" name=""/>
+        <p:cNvGrpSpPr/>
+        <p:nvPr/>
+      </p:nvGrpSpPr>
+      <p:grpSpPr>
+        <a:xfrm>
+          <a:off x="0" y="0"/>
+          <a:ext cx="0" cy="0"/>
+          <a:chOff x="0" y="0"/>
+          <a:chExt cx="0" cy="0"/>
+        </a:xfrm>
+      </p:grpSpPr>
+      <p:sp>
+        <p:nvSpPr>
+          <p:cNvPr id="4" name="TextBox 3"/>
+          <p:cNvSpPr txBox="1"/>
+          <p:nvPr/>
+        </p:nvSpPr>
+        <p:spPr>
+          <a:xfrm>
+            <a:off x="0" y="0"/>
+            <a:ext cx="3724497" cy="6694142"/>
+          </a:xfrm>
+          <a:prstGeom prst="rect">
+            <a:avLst/>
+          </a:prstGeom>
+          <a:noFill/>
+        </p:spPr>
+        <p:txBody>
+          <a:bodyPr wrap="none" rtlCol="0">
+            <a:spAutoFit/>
+          </a:bodyPr>
+          <a:lstStyle/>
+          <a:p>
+            <a:r>
+              <a:rPr lang="en-US" sz="1100" dirty="0"/>
+              <a:t>public class Solution </a:t>
+            </a:r>
+            <a:r>
+              <a:rPr lang="en-US" sz="1100" dirty="0" smtClean="0"/>
+              <a:t>{</a:t>
+            </a:r>
+            <a:endParaRPr lang="en-US" sz="1100" dirty="0"/>
+          </a:p>
+          <a:p>
+            <a:r>
+              <a:rPr lang="en-US" sz="1100" dirty="0"/>
+              <a:t>    public </a:t>
+            </a:r>
+            <a:r>
+              <a:rPr lang="en-US" sz="1100" dirty="0" err="1"/>
+              <a:t>NestedInteger</a:t>
+            </a:r>
+            <a:r>
+              <a:rPr lang="en-US" sz="1100" dirty="0"/>
+              <a:t> </a:t>
+            </a:r>
+            <a:r>
+              <a:rPr lang="en-US" sz="1100" dirty="0" err="1"/>
+              <a:t>deserialize</a:t>
+            </a:r>
+            <a:r>
+              <a:rPr lang="en-US" sz="1100" dirty="0"/>
+              <a:t>(String s) </a:t>
+            </a:r>
+            <a:r>
+              <a:rPr lang="en-US" sz="1100" dirty="0" smtClean="0"/>
+              <a:t>{</a:t>
+            </a:r>
+            <a:endParaRPr lang="en-US" sz="1100" dirty="0"/>
+          </a:p>
+          <a:p>
+            <a:r>
+              <a:rPr lang="en-US" sz="1100" dirty="0"/>
+              <a:t>        if (</a:t>
+            </a:r>
+            <a:r>
+              <a:rPr lang="en-US" sz="1100" dirty="0" err="1"/>
+              <a:t>s.isEmpty</a:t>
+            </a:r>
+            <a:r>
+              <a:rPr lang="en-US" sz="1100" dirty="0"/>
+              <a:t>()</a:t>
+            </a:r>
+            <a:r>
+              <a:rPr lang="en-US" sz="1100" dirty="0" smtClean="0"/>
+              <a:t>)</a:t>
+            </a:r>
+            <a:endParaRPr lang="en-US" sz="1100" dirty="0"/>
+          </a:p>
+          <a:p>
+            <a:r>
+              <a:rPr lang="en-US" sz="1100" dirty="0"/>
+              <a:t>        return null</a:t>
+            </a:r>
+            <a:r>
+              <a:rPr lang="en-US" sz="1100" dirty="0" smtClean="0"/>
+              <a:t>;</a:t>
+            </a:r>
+            <a:endParaRPr lang="en-US" sz="1100" dirty="0"/>
+          </a:p>
+          <a:p>
+            <a:r>
+              <a:rPr lang="en-US" sz="1100" dirty="0"/>
+              <a:t>    if (</a:t>
+            </a:r>
+            <a:r>
+              <a:rPr lang="en-US" sz="1100" dirty="0" err="1"/>
+              <a:t>s.charAt</a:t>
+            </a:r>
+            <a:r>
+              <a:rPr lang="en-US" sz="1100" dirty="0"/>
+              <a:t>(0) != '[') // ERROR: special </a:t>
+            </a:r>
+            <a:r>
+              <a:rPr lang="en-US" sz="1100" dirty="0" smtClean="0"/>
+              <a:t>case</a:t>
+            </a:r>
+            <a:endParaRPr lang="en-US" sz="1100" dirty="0"/>
+          </a:p>
+          <a:p>
+            <a:r>
+              <a:rPr lang="en-US" sz="1100" dirty="0"/>
+              <a:t>        return new </a:t>
+            </a:r>
+            <a:r>
+              <a:rPr lang="en-US" sz="1100" dirty="0" err="1"/>
+              <a:t>NestedInteger</a:t>
+            </a:r>
+            <a:r>
+              <a:rPr lang="en-US" sz="1100" dirty="0"/>
+              <a:t>(</a:t>
+            </a:r>
+            <a:r>
+              <a:rPr lang="en-US" sz="1100" dirty="0" err="1"/>
+              <a:t>Integer.valueOf</a:t>
+            </a:r>
+            <a:r>
+              <a:rPr lang="en-US" sz="1100" dirty="0"/>
+              <a:t>(s))</a:t>
+            </a:r>
+            <a:r>
+              <a:rPr lang="en-US" sz="1100" dirty="0" smtClean="0"/>
+              <a:t>;</a:t>
+            </a:r>
+            <a:endParaRPr lang="en-US" sz="1100" dirty="0"/>
+          </a:p>
+          <a:p>
+            <a:r>
+              <a:rPr lang="en-US" sz="1100" dirty="0"/>
+              <a:t>    Stack&lt;</a:t>
+            </a:r>
+            <a:r>
+              <a:rPr lang="en-US" sz="1100" dirty="0" err="1"/>
+              <a:t>NestedInteger</a:t>
+            </a:r>
+            <a:r>
+              <a:rPr lang="en-US" sz="1100" dirty="0"/>
+              <a:t>&gt; stack = new Stack&lt;&gt;()</a:t>
+            </a:r>
+            <a:r>
+              <a:rPr lang="en-US" sz="1100" dirty="0" smtClean="0"/>
+              <a:t>;</a:t>
+            </a:r>
+            <a:endParaRPr lang="en-US" sz="1100" dirty="0"/>
+          </a:p>
+          <a:p>
+            <a:r>
+              <a:rPr lang="en-US" sz="1100" dirty="0"/>
+              <a:t>    </a:t>
+            </a:r>
+            <a:r>
+              <a:rPr lang="en-US" sz="1100" dirty="0" err="1"/>
+              <a:t>NestedInteger</a:t>
+            </a:r>
+            <a:r>
+              <a:rPr lang="en-US" sz="1100" dirty="0"/>
+              <a:t> </a:t>
+            </a:r>
+            <a:r>
+              <a:rPr lang="en-US" sz="1100" dirty="0" err="1"/>
+              <a:t>curr</a:t>
+            </a:r>
+            <a:r>
+              <a:rPr lang="en-US" sz="1100" dirty="0"/>
+              <a:t> = null</a:t>
+            </a:r>
+            <a:r>
+              <a:rPr lang="en-US" sz="1100" dirty="0" smtClean="0"/>
+              <a:t>;</a:t>
+            </a:r>
+            <a:endParaRPr lang="en-US" sz="1100" dirty="0"/>
+          </a:p>
+          <a:p>
+            <a:r>
+              <a:rPr lang="en-US" sz="1100" dirty="0"/>
+              <a:t>    </a:t>
+            </a:r>
+            <a:r>
+              <a:rPr lang="en-US" sz="1100" dirty="0" err="1"/>
+              <a:t>int</a:t>
+            </a:r>
+            <a:r>
+              <a:rPr lang="en-US" sz="1100" dirty="0"/>
+              <a:t> l = 0; // l shall point to the start of a number substring; </a:t>
+            </a:r>
+          </a:p>
+          <a:p>
+            <a:r>
+              <a:rPr lang="en-US" sz="1100" dirty="0"/>
+              <a:t>               // r shall point to the end+1 of a number </a:t>
+            </a:r>
+            <a:r>
+              <a:rPr lang="en-US" sz="1100" dirty="0" smtClean="0"/>
+              <a:t>substring</a:t>
+            </a:r>
+            <a:endParaRPr lang="en-US" sz="1100" dirty="0"/>
+          </a:p>
+          <a:p>
+            <a:r>
+              <a:rPr lang="en-US" sz="1100" dirty="0"/>
+              <a:t>    for (</a:t>
+            </a:r>
+            <a:r>
+              <a:rPr lang="en-US" sz="1100" dirty="0" err="1"/>
+              <a:t>int</a:t>
+            </a:r>
+            <a:r>
+              <a:rPr lang="en-US" sz="1100" dirty="0"/>
+              <a:t> r = 0; r &lt; </a:t>
+            </a:r>
+            <a:r>
+              <a:rPr lang="en-US" sz="1100" dirty="0" err="1"/>
+              <a:t>s.length</a:t>
+            </a:r>
+            <a:r>
+              <a:rPr lang="en-US" sz="1100" dirty="0"/>
+              <a:t>(); r++) </a:t>
+            </a:r>
+            <a:r>
+              <a:rPr lang="en-US" sz="1100" dirty="0" smtClean="0"/>
+              <a:t>{</a:t>
+            </a:r>
+            <a:endParaRPr lang="en-US" sz="1100" dirty="0"/>
+          </a:p>
+          <a:p>
+            <a:r>
+              <a:rPr lang="en-US" sz="1100" dirty="0"/>
+              <a:t>        char </a:t>
+            </a:r>
+            <a:r>
+              <a:rPr lang="en-US" sz="1100" dirty="0" err="1"/>
+              <a:t>ch</a:t>
+            </a:r>
+            <a:r>
+              <a:rPr lang="en-US" sz="1100" dirty="0"/>
+              <a:t> = </a:t>
+            </a:r>
+            <a:r>
+              <a:rPr lang="en-US" sz="1100" dirty="0" err="1"/>
+              <a:t>s.charAt</a:t>
+            </a:r>
+            <a:r>
+              <a:rPr lang="en-US" sz="1100" dirty="0"/>
+              <a:t>(r)</a:t>
+            </a:r>
+            <a:r>
+              <a:rPr lang="en-US" sz="1100" dirty="0" smtClean="0"/>
+              <a:t>;</a:t>
+            </a:r>
+            <a:endParaRPr lang="en-US" sz="1100" dirty="0"/>
+          </a:p>
+          <a:p>
+            <a:r>
+              <a:rPr lang="en-US" sz="1100" dirty="0"/>
+              <a:t>        if (</a:t>
+            </a:r>
+            <a:r>
+              <a:rPr lang="en-US" sz="1100" dirty="0" err="1"/>
+              <a:t>ch</a:t>
+            </a:r>
+            <a:r>
+              <a:rPr lang="en-US" sz="1100" dirty="0"/>
+              <a:t> == '[') </a:t>
+            </a:r>
+            <a:r>
+              <a:rPr lang="en-US" sz="1100" dirty="0" smtClean="0"/>
+              <a:t>{</a:t>
+            </a:r>
+            <a:endParaRPr lang="en-US" sz="1100" dirty="0"/>
+          </a:p>
+          <a:p>
+            <a:r>
+              <a:rPr lang="en-US" sz="1100" dirty="0"/>
+              <a:t>            if (</a:t>
+            </a:r>
+            <a:r>
+              <a:rPr lang="en-US" sz="1100" dirty="0" err="1"/>
+              <a:t>curr</a:t>
+            </a:r>
+            <a:r>
+              <a:rPr lang="en-US" sz="1100" dirty="0"/>
+              <a:t> != null) </a:t>
+            </a:r>
+            <a:r>
+              <a:rPr lang="en-US" sz="1100" dirty="0" smtClean="0"/>
+              <a:t>{</a:t>
+            </a:r>
+            <a:endParaRPr lang="en-US" sz="1100" dirty="0"/>
+          </a:p>
+          <a:p>
+            <a:r>
+              <a:rPr lang="en-US" sz="1100" dirty="0"/>
+              <a:t>                </a:t>
+            </a:r>
+            <a:r>
+              <a:rPr lang="en-US" sz="1100" dirty="0" err="1"/>
+              <a:t>stack.push</a:t>
+            </a:r>
+            <a:r>
+              <a:rPr lang="en-US" sz="1100" dirty="0"/>
+              <a:t>(</a:t>
+            </a:r>
+            <a:r>
+              <a:rPr lang="en-US" sz="1100" dirty="0" err="1"/>
+              <a:t>curr</a:t>
+            </a:r>
+            <a:r>
+              <a:rPr lang="en-US" sz="1100" dirty="0"/>
+              <a:t>)</a:t>
+            </a:r>
+            <a:r>
+              <a:rPr lang="en-US" sz="1100" dirty="0" smtClean="0"/>
+              <a:t>;</a:t>
+            </a:r>
+            <a:endParaRPr lang="en-US" sz="1100" dirty="0"/>
+          </a:p>
+          <a:p>
+            <a:r>
+              <a:rPr lang="en-US" sz="1100" dirty="0"/>
+              <a:t>            </a:t>
+            </a:r>
+            <a:r>
+              <a:rPr lang="en-US" sz="1100" dirty="0" smtClean="0"/>
+              <a:t>}</a:t>
+            </a:r>
+            <a:endParaRPr lang="en-US" sz="1100" dirty="0"/>
+          </a:p>
+          <a:p>
+            <a:r>
+              <a:rPr lang="en-US" sz="1100" dirty="0"/>
+              <a:t>            </a:t>
+            </a:r>
+            <a:r>
+              <a:rPr lang="en-US" sz="1100" dirty="0" err="1"/>
+              <a:t>curr</a:t>
+            </a:r>
+            <a:r>
+              <a:rPr lang="en-US" sz="1100" dirty="0"/>
+              <a:t> = new </a:t>
+            </a:r>
+            <a:r>
+              <a:rPr lang="en-US" sz="1100" dirty="0" err="1"/>
+              <a:t>NestedInteger</a:t>
+            </a:r>
+            <a:r>
+              <a:rPr lang="en-US" sz="1100" dirty="0"/>
+              <a:t>()</a:t>
+            </a:r>
+            <a:r>
+              <a:rPr lang="en-US" sz="1100" dirty="0" smtClean="0"/>
+              <a:t>;</a:t>
+            </a:r>
+            <a:endParaRPr lang="en-US" sz="1100" dirty="0"/>
+          </a:p>
+          <a:p>
+            <a:r>
+              <a:rPr lang="en-US" sz="1100" dirty="0"/>
+              <a:t>            l = r+1</a:t>
+            </a:r>
+            <a:r>
+              <a:rPr lang="en-US" sz="1100" dirty="0" smtClean="0"/>
+              <a:t>;</a:t>
+            </a:r>
+            <a:endParaRPr lang="en-US" sz="1100" dirty="0"/>
+          </a:p>
+          <a:p>
+            <a:r>
+              <a:rPr lang="en-US" sz="1100" dirty="0"/>
+              <a:t>        } else if (</a:t>
+            </a:r>
+            <a:r>
+              <a:rPr lang="en-US" sz="1100" dirty="0" err="1"/>
+              <a:t>ch</a:t>
+            </a:r>
+            <a:r>
+              <a:rPr lang="en-US" sz="1100" dirty="0"/>
+              <a:t> == ']') </a:t>
+            </a:r>
+            <a:r>
+              <a:rPr lang="en-US" sz="1100" dirty="0" smtClean="0"/>
+              <a:t>{</a:t>
+            </a:r>
+            <a:endParaRPr lang="en-US" sz="1100" dirty="0"/>
+          </a:p>
+          <a:p>
+            <a:r>
+              <a:rPr lang="en-US" sz="1100" dirty="0"/>
+              <a:t>            String </a:t>
+            </a:r>
+            <a:r>
+              <a:rPr lang="en-US" sz="1100" dirty="0" err="1"/>
+              <a:t>num</a:t>
+            </a:r>
+            <a:r>
+              <a:rPr lang="en-US" sz="1100" dirty="0"/>
+              <a:t> = </a:t>
+            </a:r>
+            <a:r>
+              <a:rPr lang="en-US" sz="1100" dirty="0" err="1"/>
+              <a:t>s.substring</a:t>
+            </a:r>
+            <a:r>
+              <a:rPr lang="en-US" sz="1100" dirty="0"/>
+              <a:t>(l, r)</a:t>
+            </a:r>
+            <a:r>
+              <a:rPr lang="en-US" sz="1100" dirty="0" smtClean="0"/>
+              <a:t>;</a:t>
+            </a:r>
+            <a:endParaRPr lang="en-US" sz="1100" dirty="0"/>
+          </a:p>
+          <a:p>
+            <a:r>
+              <a:rPr lang="en-US" sz="1100" dirty="0"/>
+              <a:t>            if (!</a:t>
+            </a:r>
+            <a:r>
+              <a:rPr lang="en-US" sz="1100" dirty="0" err="1"/>
+              <a:t>num.isEmpty</a:t>
+            </a:r>
+            <a:r>
+              <a:rPr lang="en-US" sz="1100" dirty="0"/>
+              <a:t>()</a:t>
+            </a:r>
+            <a:r>
+              <a:rPr lang="en-US" sz="1100" dirty="0" smtClean="0"/>
+              <a:t>)</a:t>
+            </a:r>
+            <a:endParaRPr lang="en-US" sz="1100" dirty="0"/>
+          </a:p>
+          <a:p>
+            <a:r>
+              <a:rPr lang="en-US" sz="1100" dirty="0"/>
+              <a:t>                </a:t>
+            </a:r>
+            <a:r>
+              <a:rPr lang="en-US" sz="1100" dirty="0" err="1"/>
+              <a:t>curr.add</a:t>
+            </a:r>
+            <a:r>
+              <a:rPr lang="en-US" sz="1100" dirty="0"/>
+              <a:t>(new </a:t>
+            </a:r>
+            <a:r>
+              <a:rPr lang="en-US" sz="1100" dirty="0" err="1"/>
+              <a:t>NestedInteger</a:t>
+            </a:r>
+            <a:r>
+              <a:rPr lang="en-US" sz="1100" dirty="0"/>
+              <a:t>(</a:t>
+            </a:r>
+            <a:r>
+              <a:rPr lang="en-US" sz="1100" dirty="0" err="1"/>
+              <a:t>Integer.valueOf</a:t>
+            </a:r>
+            <a:r>
+              <a:rPr lang="en-US" sz="1100" dirty="0"/>
+              <a:t>(</a:t>
+            </a:r>
+            <a:r>
+              <a:rPr lang="en-US" sz="1100" dirty="0" err="1"/>
+              <a:t>num</a:t>
+            </a:r>
+            <a:r>
+              <a:rPr lang="en-US" sz="1100" dirty="0"/>
+              <a:t>)))</a:t>
+            </a:r>
+            <a:r>
+              <a:rPr lang="en-US" sz="1100" dirty="0" smtClean="0"/>
+              <a:t>;</a:t>
+            </a:r>
+            <a:endParaRPr lang="en-US" sz="1100" dirty="0"/>
+          </a:p>
+          <a:p>
+            <a:r>
+              <a:rPr lang="en-US" sz="1100" dirty="0"/>
+              <a:t>            if (!</a:t>
+            </a:r>
+            <a:r>
+              <a:rPr lang="en-US" sz="1100" dirty="0" err="1"/>
+              <a:t>stack.isEmpty</a:t>
+            </a:r>
+            <a:r>
+              <a:rPr lang="en-US" sz="1100" dirty="0"/>
+              <a:t>()) </a:t>
+            </a:r>
+            <a:r>
+              <a:rPr lang="en-US" sz="1100" dirty="0" smtClean="0"/>
+              <a:t>{</a:t>
+            </a:r>
+            <a:endParaRPr lang="en-US" sz="1100" dirty="0"/>
+          </a:p>
+          <a:p>
+            <a:r>
+              <a:rPr lang="en-US" sz="1100" dirty="0"/>
+              <a:t>                </a:t>
+            </a:r>
+            <a:r>
+              <a:rPr lang="en-US" sz="1100" dirty="0" err="1"/>
+              <a:t>NestedInteger</a:t>
+            </a:r>
+            <a:r>
+              <a:rPr lang="en-US" sz="1100" dirty="0"/>
+              <a:t> pop = </a:t>
+            </a:r>
+            <a:r>
+              <a:rPr lang="en-US" sz="1100" dirty="0" err="1"/>
+              <a:t>stack.pop</a:t>
+            </a:r>
+            <a:r>
+              <a:rPr lang="en-US" sz="1100" dirty="0"/>
+              <a:t>()</a:t>
+            </a:r>
+            <a:r>
+              <a:rPr lang="en-US" sz="1100" dirty="0" smtClean="0"/>
+              <a:t>;</a:t>
+            </a:r>
+            <a:endParaRPr lang="en-US" sz="1100" dirty="0"/>
+          </a:p>
+          <a:p>
+            <a:r>
+              <a:rPr lang="en-US" sz="1100" dirty="0"/>
+              <a:t>                </a:t>
+            </a:r>
+            <a:r>
+              <a:rPr lang="en-US" sz="1100" dirty="0" err="1"/>
+              <a:t>pop.add</a:t>
+            </a:r>
+            <a:r>
+              <a:rPr lang="en-US" sz="1100" dirty="0"/>
+              <a:t>(</a:t>
+            </a:r>
+            <a:r>
+              <a:rPr lang="en-US" sz="1100" dirty="0" err="1"/>
+              <a:t>curr</a:t>
+            </a:r>
+            <a:r>
+              <a:rPr lang="en-US" sz="1100" dirty="0"/>
+              <a:t>)</a:t>
+            </a:r>
+            <a:r>
+              <a:rPr lang="en-US" sz="1100" dirty="0" smtClean="0"/>
+              <a:t>;</a:t>
+            </a:r>
+            <a:endParaRPr lang="en-US" sz="1100" dirty="0"/>
+          </a:p>
+          <a:p>
+            <a:r>
+              <a:rPr lang="en-US" sz="1100" dirty="0"/>
+              <a:t>                </a:t>
+            </a:r>
+            <a:r>
+              <a:rPr lang="en-US" sz="1100" dirty="0" err="1"/>
+              <a:t>curr</a:t>
+            </a:r>
+            <a:r>
+              <a:rPr lang="en-US" sz="1100" dirty="0"/>
+              <a:t> = pop</a:t>
+            </a:r>
+            <a:r>
+              <a:rPr lang="en-US" sz="1100" dirty="0" smtClean="0"/>
+              <a:t>;</a:t>
+            </a:r>
+            <a:endParaRPr lang="en-US" sz="1100" dirty="0"/>
+          </a:p>
+          <a:p>
+            <a:r>
+              <a:rPr lang="en-US" sz="1100" dirty="0"/>
+              <a:t>            </a:t>
+            </a:r>
+            <a:r>
+              <a:rPr lang="en-US" sz="1100" dirty="0" smtClean="0"/>
+              <a:t>}</a:t>
+            </a:r>
+            <a:endParaRPr lang="en-US" sz="1100" dirty="0"/>
+          </a:p>
+          <a:p>
+            <a:r>
+              <a:rPr lang="en-US" sz="1100" dirty="0"/>
+              <a:t>            l = r+1</a:t>
+            </a:r>
+            <a:r>
+              <a:rPr lang="en-US" sz="1100" dirty="0" smtClean="0"/>
+              <a:t>;</a:t>
+            </a:r>
+            <a:endParaRPr lang="en-US" sz="1100" dirty="0"/>
+          </a:p>
+          <a:p>
+            <a:r>
+              <a:rPr lang="en-US" sz="1100" dirty="0"/>
+              <a:t>        } else if (</a:t>
+            </a:r>
+            <a:r>
+              <a:rPr lang="en-US" sz="1100" dirty="0" err="1"/>
+              <a:t>ch</a:t>
+            </a:r>
+            <a:r>
+              <a:rPr lang="en-US" sz="1100" dirty="0"/>
+              <a:t> == ',') </a:t>
+            </a:r>
+            <a:r>
+              <a:rPr lang="en-US" sz="1100" dirty="0" smtClean="0"/>
+              <a:t>{</a:t>
+            </a:r>
+            <a:endParaRPr lang="en-US" sz="1100" dirty="0"/>
+          </a:p>
+          <a:p>
+            <a:r>
+              <a:rPr lang="en-US" sz="1100" dirty="0"/>
+              <a:t>            if (</a:t>
+            </a:r>
+            <a:r>
+              <a:rPr lang="en-US" sz="1100" dirty="0" err="1"/>
+              <a:t>s.charAt</a:t>
+            </a:r>
+            <a:r>
+              <a:rPr lang="en-US" sz="1100" dirty="0"/>
+              <a:t>(r-1) != ']') </a:t>
+            </a:r>
+            <a:r>
+              <a:rPr lang="en-US" sz="1100" dirty="0" smtClean="0"/>
+              <a:t>{</a:t>
+            </a:r>
+            <a:endParaRPr lang="en-US" sz="1100" dirty="0"/>
+          </a:p>
+          <a:p>
+            <a:r>
+              <a:rPr lang="en-US" sz="1100" dirty="0"/>
+              <a:t>                String </a:t>
+            </a:r>
+            <a:r>
+              <a:rPr lang="en-US" sz="1100" dirty="0" err="1"/>
+              <a:t>num</a:t>
+            </a:r>
+            <a:r>
+              <a:rPr lang="en-US" sz="1100" dirty="0"/>
+              <a:t> = </a:t>
+            </a:r>
+            <a:r>
+              <a:rPr lang="en-US" sz="1100" dirty="0" err="1"/>
+              <a:t>s.substring</a:t>
+            </a:r>
+            <a:r>
+              <a:rPr lang="en-US" sz="1100" dirty="0"/>
+              <a:t>(l, r)</a:t>
+            </a:r>
+            <a:r>
+              <a:rPr lang="en-US" sz="1100" dirty="0" smtClean="0"/>
+              <a:t>;</a:t>
+            </a:r>
+            <a:endParaRPr lang="en-US" sz="1100" dirty="0"/>
+          </a:p>
+          <a:p>
+            <a:r>
+              <a:rPr lang="en-US" sz="1100" dirty="0"/>
+              <a:t>                </a:t>
+            </a:r>
+            <a:r>
+              <a:rPr lang="en-US" sz="1100" dirty="0" err="1"/>
+              <a:t>curr.add</a:t>
+            </a:r>
+            <a:r>
+              <a:rPr lang="en-US" sz="1100" dirty="0"/>
+              <a:t>(new </a:t>
+            </a:r>
+            <a:r>
+              <a:rPr lang="en-US" sz="1100" dirty="0" err="1"/>
+              <a:t>NestedInteger</a:t>
+            </a:r>
+            <a:r>
+              <a:rPr lang="en-US" sz="1100" dirty="0"/>
+              <a:t>(</a:t>
+            </a:r>
+            <a:r>
+              <a:rPr lang="en-US" sz="1100" dirty="0" err="1"/>
+              <a:t>Integer.valueOf</a:t>
+            </a:r>
+            <a:r>
+              <a:rPr lang="en-US" sz="1100" dirty="0"/>
+              <a:t>(</a:t>
+            </a:r>
+            <a:r>
+              <a:rPr lang="en-US" sz="1100" dirty="0" err="1"/>
+              <a:t>num</a:t>
+            </a:r>
+            <a:r>
+              <a:rPr lang="en-US" sz="1100" dirty="0"/>
+              <a:t>)))</a:t>
+            </a:r>
+            <a:r>
+              <a:rPr lang="en-US" sz="1100" dirty="0" smtClean="0"/>
+              <a:t>;</a:t>
+            </a:r>
+            <a:endParaRPr lang="en-US" sz="1100" dirty="0"/>
+          </a:p>
+          <a:p>
+            <a:r>
+              <a:rPr lang="en-US" sz="1100" dirty="0"/>
+              <a:t>            </a:t>
+            </a:r>
+            <a:r>
+              <a:rPr lang="en-US" sz="1100" dirty="0" smtClean="0"/>
+              <a:t>}</a:t>
+            </a:r>
+            <a:endParaRPr lang="en-US" sz="1100" dirty="0"/>
+          </a:p>
+          <a:p>
+            <a:r>
+              <a:rPr lang="en-US" sz="1100" dirty="0"/>
+              <a:t>            l = r+1</a:t>
+            </a:r>
+            <a:r>
+              <a:rPr lang="en-US" sz="1100" dirty="0" smtClean="0"/>
+              <a:t>;</a:t>
+            </a:r>
+            <a:endParaRPr lang="en-US" sz="1100" dirty="0"/>
+          </a:p>
+          <a:p>
+            <a:r>
+              <a:rPr lang="en-US" sz="1100" dirty="0"/>
+              <a:t>        </a:t>
+            </a:r>
+            <a:r>
+              <a:rPr lang="en-US" sz="1100" dirty="0" smtClean="0"/>
+              <a:t>}</a:t>
+            </a:r>
+            <a:endParaRPr lang="en-US" sz="1100" dirty="0"/>
+          </a:p>
+          <a:p>
+            <a:r>
+              <a:rPr lang="en-US" sz="1100" dirty="0"/>
+              <a:t>    </a:t>
+            </a:r>
+            <a:r>
+              <a:rPr lang="en-US" sz="1100" dirty="0" smtClean="0"/>
+              <a:t>}</a:t>
+            </a:r>
+            <a:endParaRPr lang="en-US" sz="1100" dirty="0"/>
+          </a:p>
+          <a:p>
+            <a:r>
+              <a:rPr lang="en-US" sz="1100" dirty="0"/>
+              <a:t>    return </a:t>
+            </a:r>
+            <a:r>
+              <a:rPr lang="en-US" sz="1100" dirty="0" err="1"/>
+              <a:t>curr</a:t>
+            </a:r>
+            <a:r>
+              <a:rPr lang="en-US" sz="1100" dirty="0" smtClean="0"/>
+              <a:t>;</a:t>
+            </a:r>
+            <a:endParaRPr lang="en-US" sz="1100" dirty="0"/>
+          </a:p>
+          <a:p>
+            <a:r>
+              <a:rPr lang="en-US" sz="1100" dirty="0"/>
+              <a:t>    </a:t>
+            </a:r>
+            <a:r>
+              <a:rPr lang="en-US" sz="1100" dirty="0" smtClean="0"/>
+              <a:t>}</a:t>
+            </a:r>
+            <a:endParaRPr lang="en-US" sz="1100" dirty="0"/>
+          </a:p>
+          <a:p>
+            <a:r>
+              <a:rPr lang="en-US" sz="1100" dirty="0"/>
+              <a:t>}</a:t>
+            </a:r>
+          </a:p>
+        </p:txBody>
+      </p:sp>
+      <p:sp>
+        <p:nvSpPr>
+          <p:cNvPr id="5" name="TextBox 4"/>
+          <p:cNvSpPr txBox="1"/>
+          <p:nvPr/>
+        </p:nvSpPr>
+        <p:spPr>
+          <a:xfrm>
+            <a:off x="3916023" y="740929"/>
+            <a:ext cx="4939127" cy="5693865"/>
+          </a:xfrm>
+          <a:prstGeom prst="rect">
+            <a:avLst/>
+          </a:prstGeom>
+          <a:noFill/>
+        </p:spPr>
+        <p:txBody>
+          <a:bodyPr wrap="square" rtlCol="0">
+            <a:spAutoFit/>
+          </a:bodyPr>
+          <a:lstStyle/>
+          <a:p>
+            <a:r>
+              <a:rPr lang="en-US" sz="1400" dirty="0"/>
+              <a:t>Given a nested list of integers represented as a string, implement a parser to </a:t>
+            </a:r>
+            <a:r>
+              <a:rPr lang="en-US" sz="1400" dirty="0" err="1"/>
+              <a:t>deserialize</a:t>
+            </a:r>
+            <a:r>
+              <a:rPr lang="en-US" sz="1400" dirty="0"/>
+              <a:t> it.</a:t>
+            </a:r>
+          </a:p>
+          <a:p>
+            <a:r>
+              <a:rPr lang="en-US" sz="1400" dirty="0"/>
+              <a:t>Each element is either an integer, or a list -- whose elements may also be integers or other lists.</a:t>
+            </a:r>
+          </a:p>
+          <a:p>
+            <a:r>
+              <a:rPr lang="en-US" sz="1400" b="1" dirty="0"/>
+              <a:t>Note:</a:t>
+            </a:r>
+            <a:r>
+              <a:rPr lang="en-US" sz="1400" dirty="0"/>
+              <a:t> You may assume that the string is well-formed:</a:t>
+            </a:r>
+          </a:p>
+          <a:p>
+            <a:r>
+              <a:rPr lang="en-US" sz="1400" dirty="0"/>
+              <a:t>String is non-empty.</a:t>
+            </a:r>
+          </a:p>
+          <a:p>
+            <a:r>
+              <a:rPr lang="en-US" sz="1400" dirty="0"/>
+              <a:t>String does not contain white spaces.</a:t>
+            </a:r>
+          </a:p>
+          <a:p>
+            <a:r>
+              <a:rPr lang="en-US" sz="1400" dirty="0"/>
+              <a:t>String contains only digits 0-9, [, - ,, ].</a:t>
+            </a:r>
+          </a:p>
+          <a:p>
+            <a:endParaRPr lang="en-US" sz="1400" dirty="0"/>
+          </a:p>
+          <a:p>
+            <a:r>
+              <a:rPr lang="en-US" sz="1400" b="1" dirty="0"/>
+              <a:t>Example 1:</a:t>
+            </a:r>
+            <a:endParaRPr lang="en-US" sz="1400" dirty="0"/>
+          </a:p>
+          <a:p>
+            <a:r>
+              <a:rPr lang="en-US" sz="1400" dirty="0"/>
+              <a:t>Given s = "324",</a:t>
+            </a:r>
+          </a:p>
+          <a:p>
+            <a:endParaRPr lang="en-US" sz="1400" dirty="0"/>
+          </a:p>
+          <a:p>
+            <a:r>
+              <a:rPr lang="en-US" sz="1400" dirty="0"/>
+              <a:t>You should return a </a:t>
+            </a:r>
+            <a:r>
+              <a:rPr lang="en-US" sz="1400" dirty="0" err="1"/>
+              <a:t>NestedInteger</a:t>
+            </a:r>
+            <a:r>
+              <a:rPr lang="en-US" sz="1400" dirty="0"/>
+              <a:t> object which contains a single integer 324.</a:t>
+            </a:r>
+          </a:p>
+          <a:p>
+            <a:endParaRPr lang="en-US" sz="1400" dirty="0"/>
+          </a:p>
+          <a:p>
+            <a:r>
+              <a:rPr lang="en-US" sz="1400" b="1" dirty="0"/>
+              <a:t>Example 2:</a:t>
+            </a:r>
+            <a:endParaRPr lang="en-US" sz="1400" dirty="0"/>
+          </a:p>
+          <a:p>
+            <a:r>
+              <a:rPr lang="en-US" sz="1400" dirty="0"/>
+              <a:t>Given s = "[123,[456,[789]]]",</a:t>
+            </a:r>
+          </a:p>
+          <a:p>
+            <a:endParaRPr lang="en-US" sz="1400" dirty="0"/>
+          </a:p>
+          <a:p>
+            <a:r>
+              <a:rPr lang="en-US" sz="1400" dirty="0"/>
+              <a:t>Return a </a:t>
+            </a:r>
+            <a:r>
+              <a:rPr lang="en-US" sz="1400" dirty="0" err="1"/>
+              <a:t>NestedInteger</a:t>
+            </a:r>
+            <a:r>
+              <a:rPr lang="en-US" sz="1400" dirty="0"/>
+              <a:t> object containing a nested list with 2 elements:</a:t>
+            </a:r>
+          </a:p>
+          <a:p>
+            <a:endParaRPr lang="en-US" sz="1400" dirty="0"/>
+          </a:p>
+          <a:p>
+            <a:r>
+              <a:rPr lang="en-US" sz="1400" dirty="0"/>
+              <a:t>1. An integer containing value 123.</a:t>
+            </a:r>
+          </a:p>
+          <a:p>
+            <a:r>
+              <a:rPr lang="en-US" sz="1400" dirty="0"/>
+              <a:t>2. A nested list containing two elements:</a:t>
+            </a:r>
+          </a:p>
+          <a:p>
+            <a:r>
+              <a:rPr lang="en-US" sz="1400" dirty="0"/>
+              <a:t>    </a:t>
+            </a:r>
+            <a:r>
+              <a:rPr lang="en-US" sz="1400" dirty="0" err="1"/>
+              <a:t>i</a:t>
+            </a:r>
+            <a:r>
+              <a:rPr lang="en-US" sz="1400" dirty="0"/>
+              <a:t>.  An integer containing value 456.</a:t>
+            </a:r>
+          </a:p>
+          <a:p>
+            <a:r>
+              <a:rPr lang="en-US" sz="1400" dirty="0"/>
+              <a:t>    ii. A nested list with one element:</a:t>
+            </a:r>
+          </a:p>
+          <a:p>
+            <a:r>
+              <a:rPr lang="en-US" sz="1400" dirty="0"/>
+              <a:t>         a. An integer containing value 789.</a:t>
+            </a:r>
+            <a:endParaRPr lang="en-US" sz="1400" dirty="0"/>
+          </a:p>
+        </p:txBody>
+      </p:sp>
+      <p:sp>
+        <p:nvSpPr>
+          <p:cNvPr id="6" name="TextBox 5"/>
+          <p:cNvSpPr txBox="1"/>
+          <p:nvPr/>
+        </p:nvSpPr>
+        <p:spPr>
+          <a:xfrm>
+            <a:off x="4004221" y="177544"/>
+            <a:ext cx="1718777" cy="369332"/>
+          </a:xfrm>
+          <a:prstGeom prst="rect">
+            <a:avLst/>
+          </a:prstGeom>
+          <a:noFill/>
+        </p:spPr>
+        <p:txBody>
+          <a:bodyPr wrap="none" rtlCol="0">
+            <a:spAutoFit/>
+          </a:bodyPr>
+          <a:lstStyle/>
+          <a:p>
+            <a:r>
+              <a:rPr lang="en-US" dirty="0"/>
+              <a:t>385. Mini Parser</a:t>
+            </a:r>
+            <a:endParaRPr lang="en-US" dirty="0"/>
+          </a:p>
+        </p:txBody>
+      </p:sp>
+    </p:spTree>
+    <p:extLst>
+      <p:ext uri="{BB962C8B-B14F-4D97-AF65-F5344CB8AC3E}">
+        <p14:creationId xmlns:p14="http://schemas.microsoft.com/office/powerpoint/2010/main" val="3253617909"/>
+      </p:ext>
+    </p:extLst>
+  </p:cSld>
+  <p:clrMapOvr>
+    <a:masterClrMapping/>
+  </p:clrMapOvr>
+</p:sld>
+</file>
+
+<file path=ppt/slides/slide9.xml><?xml version="1.0" encoding="utf-8"?>
+<p:sld xmlns:a="http://schemas.openxmlformats.org/drawingml/2006/main" xmlns:r="http://schemas.openxmlformats.org/officeDocument/2006/relationships" xmlns:p="http://schemas.openxmlformats.org/presentationml/2006/main">
+  <p:cSld>
+    <p:spTree>
+      <p:nvGrpSpPr>
+        <p:cNvPr id="1" name=""/>
+        <p:cNvGrpSpPr/>
+        <p:nvPr/>
+      </p:nvGrpSpPr>
+      <p:grpSpPr>
+        <a:xfrm>
+          <a:off x="0" y="0"/>
+          <a:ext cx="0" cy="0"/>
+          <a:chOff x="0" y="0"/>
+          <a:chExt cx="0" cy="0"/>
+        </a:xfrm>
+      </p:grpSpPr>
+      <p:sp>
+        <p:nvSpPr>
+          <p:cNvPr id="4" name="TextBox 3"/>
+          <p:cNvSpPr txBox="1"/>
+          <p:nvPr/>
+        </p:nvSpPr>
+        <p:spPr>
+          <a:xfrm>
+            <a:off x="0" y="17642"/>
+            <a:ext cx="5415027" cy="5632312"/>
+          </a:xfrm>
+          <a:prstGeom prst="rect">
+            <a:avLst/>
+          </a:prstGeom>
+          <a:noFill/>
+        </p:spPr>
+        <p:txBody>
+          <a:bodyPr wrap="none" rtlCol="0">
+            <a:spAutoFit/>
+          </a:bodyPr>
+          <a:lstStyle/>
+          <a:p>
+            <a:r>
+              <a:rPr lang="en-US" dirty="0"/>
+              <a:t>public class Solution </a:t>
+            </a:r>
+            <a:r>
+              <a:rPr lang="en-US" dirty="0" smtClean="0"/>
+              <a:t>{</a:t>
+            </a:r>
+            <a:endParaRPr lang="en-US" dirty="0"/>
+          </a:p>
+          <a:p>
+            <a:r>
+              <a:rPr lang="en-US" dirty="0"/>
+              <a:t>    </a:t>
+            </a:r>
+            <a:r>
+              <a:rPr lang="en-US" dirty="0" err="1"/>
+              <a:t>int</a:t>
+            </a:r>
+            <a:r>
+              <a:rPr lang="en-US" dirty="0"/>
+              <a:t> count</a:t>
+            </a:r>
+            <a:r>
+              <a:rPr lang="en-US" dirty="0" smtClean="0"/>
+              <a:t>;</a:t>
+            </a:r>
+            <a:endParaRPr lang="en-US" dirty="0"/>
+          </a:p>
+          <a:p>
+            <a:r>
+              <a:rPr lang="en-US" dirty="0"/>
+              <a:t>    public </a:t>
+            </a:r>
+            <a:r>
+              <a:rPr lang="en-US" dirty="0" err="1"/>
+              <a:t>int</a:t>
+            </a:r>
+            <a:r>
+              <a:rPr lang="en-US" dirty="0"/>
+              <a:t> </a:t>
+            </a:r>
+            <a:r>
+              <a:rPr lang="en-US" dirty="0" err="1"/>
+              <a:t>threeSumSmaller</a:t>
+            </a:r>
+            <a:r>
+              <a:rPr lang="en-US" dirty="0"/>
+              <a:t>(</a:t>
+            </a:r>
+            <a:r>
+              <a:rPr lang="en-US" dirty="0" err="1"/>
+              <a:t>int</a:t>
+            </a:r>
+            <a:r>
+              <a:rPr lang="en-US" dirty="0"/>
+              <a:t>[] </a:t>
+            </a:r>
+            <a:r>
+              <a:rPr lang="en-US" dirty="0" err="1"/>
+              <a:t>nums</a:t>
+            </a:r>
+            <a:r>
+              <a:rPr lang="en-US" dirty="0"/>
+              <a:t>, </a:t>
+            </a:r>
+            <a:r>
+              <a:rPr lang="en-US" dirty="0" err="1"/>
+              <a:t>int</a:t>
+            </a:r>
+            <a:r>
+              <a:rPr lang="en-US" dirty="0"/>
+              <a:t> target) </a:t>
+            </a:r>
+            <a:r>
+              <a:rPr lang="en-US" dirty="0" smtClean="0"/>
+              <a:t>{</a:t>
+            </a:r>
+            <a:endParaRPr lang="en-US" dirty="0"/>
+          </a:p>
+          <a:p>
+            <a:r>
+              <a:rPr lang="en-US" dirty="0"/>
+              <a:t>        count = 0</a:t>
+            </a:r>
+            <a:r>
+              <a:rPr lang="en-US" dirty="0" smtClean="0"/>
+              <a:t>;</a:t>
+            </a:r>
+            <a:endParaRPr lang="en-US" dirty="0"/>
+          </a:p>
+          <a:p>
+            <a:r>
+              <a:rPr lang="en-US" dirty="0"/>
+              <a:t>        </a:t>
+            </a:r>
+            <a:r>
+              <a:rPr lang="en-US" dirty="0" err="1"/>
+              <a:t>Arrays.sort</a:t>
+            </a:r>
+            <a:r>
+              <a:rPr lang="en-US" dirty="0"/>
+              <a:t>(</a:t>
+            </a:r>
+            <a:r>
+              <a:rPr lang="en-US" dirty="0" err="1"/>
+              <a:t>nums</a:t>
+            </a:r>
+            <a:r>
+              <a:rPr lang="en-US" dirty="0"/>
+              <a:t>)</a:t>
+            </a:r>
+            <a:r>
+              <a:rPr lang="en-US" dirty="0" smtClean="0"/>
+              <a:t>;</a:t>
+            </a:r>
+            <a:endParaRPr lang="en-US" dirty="0"/>
+          </a:p>
+          <a:p>
+            <a:r>
+              <a:rPr lang="en-US" dirty="0"/>
+              <a:t>        </a:t>
+            </a:r>
+            <a:r>
+              <a:rPr lang="en-US" dirty="0" err="1"/>
+              <a:t>int</a:t>
+            </a:r>
+            <a:r>
+              <a:rPr lang="en-US" dirty="0"/>
+              <a:t> </a:t>
+            </a:r>
+            <a:r>
+              <a:rPr lang="en-US" dirty="0" err="1"/>
+              <a:t>len</a:t>
+            </a:r>
+            <a:r>
+              <a:rPr lang="en-US" dirty="0"/>
+              <a:t> = </a:t>
+            </a:r>
+            <a:r>
+              <a:rPr lang="en-US" dirty="0" err="1"/>
+              <a:t>nums.length</a:t>
+            </a:r>
+            <a:r>
+              <a:rPr lang="en-US" dirty="0" smtClean="0"/>
+              <a:t>;</a:t>
+            </a:r>
+            <a:endParaRPr lang="en-US" dirty="0"/>
+          </a:p>
+          <a:p>
+            <a:r>
+              <a:rPr lang="en-US" dirty="0"/>
+              <a:t>        for(</a:t>
+            </a:r>
+            <a:r>
+              <a:rPr lang="en-US" dirty="0" err="1"/>
+              <a:t>int</a:t>
+            </a:r>
+            <a:r>
+              <a:rPr lang="en-US" dirty="0"/>
+              <a:t> </a:t>
+            </a:r>
+            <a:r>
+              <a:rPr lang="en-US" dirty="0" err="1"/>
+              <a:t>i</a:t>
+            </a:r>
+            <a:r>
+              <a:rPr lang="en-US" dirty="0"/>
+              <a:t>=0; </a:t>
+            </a:r>
+            <a:r>
+              <a:rPr lang="en-US" dirty="0" err="1"/>
+              <a:t>i</a:t>
+            </a:r>
+            <a:r>
+              <a:rPr lang="en-US" dirty="0"/>
+              <a:t>&lt;len-2; </a:t>
+            </a:r>
+            <a:r>
+              <a:rPr lang="en-US" dirty="0" err="1"/>
+              <a:t>i</a:t>
+            </a:r>
+            <a:r>
+              <a:rPr lang="en-US" dirty="0"/>
+              <a:t>++) </a:t>
+            </a:r>
+            <a:r>
+              <a:rPr lang="en-US" dirty="0" smtClean="0"/>
+              <a:t>{</a:t>
+            </a:r>
+            <a:endParaRPr lang="en-US" dirty="0"/>
+          </a:p>
+          <a:p>
+            <a:r>
+              <a:rPr lang="en-US" dirty="0"/>
+              <a:t>            </a:t>
+            </a:r>
+            <a:r>
+              <a:rPr lang="en-US" dirty="0" err="1"/>
+              <a:t>int</a:t>
+            </a:r>
+            <a:r>
+              <a:rPr lang="en-US" dirty="0"/>
+              <a:t> left = i+1, right = len-1</a:t>
+            </a:r>
+            <a:r>
+              <a:rPr lang="en-US" dirty="0" smtClean="0"/>
+              <a:t>;</a:t>
+            </a:r>
+            <a:endParaRPr lang="en-US" dirty="0"/>
+          </a:p>
+          <a:p>
+            <a:r>
+              <a:rPr lang="en-US" dirty="0"/>
+              <a:t>            while(left &lt; right) </a:t>
+            </a:r>
+            <a:r>
+              <a:rPr lang="en-US" dirty="0" smtClean="0"/>
+              <a:t>{</a:t>
+            </a:r>
+            <a:endParaRPr lang="en-US" dirty="0"/>
+          </a:p>
+          <a:p>
+            <a:r>
+              <a:rPr lang="en-US" dirty="0"/>
+              <a:t>                if(</a:t>
+            </a:r>
+            <a:r>
+              <a:rPr lang="en-US" dirty="0" err="1"/>
+              <a:t>nums</a:t>
+            </a:r>
+            <a:r>
+              <a:rPr lang="en-US" dirty="0"/>
+              <a:t>[</a:t>
+            </a:r>
+            <a:r>
+              <a:rPr lang="en-US" dirty="0" err="1"/>
+              <a:t>i</a:t>
+            </a:r>
+            <a:r>
+              <a:rPr lang="en-US" dirty="0"/>
+              <a:t>] + </a:t>
+            </a:r>
+            <a:r>
+              <a:rPr lang="en-US" dirty="0" err="1"/>
+              <a:t>nums</a:t>
+            </a:r>
+            <a:r>
+              <a:rPr lang="en-US" dirty="0"/>
+              <a:t>[left] + </a:t>
+            </a:r>
+            <a:r>
+              <a:rPr lang="en-US" dirty="0" err="1"/>
+              <a:t>nums</a:t>
+            </a:r>
+            <a:r>
+              <a:rPr lang="en-US" dirty="0"/>
+              <a:t>[right] &lt; target) </a:t>
+            </a:r>
+            <a:r>
+              <a:rPr lang="en-US" dirty="0" smtClean="0"/>
+              <a:t>{</a:t>
+            </a:r>
+            <a:endParaRPr lang="en-US" dirty="0"/>
+          </a:p>
+          <a:p>
+            <a:r>
+              <a:rPr lang="en-US" dirty="0"/>
+              <a:t>                    count += right-left</a:t>
+            </a:r>
+            <a:r>
+              <a:rPr lang="en-US" dirty="0" smtClean="0"/>
+              <a:t>;</a:t>
+            </a:r>
+            <a:endParaRPr lang="en-US" dirty="0"/>
+          </a:p>
+          <a:p>
+            <a:r>
+              <a:rPr lang="en-US" dirty="0"/>
+              <a:t>                    left++</a:t>
+            </a:r>
+            <a:r>
+              <a:rPr lang="en-US" dirty="0" smtClean="0"/>
+              <a:t>;</a:t>
+            </a:r>
+            <a:endParaRPr lang="en-US" dirty="0"/>
+          </a:p>
+          <a:p>
+            <a:r>
+              <a:rPr lang="en-US" dirty="0"/>
+              <a:t>                } else </a:t>
+            </a:r>
+            <a:r>
+              <a:rPr lang="en-US" dirty="0" smtClean="0"/>
+              <a:t>{</a:t>
+            </a:r>
+            <a:endParaRPr lang="en-US" dirty="0"/>
+          </a:p>
+          <a:p>
+            <a:r>
+              <a:rPr lang="en-US" dirty="0"/>
+              <a:t>                    right--</a:t>
+            </a:r>
+            <a:r>
+              <a:rPr lang="en-US" dirty="0" smtClean="0"/>
+              <a:t>;</a:t>
+            </a:r>
+            <a:endParaRPr lang="en-US" dirty="0"/>
+          </a:p>
+          <a:p>
+            <a:r>
+              <a:rPr lang="en-US" dirty="0"/>
+              <a:t>                </a:t>
+            </a:r>
+            <a:r>
+              <a:rPr lang="en-US" dirty="0" smtClean="0"/>
+              <a:t>}</a:t>
+            </a:r>
+            <a:endParaRPr lang="en-US" dirty="0"/>
+          </a:p>
+          <a:p>
+            <a:r>
+              <a:rPr lang="en-US" dirty="0"/>
+              <a:t>           </a:t>
+            </a:r>
+            <a:r>
+              <a:rPr lang="en-US" dirty="0" smtClean="0"/>
+              <a:t> }</a:t>
+            </a:r>
+            <a:endParaRPr lang="en-US" dirty="0"/>
+          </a:p>
+          <a:p>
+            <a:r>
+              <a:rPr lang="en-US" dirty="0"/>
+              <a:t>        </a:t>
+            </a:r>
+            <a:r>
+              <a:rPr lang="en-US" dirty="0" smtClean="0"/>
+              <a:t>}</a:t>
+            </a:r>
+            <a:endParaRPr lang="en-US" dirty="0"/>
+          </a:p>
+          <a:p>
+            <a:r>
+              <a:rPr lang="en-US" dirty="0"/>
+              <a:t>        return count;  </a:t>
+            </a:r>
+          </a:p>
+          <a:p>
+            <a:r>
+              <a:rPr lang="en-US" dirty="0"/>
+              <a:t>    </a:t>
+            </a:r>
+            <a:r>
+              <a:rPr lang="en-US" dirty="0" smtClean="0"/>
+              <a:t>}</a:t>
+            </a:r>
+            <a:endParaRPr lang="en-US" dirty="0"/>
+          </a:p>
+          <a:p>
+            <a:r>
+              <a:rPr lang="en-US" dirty="0"/>
+              <a:t>}</a:t>
+            </a:r>
+          </a:p>
+        </p:txBody>
+      </p:sp>
+      <p:sp>
+        <p:nvSpPr>
+          <p:cNvPr id="5" name="TextBox 4"/>
+          <p:cNvSpPr txBox="1"/>
+          <p:nvPr/>
+        </p:nvSpPr>
+        <p:spPr>
+          <a:xfrm>
+            <a:off x="5979872" y="688005"/>
+            <a:ext cx="1929322" cy="369332"/>
+          </a:xfrm>
+          <a:prstGeom prst="rect">
+            <a:avLst/>
+          </a:prstGeom>
+          <a:noFill/>
+        </p:spPr>
+        <p:txBody>
+          <a:bodyPr wrap="none" rtlCol="0">
+            <a:spAutoFit/>
+          </a:bodyPr>
+          <a:lstStyle/>
+          <a:p>
+            <a:r>
+              <a:rPr lang="en-US" dirty="0"/>
+              <a:t>259. 3Sum Smaller</a:t>
+            </a:r>
+            <a:endParaRPr lang="en-US" dirty="0"/>
+          </a:p>
+        </p:txBody>
+      </p:sp>
+      <p:sp>
+        <p:nvSpPr>
+          <p:cNvPr id="6" name="TextBox 5"/>
+          <p:cNvSpPr txBox="1"/>
+          <p:nvPr/>
+        </p:nvSpPr>
+        <p:spPr>
+          <a:xfrm>
+            <a:off x="5415027" y="1499498"/>
+            <a:ext cx="3552203" cy="3970318"/>
+          </a:xfrm>
+          <a:prstGeom prst="rect">
+            <a:avLst/>
+          </a:prstGeom>
+          <a:noFill/>
+        </p:spPr>
+        <p:txBody>
+          <a:bodyPr wrap="square" rtlCol="0">
+            <a:spAutoFit/>
+          </a:bodyPr>
+          <a:lstStyle/>
+          <a:p>
+            <a:r>
+              <a:rPr lang="en-US" dirty="0"/>
+              <a:t>Given an array of </a:t>
+            </a:r>
+            <a:r>
+              <a:rPr lang="en-US" i="1" dirty="0"/>
+              <a:t>n</a:t>
+            </a:r>
+            <a:r>
+              <a:rPr lang="en-US" dirty="0"/>
+              <a:t> integers </a:t>
+            </a:r>
+            <a:r>
+              <a:rPr lang="en-US" i="1" dirty="0" err="1"/>
+              <a:t>nums</a:t>
+            </a:r>
+            <a:r>
+              <a:rPr lang="en-US" dirty="0"/>
+              <a:t> and a </a:t>
+            </a:r>
+            <a:r>
+              <a:rPr lang="en-US" i="1" dirty="0"/>
+              <a:t>target</a:t>
+            </a:r>
+            <a:r>
+              <a:rPr lang="en-US" dirty="0"/>
+              <a:t>, find the number of index triplets </a:t>
+            </a:r>
+            <a:r>
+              <a:rPr lang="en-US" dirty="0" err="1"/>
+              <a:t>i</a:t>
+            </a:r>
+            <a:r>
+              <a:rPr lang="en-US" dirty="0"/>
+              <a:t>, j, k with 0 &lt;= </a:t>
+            </a:r>
+            <a:r>
+              <a:rPr lang="en-US" dirty="0" err="1"/>
+              <a:t>i</a:t>
+            </a:r>
+            <a:r>
+              <a:rPr lang="en-US" dirty="0"/>
+              <a:t> &lt; j &lt; k &lt; n that satisfy the condition </a:t>
+            </a:r>
+            <a:r>
+              <a:rPr lang="en-US" dirty="0" err="1"/>
+              <a:t>nums</a:t>
+            </a:r>
+            <a:r>
+              <a:rPr lang="en-US" dirty="0"/>
+              <a:t>[</a:t>
+            </a:r>
+            <a:r>
+              <a:rPr lang="en-US" dirty="0" err="1"/>
+              <a:t>i</a:t>
+            </a:r>
+            <a:r>
+              <a:rPr lang="en-US" dirty="0"/>
+              <a:t>] + </a:t>
+            </a:r>
+            <a:r>
+              <a:rPr lang="en-US" dirty="0" err="1"/>
+              <a:t>nums</a:t>
+            </a:r>
+            <a:r>
+              <a:rPr lang="en-US" dirty="0"/>
+              <a:t>[j] + </a:t>
+            </a:r>
+            <a:r>
+              <a:rPr lang="en-US" dirty="0" err="1"/>
+              <a:t>nums</a:t>
+            </a:r>
+            <a:r>
+              <a:rPr lang="en-US" dirty="0"/>
+              <a:t>[k] &lt; target.</a:t>
+            </a:r>
+          </a:p>
+          <a:p>
+            <a:r>
+              <a:rPr lang="en-US" dirty="0"/>
+              <a:t>For example, given </a:t>
+            </a:r>
+            <a:r>
+              <a:rPr lang="en-US" i="1" dirty="0" err="1"/>
+              <a:t>nums</a:t>
+            </a:r>
+            <a:r>
+              <a:rPr lang="en-US" dirty="0"/>
+              <a:t> = [-2, 0, 1, 3], and </a:t>
+            </a:r>
+            <a:r>
+              <a:rPr lang="en-US" i="1" dirty="0"/>
+              <a:t>target</a:t>
+            </a:r>
+            <a:r>
+              <a:rPr lang="en-US" dirty="0"/>
+              <a:t> = 2.</a:t>
+            </a:r>
+          </a:p>
+          <a:p>
+            <a:r>
+              <a:rPr lang="en-US" dirty="0"/>
+              <a:t>Return 2. Because there are two triplets which sums are less than 2:</a:t>
+            </a:r>
+          </a:p>
+          <a:p>
+            <a:r>
+              <a:rPr lang="en-US" dirty="0"/>
+              <a:t>[-2, 0, 1]</a:t>
+            </a:r>
+          </a:p>
+          <a:p>
+            <a:r>
+              <a:rPr lang="en-US" dirty="0"/>
+              <a:t>[-2, 0, 3]</a:t>
+            </a:r>
+          </a:p>
+          <a:p>
+            <a:r>
+              <a:rPr lang="en-US" b="1" dirty="0"/>
+              <a:t>Follow up:</a:t>
+            </a:r>
+            <a:endParaRPr lang="en-US" dirty="0"/>
+          </a:p>
+          <a:p>
+            <a:r>
+              <a:rPr lang="en-US" dirty="0"/>
+              <a:t>Could you solve it in </a:t>
+            </a:r>
+            <a:r>
+              <a:rPr lang="en-US" i="1" dirty="0"/>
+              <a:t>O</a:t>
+            </a:r>
+            <a:r>
+              <a:rPr lang="en-US" dirty="0"/>
+              <a:t>(</a:t>
+            </a:r>
+            <a:r>
+              <a:rPr lang="en-US" i="1" dirty="0"/>
+              <a:t>n</a:t>
+            </a:r>
+            <a:r>
+              <a:rPr lang="en-US" dirty="0"/>
+              <a:t>2) runtime?</a:t>
+            </a:r>
+            <a:endParaRPr lang="en-US" dirty="0"/>
+          </a:p>
+        </p:txBody>
+      </p:sp>
+    </p:spTree>
+    <p:extLst>
+      <p:ext uri="{BB962C8B-B14F-4D97-AF65-F5344CB8AC3E}">
+        <p14:creationId xmlns:p14="http://schemas.microsoft.com/office/powerpoint/2010/main" val="2813419109"/>
       </p:ext>
     </p:extLst>
   </p:cSld>

--- a/Basic/Leetcode.pptx
+++ b/Basic/Leetcode.pptx
@@ -14,6 +14,7 @@
     <p:sldId id="262" r:id="rId8"/>
     <p:sldId id="263" r:id="rId9"/>
     <p:sldId id="264" r:id="rId10"/>
+    <p:sldId id="265" r:id="rId11"/>
   </p:sldIdLst>
   <p:sldSz cx="9144000" cy="6858000" type="screen4x3"/>
   <p:notesSz cx="6858000" cy="9144000"/>
@@ -3998,6 +3999,643 @@
     <p:extLst>
       <p:ext uri="{BB962C8B-B14F-4D97-AF65-F5344CB8AC3E}">
         <p14:creationId xmlns:p14="http://schemas.microsoft.com/office/powerpoint/2010/main" val="2805743918"/>
+      </p:ext>
+    </p:extLst>
+  </p:cSld>
+  <p:clrMapOvr>
+    <a:masterClrMapping/>
+  </p:clrMapOvr>
+</p:sld>
+</file>
+
+<file path=ppt/slides/slide10.xml><?xml version="1.0" encoding="utf-8"?>
+<p:sld xmlns:a="http://schemas.openxmlformats.org/drawingml/2006/main" xmlns:r="http://schemas.openxmlformats.org/officeDocument/2006/relationships" xmlns:p="http://schemas.openxmlformats.org/presentationml/2006/main">
+  <p:cSld>
+    <p:spTree>
+      <p:nvGrpSpPr>
+        <p:cNvPr id="1" name=""/>
+        <p:cNvGrpSpPr/>
+        <p:nvPr/>
+      </p:nvGrpSpPr>
+      <p:grpSpPr>
+        <a:xfrm>
+          <a:off x="0" y="0"/>
+          <a:ext cx="0" cy="0"/>
+          <a:chOff x="0" y="0"/>
+          <a:chExt cx="0" cy="0"/>
+        </a:xfrm>
+      </p:grpSpPr>
+      <p:sp>
+        <p:nvSpPr>
+          <p:cNvPr id="4" name="TextBox 3"/>
+          <p:cNvSpPr txBox="1"/>
+          <p:nvPr/>
+        </p:nvSpPr>
+        <p:spPr>
+          <a:xfrm>
+            <a:off x="0" y="0"/>
+            <a:ext cx="3421843" cy="6555639"/>
+          </a:xfrm>
+          <a:prstGeom prst="rect">
+            <a:avLst/>
+          </a:prstGeom>
+          <a:noFill/>
+        </p:spPr>
+        <p:txBody>
+          <a:bodyPr wrap="none" rtlCol="0">
+            <a:spAutoFit/>
+          </a:bodyPr>
+          <a:lstStyle/>
+          <a:p>
+            <a:r>
+              <a:rPr lang="en-US" sz="1400" dirty="0"/>
+              <a:t>public class Solution {</a:t>
+            </a:r>
+          </a:p>
+          <a:p>
+            <a:r>
+              <a:rPr lang="en-US" sz="1400" dirty="0"/>
+              <a:t>    public void </a:t>
+            </a:r>
+            <a:r>
+              <a:rPr lang="en-US" sz="1400" dirty="0" err="1"/>
+              <a:t>reorderList</a:t>
+            </a:r>
+            <a:r>
+              <a:rPr lang="en-US" sz="1400" dirty="0"/>
+              <a:t>(</a:t>
+            </a:r>
+            <a:r>
+              <a:rPr lang="en-US" sz="1400" dirty="0" err="1"/>
+              <a:t>ListNode</a:t>
+            </a:r>
+            <a:r>
+              <a:rPr lang="en-US" sz="1400" dirty="0"/>
+              <a:t> head) {</a:t>
+            </a:r>
+          </a:p>
+          <a:p>
+            <a:r>
+              <a:rPr lang="en-US" sz="1400" dirty="0"/>
+              <a:t>        if(head==null) return;</a:t>
+            </a:r>
+          </a:p>
+          <a:p>
+            <a:r>
+              <a:rPr lang="en-US" sz="1400" dirty="0"/>
+              <a:t>            </a:t>
+            </a:r>
+            <a:r>
+              <a:rPr lang="en-US" sz="1400" dirty="0" err="1"/>
+              <a:t>ListNode</a:t>
+            </a:r>
+            <a:r>
+              <a:rPr lang="en-US" sz="1400" dirty="0"/>
+              <a:t> slow = head, fast = head;</a:t>
+            </a:r>
+          </a:p>
+          <a:p>
+            <a:r>
+              <a:rPr lang="en-US" sz="1400" dirty="0"/>
+              <a:t>            while(fast!=null &amp;&amp; </a:t>
+            </a:r>
+            <a:r>
+              <a:rPr lang="en-US" sz="1400" dirty="0" err="1"/>
+              <a:t>fast.next</a:t>
+            </a:r>
+            <a:r>
+              <a:rPr lang="en-US" sz="1400" dirty="0"/>
+              <a:t>!=null){</a:t>
+            </a:r>
+          </a:p>
+          <a:p>
+            <a:r>
+              <a:rPr lang="en-US" sz="1400" dirty="0"/>
+              <a:t>                slow = </a:t>
+            </a:r>
+            <a:r>
+              <a:rPr lang="en-US" sz="1400" dirty="0" err="1"/>
+              <a:t>slow.next</a:t>
+            </a:r>
+            <a:r>
+              <a:rPr lang="en-US" sz="1400" dirty="0"/>
+              <a:t>;</a:t>
+            </a:r>
+          </a:p>
+          <a:p>
+            <a:r>
+              <a:rPr lang="en-US" sz="1400" dirty="0"/>
+              <a:t>                fast = </a:t>
+            </a:r>
+            <a:r>
+              <a:rPr lang="en-US" sz="1400" dirty="0" err="1"/>
+              <a:t>fast.next.next</a:t>
+            </a:r>
+            <a:r>
+              <a:rPr lang="en-US" sz="1400" dirty="0"/>
+              <a:t>;</a:t>
+            </a:r>
+          </a:p>
+          <a:p>
+            <a:r>
+              <a:rPr lang="en-US" sz="1400" dirty="0"/>
+              <a:t>            }</a:t>
+            </a:r>
+          </a:p>
+          <a:p>
+            <a:r>
+              <a:rPr lang="en-US" sz="1400" dirty="0"/>
+              <a:t>            </a:t>
+            </a:r>
+            <a:r>
+              <a:rPr lang="en-US" sz="1400" dirty="0" err="1"/>
+              <a:t>ListNode</a:t>
+            </a:r>
+            <a:r>
+              <a:rPr lang="en-US" sz="1400" dirty="0"/>
+              <a:t> mid = slow, cur = </a:t>
+            </a:r>
+            <a:r>
+              <a:rPr lang="en-US" sz="1400" dirty="0" err="1"/>
+              <a:t>slow.next</a:t>
+            </a:r>
+            <a:r>
+              <a:rPr lang="en-US" sz="1400" dirty="0"/>
+              <a:t>;</a:t>
+            </a:r>
+          </a:p>
+          <a:p>
+            <a:r>
+              <a:rPr lang="en-US" sz="1400" dirty="0"/>
+              <a:t>            if(cur!=null){</a:t>
+            </a:r>
+          </a:p>
+          <a:p>
+            <a:r>
+              <a:rPr lang="en-US" sz="1400" dirty="0"/>
+              <a:t>                </a:t>
+            </a:r>
+            <a:r>
+              <a:rPr lang="en-US" sz="1400" dirty="0" err="1"/>
+              <a:t>ListNode</a:t>
+            </a:r>
+            <a:r>
+              <a:rPr lang="en-US" sz="1400" dirty="0"/>
+              <a:t> </a:t>
+            </a:r>
+            <a:r>
+              <a:rPr lang="en-US" sz="1400" dirty="0" err="1"/>
+              <a:t>tmp</a:t>
+            </a:r>
+            <a:r>
+              <a:rPr lang="en-US" sz="1400" dirty="0"/>
+              <a:t> = </a:t>
+            </a:r>
+            <a:r>
+              <a:rPr lang="en-US" sz="1400" dirty="0" err="1"/>
+              <a:t>cur.next</a:t>
+            </a:r>
+            <a:r>
+              <a:rPr lang="en-US" sz="1400" dirty="0"/>
+              <a:t>;</a:t>
+            </a:r>
+          </a:p>
+          <a:p>
+            <a:r>
+              <a:rPr lang="en-US" sz="1400" dirty="0"/>
+              <a:t>                </a:t>
+            </a:r>
+            <a:r>
+              <a:rPr lang="en-US" sz="1400" dirty="0" err="1"/>
+              <a:t>cur.next</a:t>
+            </a:r>
+            <a:r>
+              <a:rPr lang="en-US" sz="1400" dirty="0"/>
+              <a:t> = null;</a:t>
+            </a:r>
+          </a:p>
+          <a:p>
+            <a:r>
+              <a:rPr lang="en-US" sz="1400" dirty="0"/>
+              <a:t>                cur = </a:t>
+            </a:r>
+            <a:r>
+              <a:rPr lang="en-US" sz="1400" dirty="0" err="1"/>
+              <a:t>tmp</a:t>
+            </a:r>
+            <a:r>
+              <a:rPr lang="en-US" sz="1400" dirty="0"/>
+              <a:t>;</a:t>
+            </a:r>
+          </a:p>
+          <a:p>
+            <a:r>
+              <a:rPr lang="en-US" sz="1400" dirty="0"/>
+              <a:t>            }</a:t>
+            </a:r>
+          </a:p>
+          <a:p>
+            <a:r>
+              <a:rPr lang="en-US" sz="1400" dirty="0"/>
+              <a:t>            while(cur!=null){</a:t>
+            </a:r>
+          </a:p>
+          <a:p>
+            <a:r>
+              <a:rPr lang="en-US" sz="1400" dirty="0"/>
+              <a:t>                </a:t>
+            </a:r>
+            <a:r>
+              <a:rPr lang="en-US" sz="1400" dirty="0" err="1"/>
+              <a:t>ListNode</a:t>
+            </a:r>
+            <a:r>
+              <a:rPr lang="en-US" sz="1400" dirty="0"/>
+              <a:t> </a:t>
+            </a:r>
+            <a:r>
+              <a:rPr lang="en-US" sz="1400" dirty="0" err="1"/>
+              <a:t>tmp</a:t>
+            </a:r>
+            <a:r>
+              <a:rPr lang="en-US" sz="1400" dirty="0"/>
+              <a:t> = </a:t>
+            </a:r>
+            <a:r>
+              <a:rPr lang="en-US" sz="1400" dirty="0" err="1"/>
+              <a:t>cur.next</a:t>
+            </a:r>
+            <a:r>
+              <a:rPr lang="en-US" sz="1400" dirty="0"/>
+              <a:t>;</a:t>
+            </a:r>
+          </a:p>
+          <a:p>
+            <a:r>
+              <a:rPr lang="en-US" sz="1400" dirty="0"/>
+              <a:t>                </a:t>
+            </a:r>
+            <a:r>
+              <a:rPr lang="en-US" sz="1400" dirty="0" err="1"/>
+              <a:t>cur.next</a:t>
+            </a:r>
+            <a:r>
+              <a:rPr lang="en-US" sz="1400" dirty="0"/>
+              <a:t> = </a:t>
+            </a:r>
+            <a:r>
+              <a:rPr lang="en-US" sz="1400" dirty="0" err="1"/>
+              <a:t>mid.next</a:t>
+            </a:r>
+            <a:r>
+              <a:rPr lang="en-US" sz="1400" dirty="0"/>
+              <a:t>;</a:t>
+            </a:r>
+          </a:p>
+          <a:p>
+            <a:r>
+              <a:rPr lang="en-US" sz="1400" dirty="0"/>
+              <a:t>                </a:t>
+            </a:r>
+            <a:r>
+              <a:rPr lang="en-US" sz="1400" dirty="0" err="1"/>
+              <a:t>mid.next</a:t>
+            </a:r>
+            <a:r>
+              <a:rPr lang="en-US" sz="1400" dirty="0"/>
+              <a:t> = cur;</a:t>
+            </a:r>
+          </a:p>
+          <a:p>
+            <a:r>
+              <a:rPr lang="en-US" sz="1400" dirty="0"/>
+              <a:t>                cur = </a:t>
+            </a:r>
+            <a:r>
+              <a:rPr lang="en-US" sz="1400" dirty="0" err="1"/>
+              <a:t>tmp</a:t>
+            </a:r>
+            <a:r>
+              <a:rPr lang="en-US" sz="1400" dirty="0"/>
+              <a:t>;</a:t>
+            </a:r>
+          </a:p>
+          <a:p>
+            <a:r>
+              <a:rPr lang="en-US" sz="1400" dirty="0"/>
+              <a:t>            }</a:t>
+            </a:r>
+          </a:p>
+          <a:p>
+            <a:r>
+              <a:rPr lang="en-US" sz="1400" dirty="0"/>
+              <a:t>            </a:t>
+            </a:r>
+            <a:r>
+              <a:rPr lang="en-US" sz="1400" dirty="0" err="1"/>
+              <a:t>ListNode</a:t>
+            </a:r>
+            <a:r>
+              <a:rPr lang="en-US" sz="1400" dirty="0"/>
+              <a:t> left = head, right = </a:t>
+            </a:r>
+            <a:r>
+              <a:rPr lang="en-US" sz="1400" dirty="0" err="1"/>
+              <a:t>mid.next</a:t>
+            </a:r>
+            <a:r>
+              <a:rPr lang="en-US" sz="1400" dirty="0"/>
+              <a:t>;</a:t>
+            </a:r>
+          </a:p>
+          <a:p>
+            <a:r>
+              <a:rPr lang="en-US" sz="1400" dirty="0"/>
+              <a:t>            while(right!=null){</a:t>
+            </a:r>
+          </a:p>
+          <a:p>
+            <a:r>
+              <a:rPr lang="en-US" sz="1400" dirty="0"/>
+              <a:t>                </a:t>
+            </a:r>
+            <a:r>
+              <a:rPr lang="en-US" sz="1400" dirty="0" err="1"/>
+              <a:t>mid.next</a:t>
+            </a:r>
+            <a:r>
+              <a:rPr lang="en-US" sz="1400" dirty="0"/>
+              <a:t> = </a:t>
+            </a:r>
+            <a:r>
+              <a:rPr lang="en-US" sz="1400" dirty="0" err="1"/>
+              <a:t>right.next</a:t>
+            </a:r>
+            <a:r>
+              <a:rPr lang="en-US" sz="1400" dirty="0"/>
+              <a:t>;</a:t>
+            </a:r>
+          </a:p>
+          <a:p>
+            <a:r>
+              <a:rPr lang="en-US" sz="1400" dirty="0"/>
+              <a:t>                </a:t>
+            </a:r>
+            <a:r>
+              <a:rPr lang="en-US" sz="1400" dirty="0" err="1"/>
+              <a:t>right.next</a:t>
+            </a:r>
+            <a:r>
+              <a:rPr lang="en-US" sz="1400" dirty="0"/>
+              <a:t> = </a:t>
+            </a:r>
+            <a:r>
+              <a:rPr lang="en-US" sz="1400" dirty="0" err="1"/>
+              <a:t>left.next</a:t>
+            </a:r>
+            <a:r>
+              <a:rPr lang="en-US" sz="1400" dirty="0"/>
+              <a:t>;</a:t>
+            </a:r>
+          </a:p>
+          <a:p>
+            <a:r>
+              <a:rPr lang="en-US" sz="1400" dirty="0"/>
+              <a:t>                </a:t>
+            </a:r>
+            <a:r>
+              <a:rPr lang="en-US" sz="1400" dirty="0" err="1"/>
+              <a:t>left.next</a:t>
+            </a:r>
+            <a:r>
+              <a:rPr lang="en-US" sz="1400" dirty="0"/>
+              <a:t> = right;</a:t>
+            </a:r>
+          </a:p>
+          <a:p>
+            <a:r>
+              <a:rPr lang="en-US" sz="1400" dirty="0"/>
+              <a:t>                left = </a:t>
+            </a:r>
+            <a:r>
+              <a:rPr lang="en-US" sz="1400" dirty="0" err="1"/>
+              <a:t>right.next</a:t>
+            </a:r>
+            <a:r>
+              <a:rPr lang="en-US" sz="1400" dirty="0"/>
+              <a:t>;</a:t>
+            </a:r>
+          </a:p>
+          <a:p>
+            <a:r>
+              <a:rPr lang="en-US" sz="1400" dirty="0"/>
+              <a:t>                right = </a:t>
+            </a:r>
+            <a:r>
+              <a:rPr lang="en-US" sz="1400" dirty="0" err="1"/>
+              <a:t>mid.next</a:t>
+            </a:r>
+            <a:r>
+              <a:rPr lang="en-US" sz="1400" dirty="0"/>
+              <a:t>;</a:t>
+            </a:r>
+          </a:p>
+          <a:p>
+            <a:r>
+              <a:rPr lang="en-US" sz="1400" dirty="0"/>
+              <a:t>            }</a:t>
+            </a:r>
+          </a:p>
+          <a:p>
+            <a:r>
+              <a:rPr lang="en-US" sz="1400" dirty="0"/>
+              <a:t>    }</a:t>
+            </a:r>
+          </a:p>
+          <a:p>
+            <a:r>
+              <a:rPr lang="en-US" sz="1400" dirty="0"/>
+              <a:t>}</a:t>
+            </a:r>
+          </a:p>
+        </p:txBody>
+      </p:sp>
+      <p:sp>
+        <p:nvSpPr>
+          <p:cNvPr id="5" name="TextBox 4"/>
+          <p:cNvSpPr txBox="1"/>
+          <p:nvPr/>
+        </p:nvSpPr>
+        <p:spPr>
+          <a:xfrm>
+            <a:off x="5015152" y="352823"/>
+            <a:ext cx="1774907" cy="369332"/>
+          </a:xfrm>
+          <a:prstGeom prst="rect">
+            <a:avLst/>
+          </a:prstGeom>
+          <a:noFill/>
+        </p:spPr>
+        <p:txBody>
+          <a:bodyPr wrap="none" rtlCol="0">
+            <a:spAutoFit/>
+          </a:bodyPr>
+          <a:lstStyle/>
+          <a:p>
+            <a:r>
+              <a:rPr lang="en-US" dirty="0"/>
+              <a:t>143. Reorder List</a:t>
+            </a:r>
+            <a:endParaRPr lang="en-US" dirty="0"/>
+          </a:p>
+        </p:txBody>
+      </p:sp>
+      <p:sp>
+        <p:nvSpPr>
+          <p:cNvPr id="6" name="TextBox 5"/>
+          <p:cNvSpPr txBox="1"/>
+          <p:nvPr/>
+        </p:nvSpPr>
+        <p:spPr>
+          <a:xfrm>
+            <a:off x="5168443" y="1217240"/>
+            <a:ext cx="3245713" cy="2862323"/>
+          </a:xfrm>
+          <a:prstGeom prst="rect">
+            <a:avLst/>
+          </a:prstGeom>
+          <a:noFill/>
+        </p:spPr>
+        <p:txBody>
+          <a:bodyPr wrap="square" rtlCol="0">
+            <a:spAutoFit/>
+          </a:bodyPr>
+          <a:lstStyle/>
+          <a:p>
+            <a:r>
+              <a:rPr lang="en-US" dirty="0"/>
+              <a:t>Given a singly linked list </a:t>
+            </a:r>
+            <a:r>
+              <a:rPr lang="en-US" i="1" dirty="0"/>
+              <a:t>L</a:t>
+            </a:r>
+            <a:r>
+              <a:rPr lang="en-US" dirty="0"/>
+              <a:t>: </a:t>
+            </a:r>
+            <a:r>
+              <a:rPr lang="en-US" i="1" dirty="0"/>
+              <a:t>L</a:t>
+            </a:r>
+            <a:r>
+              <a:rPr lang="en-US" dirty="0"/>
+              <a:t>0→</a:t>
+            </a:r>
+            <a:r>
+              <a:rPr lang="en-US" i="1" dirty="0"/>
+              <a:t>L</a:t>
+            </a:r>
+            <a:r>
+              <a:rPr lang="en-US" dirty="0"/>
+              <a:t>1→…→</a:t>
+            </a:r>
+            <a:r>
+              <a:rPr lang="en-US" i="1" dirty="0"/>
+              <a:t>Ln</a:t>
+            </a:r>
+            <a:r>
+              <a:rPr lang="en-US" dirty="0"/>
+              <a:t>-1→</a:t>
+            </a:r>
+            <a:r>
+              <a:rPr lang="en-US" i="1" dirty="0"/>
+              <a:t>L</a:t>
+            </a:r>
+            <a:r>
+              <a:rPr lang="en-US" dirty="0"/>
+              <a:t>n,</a:t>
+            </a:r>
+          </a:p>
+          <a:p>
+            <a:r>
+              <a:rPr lang="en-US" dirty="0"/>
+              <a:t>reorder it to: </a:t>
+            </a:r>
+            <a:r>
+              <a:rPr lang="en-US" i="1" dirty="0"/>
+              <a:t>L</a:t>
+            </a:r>
+            <a:r>
+              <a:rPr lang="en-US" dirty="0"/>
+              <a:t>0→</a:t>
+            </a:r>
+            <a:r>
+              <a:rPr lang="en-US" i="1" dirty="0"/>
+              <a:t>Ln</a:t>
+            </a:r>
+            <a:r>
+              <a:rPr lang="en-US" dirty="0"/>
+              <a:t>→</a:t>
+            </a:r>
+            <a:r>
+              <a:rPr lang="en-US" i="1" dirty="0"/>
+              <a:t>L</a:t>
+            </a:r>
+            <a:r>
+              <a:rPr lang="en-US" dirty="0"/>
+              <a:t>1→</a:t>
+            </a:r>
+            <a:r>
+              <a:rPr lang="en-US" i="1" dirty="0"/>
+              <a:t>Ln</a:t>
+            </a:r>
+            <a:r>
+              <a:rPr lang="en-US" dirty="0"/>
+              <a:t>-1→</a:t>
+            </a:r>
+            <a:r>
+              <a:rPr lang="en-US" i="1" dirty="0"/>
+              <a:t>L</a:t>
+            </a:r>
+            <a:r>
+              <a:rPr lang="en-US" dirty="0"/>
+              <a:t>2→</a:t>
+            </a:r>
+            <a:r>
+              <a:rPr lang="en-US" i="1" dirty="0"/>
+              <a:t>Ln</a:t>
+            </a:r>
+            <a:r>
+              <a:rPr lang="en-US" dirty="0"/>
+              <a:t>-2→…</a:t>
+            </a:r>
+          </a:p>
+          <a:p>
+            <a:r>
+              <a:rPr lang="en-US" dirty="0"/>
+              <a:t>You must do this in-place without altering the nodes' values.</a:t>
+            </a:r>
+          </a:p>
+          <a:p>
+            <a:r>
+              <a:rPr lang="en-US" dirty="0"/>
+              <a:t>For example,</a:t>
+            </a:r>
+          </a:p>
+          <a:p>
+            <a:r>
+              <a:rPr lang="en-US" dirty="0"/>
+              <a:t>Given {1,2,3,4}, reorder it to {1,4,2,3}.</a:t>
+            </a:r>
+            <a:endParaRPr lang="en-US" dirty="0"/>
+          </a:p>
+        </p:txBody>
+      </p:sp>
+    </p:spTree>
+    <p:extLst>
+      <p:ext uri="{BB962C8B-B14F-4D97-AF65-F5344CB8AC3E}">
+        <p14:creationId xmlns:p14="http://schemas.microsoft.com/office/powerpoint/2010/main" val="4044271603"/>
       </p:ext>
     </p:extLst>
   </p:cSld>

--- a/Basic/Leetcode.pptx
+++ b/Basic/Leetcode.pptx
@@ -15,6 +15,9 @@
     <p:sldId id="263" r:id="rId9"/>
     <p:sldId id="264" r:id="rId10"/>
     <p:sldId id="265" r:id="rId11"/>
+    <p:sldId id="266" r:id="rId12"/>
+    <p:sldId id="267" r:id="rId13"/>
+    <p:sldId id="268" r:id="rId14"/>
   </p:sldIdLst>
   <p:sldSz cx="9144000" cy="6858000" type="screen4x3"/>
   <p:notesSz cx="6858000" cy="9144000"/>
@@ -4636,6 +4639,1506 @@
     <p:extLst>
       <p:ext uri="{BB962C8B-B14F-4D97-AF65-F5344CB8AC3E}">
         <p14:creationId xmlns:p14="http://schemas.microsoft.com/office/powerpoint/2010/main" val="4044271603"/>
+      </p:ext>
+    </p:extLst>
+  </p:cSld>
+  <p:clrMapOvr>
+    <a:masterClrMapping/>
+  </p:clrMapOvr>
+</p:sld>
+</file>
+
+<file path=ppt/slides/slide11.xml><?xml version="1.0" encoding="utf-8"?>
+<p:sld xmlns:a="http://schemas.openxmlformats.org/drawingml/2006/main" xmlns:r="http://schemas.openxmlformats.org/officeDocument/2006/relationships" xmlns:p="http://schemas.openxmlformats.org/presentationml/2006/main">
+  <p:cSld>
+    <p:spTree>
+      <p:nvGrpSpPr>
+        <p:cNvPr id="1" name=""/>
+        <p:cNvGrpSpPr/>
+        <p:nvPr/>
+      </p:nvGrpSpPr>
+      <p:grpSpPr>
+        <a:xfrm>
+          <a:off x="0" y="0"/>
+          <a:ext cx="0" cy="0"/>
+          <a:chOff x="0" y="0"/>
+          <a:chExt cx="0" cy="0"/>
+        </a:xfrm>
+      </p:grpSpPr>
+      <p:sp>
+        <p:nvSpPr>
+          <p:cNvPr id="4" name="TextBox 3"/>
+          <p:cNvSpPr txBox="1"/>
+          <p:nvPr/>
+        </p:nvSpPr>
+        <p:spPr>
+          <a:xfrm>
+            <a:off x="0" y="0"/>
+            <a:ext cx="4656891" cy="4524316"/>
+          </a:xfrm>
+          <a:prstGeom prst="rect">
+            <a:avLst/>
+          </a:prstGeom>
+          <a:noFill/>
+        </p:spPr>
+        <p:txBody>
+          <a:bodyPr wrap="square" rtlCol="0">
+            <a:spAutoFit/>
+          </a:bodyPr>
+          <a:lstStyle/>
+          <a:p>
+            <a:r>
+              <a:rPr lang="en-US" dirty="0"/>
+              <a:t>public class Solution </a:t>
+            </a:r>
+            <a:r>
+              <a:rPr lang="en-US" dirty="0" smtClean="0"/>
+              <a:t>{</a:t>
+            </a:r>
+            <a:endParaRPr lang="en-US" dirty="0"/>
+          </a:p>
+          <a:p>
+            <a:r>
+              <a:rPr lang="en-US" dirty="0"/>
+              <a:t>    public </a:t>
+            </a:r>
+            <a:r>
+              <a:rPr lang="en-US" dirty="0" err="1"/>
+              <a:t>int</a:t>
+            </a:r>
+            <a:r>
+              <a:rPr lang="en-US" dirty="0"/>
+              <a:t> </a:t>
+            </a:r>
+            <a:r>
+              <a:rPr lang="en-US" dirty="0" err="1"/>
+              <a:t>mySqrt</a:t>
+            </a:r>
+            <a:r>
+              <a:rPr lang="en-US" dirty="0"/>
+              <a:t>(</a:t>
+            </a:r>
+            <a:r>
+              <a:rPr lang="en-US" dirty="0" err="1"/>
+              <a:t>int</a:t>
+            </a:r>
+            <a:r>
+              <a:rPr lang="en-US" dirty="0"/>
+              <a:t> x) </a:t>
+            </a:r>
+            <a:r>
+              <a:rPr lang="en-US" dirty="0" smtClean="0"/>
+              <a:t>{</a:t>
+            </a:r>
+            <a:endParaRPr lang="en-US" dirty="0"/>
+          </a:p>
+          <a:p>
+            <a:r>
+              <a:rPr lang="en-US" dirty="0"/>
+              <a:t>        long left = 0, right = x</a:t>
+            </a:r>
+            <a:r>
+              <a:rPr lang="en-US" dirty="0" smtClean="0"/>
+              <a:t>;</a:t>
+            </a:r>
+            <a:endParaRPr lang="en-US" dirty="0"/>
+          </a:p>
+          <a:p>
+            <a:r>
+              <a:rPr lang="en-US" dirty="0"/>
+              <a:t>        while(left&lt;=right)</a:t>
+            </a:r>
+            <a:r>
+              <a:rPr lang="en-US" dirty="0" smtClean="0"/>
+              <a:t>{</a:t>
+            </a:r>
+            <a:endParaRPr lang="en-US" dirty="0"/>
+          </a:p>
+          <a:p>
+            <a:r>
+              <a:rPr lang="en-US" dirty="0"/>
+              <a:t>            long mid = (</a:t>
+            </a:r>
+            <a:r>
+              <a:rPr lang="en-US" dirty="0" err="1"/>
+              <a:t>left+right</a:t>
+            </a:r>
+            <a:r>
+              <a:rPr lang="en-US" dirty="0"/>
+              <a:t>)/2</a:t>
+            </a:r>
+            <a:r>
+              <a:rPr lang="en-US" dirty="0" smtClean="0"/>
+              <a:t>;</a:t>
+            </a:r>
+            <a:endParaRPr lang="en-US" dirty="0"/>
+          </a:p>
+          <a:p>
+            <a:r>
+              <a:rPr lang="en-US" dirty="0"/>
+              <a:t>            if(mid*mid==x)</a:t>
+            </a:r>
+            <a:r>
+              <a:rPr lang="en-US" dirty="0" smtClean="0"/>
+              <a:t>{</a:t>
+            </a:r>
+            <a:endParaRPr lang="en-US" dirty="0"/>
+          </a:p>
+          <a:p>
+            <a:r>
+              <a:rPr lang="en-US" dirty="0"/>
+              <a:t>                return (</a:t>
+            </a:r>
+            <a:r>
+              <a:rPr lang="en-US" dirty="0" err="1"/>
+              <a:t>int</a:t>
+            </a:r>
+            <a:r>
+              <a:rPr lang="en-US" dirty="0"/>
+              <a:t>)mid</a:t>
+            </a:r>
+            <a:r>
+              <a:rPr lang="en-US" dirty="0" smtClean="0"/>
+              <a:t>;</a:t>
+            </a:r>
+            <a:endParaRPr lang="en-US" dirty="0"/>
+          </a:p>
+          <a:p>
+            <a:r>
+              <a:rPr lang="en-US" dirty="0"/>
+              <a:t>            }else if(mid*mid&gt;x)</a:t>
+            </a:r>
+            <a:r>
+              <a:rPr lang="en-US" dirty="0" smtClean="0"/>
+              <a:t>{</a:t>
+            </a:r>
+            <a:endParaRPr lang="en-US" dirty="0"/>
+          </a:p>
+          <a:p>
+            <a:r>
+              <a:rPr lang="en-US" dirty="0"/>
+              <a:t>                right = mid-1</a:t>
+            </a:r>
+            <a:r>
+              <a:rPr lang="en-US" dirty="0" smtClean="0"/>
+              <a:t>;</a:t>
+            </a:r>
+            <a:endParaRPr lang="en-US" dirty="0"/>
+          </a:p>
+          <a:p>
+            <a:r>
+              <a:rPr lang="en-US" dirty="0"/>
+              <a:t>            }else </a:t>
+            </a:r>
+            <a:r>
+              <a:rPr lang="en-US" dirty="0" smtClean="0"/>
+              <a:t>{</a:t>
+            </a:r>
+            <a:endParaRPr lang="en-US" dirty="0"/>
+          </a:p>
+          <a:p>
+            <a:r>
+              <a:rPr lang="en-US" dirty="0"/>
+              <a:t>                left = mid+1</a:t>
+            </a:r>
+            <a:r>
+              <a:rPr lang="en-US" dirty="0" smtClean="0"/>
+              <a:t>;</a:t>
+            </a:r>
+            <a:endParaRPr lang="en-US" dirty="0"/>
+          </a:p>
+          <a:p>
+            <a:r>
+              <a:rPr lang="en-US" dirty="0"/>
+              <a:t>            </a:t>
+            </a:r>
+            <a:r>
+              <a:rPr lang="en-US" dirty="0" smtClean="0"/>
+              <a:t>}</a:t>
+            </a:r>
+            <a:endParaRPr lang="en-US" dirty="0"/>
+          </a:p>
+          <a:p>
+            <a:r>
+              <a:rPr lang="en-US" dirty="0"/>
+              <a:t>        </a:t>
+            </a:r>
+            <a:r>
+              <a:rPr lang="en-US" dirty="0" smtClean="0"/>
+              <a:t>}</a:t>
+            </a:r>
+            <a:endParaRPr lang="en-US" dirty="0"/>
+          </a:p>
+          <a:p>
+            <a:r>
+              <a:rPr lang="en-US" dirty="0"/>
+              <a:t>        return (</a:t>
+            </a:r>
+            <a:r>
+              <a:rPr lang="en-US" dirty="0" err="1"/>
+              <a:t>int</a:t>
+            </a:r>
+            <a:r>
+              <a:rPr lang="en-US" dirty="0"/>
+              <a:t>)right</a:t>
+            </a:r>
+            <a:r>
+              <a:rPr lang="en-US" dirty="0" smtClean="0"/>
+              <a:t>;</a:t>
+            </a:r>
+            <a:endParaRPr lang="en-US" dirty="0"/>
+          </a:p>
+          <a:p>
+            <a:r>
+              <a:rPr lang="en-US" dirty="0"/>
+              <a:t>    </a:t>
+            </a:r>
+            <a:r>
+              <a:rPr lang="en-US" dirty="0" smtClean="0"/>
+              <a:t>}</a:t>
+            </a:r>
+            <a:endParaRPr lang="en-US" dirty="0"/>
+          </a:p>
+          <a:p>
+            <a:r>
+              <a:rPr lang="en-US" dirty="0"/>
+              <a:t>}</a:t>
+            </a:r>
+          </a:p>
+        </p:txBody>
+      </p:sp>
+      <p:sp>
+        <p:nvSpPr>
+          <p:cNvPr id="5" name="TextBox 4"/>
+          <p:cNvSpPr txBox="1"/>
+          <p:nvPr/>
+        </p:nvSpPr>
+        <p:spPr>
+          <a:xfrm>
+            <a:off x="5485959" y="406879"/>
+            <a:ext cx="1154207" cy="369332"/>
+          </a:xfrm>
+          <a:prstGeom prst="rect">
+            <a:avLst/>
+          </a:prstGeom>
+          <a:noFill/>
+        </p:spPr>
+        <p:txBody>
+          <a:bodyPr wrap="none" rtlCol="0">
+            <a:spAutoFit/>
+          </a:bodyPr>
+          <a:lstStyle/>
+          <a:p>
+            <a:r>
+              <a:rPr lang="en-US" dirty="0"/>
+              <a:t>69. </a:t>
+            </a:r>
+            <a:r>
+              <a:rPr lang="en-US" dirty="0" err="1"/>
+              <a:t>Sqrt</a:t>
+            </a:r>
+            <a:r>
+              <a:rPr lang="en-US" dirty="0"/>
+              <a:t>(x)</a:t>
+            </a:r>
+            <a:endParaRPr lang="en-US" dirty="0"/>
+          </a:p>
+        </p:txBody>
+      </p:sp>
+      <p:sp>
+        <p:nvSpPr>
+          <p:cNvPr id="6" name="TextBox 5"/>
+          <p:cNvSpPr txBox="1"/>
+          <p:nvPr/>
+        </p:nvSpPr>
+        <p:spPr>
+          <a:xfrm>
+            <a:off x="5054049" y="1493874"/>
+            <a:ext cx="3172234" cy="923330"/>
+          </a:xfrm>
+          <a:prstGeom prst="rect">
+            <a:avLst/>
+          </a:prstGeom>
+          <a:noFill/>
+        </p:spPr>
+        <p:txBody>
+          <a:bodyPr wrap="square" rtlCol="0">
+            <a:spAutoFit/>
+          </a:bodyPr>
+          <a:lstStyle/>
+          <a:p>
+            <a:r>
+              <a:rPr lang="en-US" dirty="0"/>
+              <a:t>Implement </a:t>
+            </a:r>
+            <a:r>
+              <a:rPr lang="en-US" dirty="0" err="1"/>
+              <a:t>int</a:t>
+            </a:r>
+            <a:r>
+              <a:rPr lang="en-US" dirty="0"/>
+              <a:t> </a:t>
+            </a:r>
+            <a:r>
+              <a:rPr lang="en-US" dirty="0" err="1"/>
+              <a:t>sqrt</a:t>
+            </a:r>
+            <a:r>
+              <a:rPr lang="en-US" dirty="0"/>
+              <a:t>(</a:t>
+            </a:r>
+            <a:r>
+              <a:rPr lang="en-US" dirty="0" err="1"/>
+              <a:t>int</a:t>
+            </a:r>
+            <a:r>
+              <a:rPr lang="en-US" dirty="0"/>
+              <a:t> x).</a:t>
+            </a:r>
+          </a:p>
+          <a:p>
+            <a:r>
+              <a:rPr lang="en-US" dirty="0"/>
+              <a:t>Compute and return the square root of </a:t>
+            </a:r>
+            <a:r>
+              <a:rPr lang="en-US" i="1" dirty="0"/>
+              <a:t>x</a:t>
+            </a:r>
+            <a:r>
+              <a:rPr lang="en-US" dirty="0"/>
+              <a:t>.</a:t>
+            </a:r>
+            <a:endParaRPr lang="en-US" dirty="0"/>
+          </a:p>
+        </p:txBody>
+      </p:sp>
+    </p:spTree>
+    <p:extLst>
+      <p:ext uri="{BB962C8B-B14F-4D97-AF65-F5344CB8AC3E}">
+        <p14:creationId xmlns:p14="http://schemas.microsoft.com/office/powerpoint/2010/main" val="1643792472"/>
+      </p:ext>
+    </p:extLst>
+  </p:cSld>
+  <p:clrMapOvr>
+    <a:masterClrMapping/>
+  </p:clrMapOvr>
+</p:sld>
+</file>
+
+<file path=ppt/slides/slide12.xml><?xml version="1.0" encoding="utf-8"?>
+<p:sld xmlns:a="http://schemas.openxmlformats.org/drawingml/2006/main" xmlns:r="http://schemas.openxmlformats.org/officeDocument/2006/relationships" xmlns:p="http://schemas.openxmlformats.org/presentationml/2006/main">
+  <p:cSld>
+    <p:spTree>
+      <p:nvGrpSpPr>
+        <p:cNvPr id="1" name=""/>
+        <p:cNvGrpSpPr/>
+        <p:nvPr/>
+      </p:nvGrpSpPr>
+      <p:grpSpPr>
+        <a:xfrm>
+          <a:off x="0" y="0"/>
+          <a:ext cx="0" cy="0"/>
+          <a:chOff x="0" y="0"/>
+          <a:chExt cx="0" cy="0"/>
+        </a:xfrm>
+      </p:grpSpPr>
+      <p:sp>
+        <p:nvSpPr>
+          <p:cNvPr id="4" name="TextBox 3"/>
+          <p:cNvSpPr txBox="1"/>
+          <p:nvPr/>
+        </p:nvSpPr>
+        <p:spPr>
+          <a:xfrm>
+            <a:off x="0" y="0"/>
+            <a:ext cx="5644717" cy="5078314"/>
+          </a:xfrm>
+          <a:prstGeom prst="rect">
+            <a:avLst/>
+          </a:prstGeom>
+          <a:noFill/>
+        </p:spPr>
+        <p:txBody>
+          <a:bodyPr wrap="square" rtlCol="0">
+            <a:spAutoFit/>
+          </a:bodyPr>
+          <a:lstStyle/>
+          <a:p>
+            <a:r>
+              <a:rPr lang="en-US" dirty="0"/>
+              <a:t>public class Solution {</a:t>
+            </a:r>
+          </a:p>
+          <a:p>
+            <a:r>
+              <a:rPr lang="en-US" dirty="0"/>
+              <a:t>    public </a:t>
+            </a:r>
+            <a:r>
+              <a:rPr lang="en-US" dirty="0" err="1"/>
+              <a:t>int</a:t>
+            </a:r>
+            <a:r>
+              <a:rPr lang="en-US" dirty="0"/>
+              <a:t> rob(</a:t>
+            </a:r>
+            <a:r>
+              <a:rPr lang="en-US" dirty="0" err="1"/>
+              <a:t>int</a:t>
+            </a:r>
+            <a:r>
+              <a:rPr lang="en-US" dirty="0"/>
+              <a:t>[] </a:t>
+            </a:r>
+            <a:r>
+              <a:rPr lang="en-US" dirty="0" err="1"/>
+              <a:t>nums</a:t>
+            </a:r>
+            <a:r>
+              <a:rPr lang="en-US" dirty="0"/>
+              <a:t>) {</a:t>
+            </a:r>
+          </a:p>
+          <a:p>
+            <a:r>
+              <a:rPr lang="en-US" dirty="0"/>
+              <a:t>        if (</a:t>
+            </a:r>
+            <a:r>
+              <a:rPr lang="en-US" dirty="0" err="1"/>
+              <a:t>nums.length</a:t>
+            </a:r>
+            <a:r>
+              <a:rPr lang="en-US" dirty="0"/>
+              <a:t> == 1) return </a:t>
+            </a:r>
+            <a:r>
+              <a:rPr lang="en-US" dirty="0" err="1"/>
+              <a:t>nums</a:t>
+            </a:r>
+            <a:r>
+              <a:rPr lang="en-US" dirty="0"/>
+              <a:t>[0];</a:t>
+            </a:r>
+          </a:p>
+          <a:p>
+            <a:r>
+              <a:rPr lang="en-US" dirty="0"/>
+              <a:t>        return </a:t>
+            </a:r>
+            <a:r>
+              <a:rPr lang="en-US" dirty="0" err="1"/>
+              <a:t>Math.max</a:t>
+            </a:r>
+            <a:r>
+              <a:rPr lang="en-US" dirty="0"/>
+              <a:t>(rob(</a:t>
+            </a:r>
+            <a:r>
+              <a:rPr lang="en-US" dirty="0" err="1"/>
+              <a:t>nums</a:t>
+            </a:r>
+            <a:r>
+              <a:rPr lang="en-US" dirty="0"/>
+              <a:t>, 0, </a:t>
+            </a:r>
+            <a:r>
+              <a:rPr lang="en-US" dirty="0" err="1"/>
+              <a:t>nums.length</a:t>
+            </a:r>
+            <a:r>
+              <a:rPr lang="en-US" dirty="0"/>
+              <a:t> - 2), rob(</a:t>
+            </a:r>
+            <a:r>
+              <a:rPr lang="en-US" dirty="0" err="1"/>
+              <a:t>nums</a:t>
+            </a:r>
+            <a:r>
+              <a:rPr lang="en-US" dirty="0"/>
+              <a:t>, 1, </a:t>
+            </a:r>
+            <a:r>
+              <a:rPr lang="en-US" dirty="0" err="1"/>
+              <a:t>nums.length</a:t>
+            </a:r>
+            <a:r>
+              <a:rPr lang="en-US" dirty="0"/>
+              <a:t> - 1));</a:t>
+            </a:r>
+          </a:p>
+          <a:p>
+            <a:r>
+              <a:rPr lang="en-US" dirty="0"/>
+              <a:t>    }</a:t>
+            </a:r>
+          </a:p>
+          <a:p>
+            <a:r>
+              <a:rPr lang="en-US" dirty="0"/>
+              <a:t>    </a:t>
+            </a:r>
+          </a:p>
+          <a:p>
+            <a:r>
+              <a:rPr lang="en-US" dirty="0"/>
+              <a:t>    public </a:t>
+            </a:r>
+            <a:r>
+              <a:rPr lang="en-US" dirty="0" err="1"/>
+              <a:t>int</a:t>
+            </a:r>
+            <a:r>
+              <a:rPr lang="en-US" dirty="0"/>
+              <a:t> rob(</a:t>
+            </a:r>
+            <a:r>
+              <a:rPr lang="en-US" dirty="0" err="1"/>
+              <a:t>int</a:t>
+            </a:r>
+            <a:r>
+              <a:rPr lang="en-US" dirty="0"/>
+              <a:t>[] </a:t>
+            </a:r>
+            <a:r>
+              <a:rPr lang="en-US" dirty="0" err="1"/>
+              <a:t>num</a:t>
+            </a:r>
+            <a:r>
+              <a:rPr lang="en-US" dirty="0"/>
+              <a:t>, </a:t>
+            </a:r>
+            <a:r>
+              <a:rPr lang="en-US" dirty="0" err="1"/>
+              <a:t>int</a:t>
+            </a:r>
+            <a:r>
+              <a:rPr lang="en-US" dirty="0"/>
+              <a:t> lo, </a:t>
+            </a:r>
+            <a:r>
+              <a:rPr lang="en-US" dirty="0" err="1"/>
+              <a:t>int</a:t>
+            </a:r>
+            <a:r>
+              <a:rPr lang="en-US" dirty="0"/>
+              <a:t> hi) {</a:t>
+            </a:r>
+          </a:p>
+          <a:p>
+            <a:r>
+              <a:rPr lang="en-US" dirty="0"/>
+              <a:t>    </a:t>
+            </a:r>
+            <a:r>
+              <a:rPr lang="en-US" dirty="0" err="1"/>
+              <a:t>int</a:t>
+            </a:r>
+            <a:r>
+              <a:rPr lang="en-US" dirty="0"/>
+              <a:t> include = 0, exclude = 0;</a:t>
+            </a:r>
+          </a:p>
+          <a:p>
+            <a:r>
+              <a:rPr lang="en-US" dirty="0"/>
+              <a:t>    for (</a:t>
+            </a:r>
+            <a:r>
+              <a:rPr lang="en-US" dirty="0" err="1"/>
+              <a:t>int</a:t>
+            </a:r>
+            <a:r>
+              <a:rPr lang="en-US" dirty="0"/>
+              <a:t> j = lo; j &lt;= hi; j++) {</a:t>
+            </a:r>
+          </a:p>
+          <a:p>
+            <a:r>
+              <a:rPr lang="en-US" dirty="0"/>
+              <a:t>        </a:t>
+            </a:r>
+            <a:r>
+              <a:rPr lang="en-US" dirty="0" err="1"/>
+              <a:t>int</a:t>
+            </a:r>
+            <a:r>
+              <a:rPr lang="en-US" dirty="0"/>
+              <a:t> </a:t>
+            </a:r>
+            <a:r>
+              <a:rPr lang="en-US" dirty="0" err="1"/>
+              <a:t>i</a:t>
+            </a:r>
+            <a:r>
+              <a:rPr lang="en-US" dirty="0"/>
+              <a:t> = include, e = exclude;</a:t>
+            </a:r>
+          </a:p>
+          <a:p>
+            <a:r>
+              <a:rPr lang="en-US" dirty="0"/>
+              <a:t>        include = e + </a:t>
+            </a:r>
+            <a:r>
+              <a:rPr lang="en-US" dirty="0" err="1"/>
+              <a:t>num</a:t>
+            </a:r>
+            <a:r>
+              <a:rPr lang="en-US" dirty="0"/>
+              <a:t>[j];</a:t>
+            </a:r>
+          </a:p>
+          <a:p>
+            <a:r>
+              <a:rPr lang="en-US" dirty="0"/>
+              <a:t>        exclude = </a:t>
+            </a:r>
+            <a:r>
+              <a:rPr lang="en-US" dirty="0" err="1"/>
+              <a:t>Math.max</a:t>
+            </a:r>
+            <a:r>
+              <a:rPr lang="en-US" dirty="0"/>
+              <a:t>(e, </a:t>
+            </a:r>
+            <a:r>
+              <a:rPr lang="en-US" dirty="0" err="1"/>
+              <a:t>i</a:t>
+            </a:r>
+            <a:r>
+              <a:rPr lang="en-US" dirty="0"/>
+              <a:t>);</a:t>
+            </a:r>
+          </a:p>
+          <a:p>
+            <a:r>
+              <a:rPr lang="en-US" dirty="0"/>
+              <a:t>    }</a:t>
+            </a:r>
+          </a:p>
+          <a:p>
+            <a:r>
+              <a:rPr lang="en-US" dirty="0"/>
+              <a:t>    return </a:t>
+            </a:r>
+            <a:r>
+              <a:rPr lang="en-US" dirty="0" err="1"/>
+              <a:t>Math.max</a:t>
+            </a:r>
+            <a:r>
+              <a:rPr lang="en-US" dirty="0"/>
+              <a:t>(include, exclude);</a:t>
+            </a:r>
+          </a:p>
+          <a:p>
+            <a:r>
+              <a:rPr lang="en-US" dirty="0"/>
+              <a:t>    }</a:t>
+            </a:r>
+          </a:p>
+          <a:p>
+            <a:r>
+              <a:rPr lang="en-US" dirty="0"/>
+              <a:t>}</a:t>
+            </a:r>
+          </a:p>
+          <a:p>
+            <a:endParaRPr lang="en-US" dirty="0"/>
+          </a:p>
+        </p:txBody>
+      </p:sp>
+      <p:sp>
+        <p:nvSpPr>
+          <p:cNvPr id="5" name="TextBox 4"/>
+          <p:cNvSpPr txBox="1"/>
+          <p:nvPr/>
+        </p:nvSpPr>
+        <p:spPr>
+          <a:xfrm>
+            <a:off x="5097885" y="1852322"/>
+            <a:ext cx="3823068" cy="4801315"/>
+          </a:xfrm>
+          <a:prstGeom prst="rect">
+            <a:avLst/>
+          </a:prstGeom>
+          <a:noFill/>
+        </p:spPr>
+        <p:txBody>
+          <a:bodyPr wrap="square" rtlCol="0">
+            <a:spAutoFit/>
+          </a:bodyPr>
+          <a:lstStyle/>
+          <a:p>
+            <a:r>
+              <a:rPr lang="en-US" b="1" dirty="0"/>
+              <a:t>Note:</a:t>
+            </a:r>
+            <a:r>
+              <a:rPr lang="en-US" dirty="0"/>
+              <a:t> This is an extension of </a:t>
+            </a:r>
+            <a:r>
+              <a:rPr lang="en-US" dirty="0">
+                <a:hlinkClick r:id="rId2"/>
+              </a:rPr>
+              <a:t>House Robber.</a:t>
+            </a:r>
+          </a:p>
+          <a:p>
+            <a:r>
+              <a:rPr lang="en-US" dirty="0"/>
+              <a:t>After robbing those houses on that street, the thief has found himself a new place for his thievery so that he will not get too much attention. This time, all houses at this place are </a:t>
+            </a:r>
+            <a:r>
+              <a:rPr lang="en-US" b="1" dirty="0"/>
+              <a:t>arranged in a circle.</a:t>
+            </a:r>
+            <a:r>
+              <a:rPr lang="en-US" dirty="0"/>
+              <a:t> That means the first house is the neighbor of the last one. Meanwhile, the security system for these houses remain the same as for those in the previous street.</a:t>
+            </a:r>
+          </a:p>
+          <a:p>
+            <a:r>
+              <a:rPr lang="en-US" dirty="0"/>
+              <a:t>Given a list of non-negative integers representing the amount of money of each house, determine the maximum amount of money you can rob tonight </a:t>
+            </a:r>
+            <a:r>
+              <a:rPr lang="en-US" b="1" dirty="0"/>
+              <a:t>without alerting the police</a:t>
+            </a:r>
+            <a:r>
+              <a:rPr lang="en-US" dirty="0"/>
+              <a:t>.</a:t>
+            </a:r>
+            <a:endParaRPr lang="en-US" dirty="0"/>
+          </a:p>
+        </p:txBody>
+      </p:sp>
+      <p:sp>
+        <p:nvSpPr>
+          <p:cNvPr id="6" name="TextBox 5"/>
+          <p:cNvSpPr txBox="1"/>
+          <p:nvPr/>
+        </p:nvSpPr>
+        <p:spPr>
+          <a:xfrm>
+            <a:off x="5644717" y="336315"/>
+            <a:ext cx="2143698" cy="369332"/>
+          </a:xfrm>
+          <a:prstGeom prst="rect">
+            <a:avLst/>
+          </a:prstGeom>
+          <a:noFill/>
+        </p:spPr>
+        <p:txBody>
+          <a:bodyPr wrap="none" rtlCol="0">
+            <a:spAutoFit/>
+          </a:bodyPr>
+          <a:lstStyle/>
+          <a:p>
+            <a:r>
+              <a:rPr lang="en-US" dirty="0"/>
+              <a:t>213. House Robber II</a:t>
+            </a:r>
+            <a:endParaRPr lang="en-US" dirty="0"/>
+          </a:p>
+        </p:txBody>
+      </p:sp>
+    </p:spTree>
+    <p:extLst>
+      <p:ext uri="{BB962C8B-B14F-4D97-AF65-F5344CB8AC3E}">
+        <p14:creationId xmlns:p14="http://schemas.microsoft.com/office/powerpoint/2010/main" val="4051890609"/>
+      </p:ext>
+    </p:extLst>
+  </p:cSld>
+  <p:clrMapOvr>
+    <a:masterClrMapping/>
+  </p:clrMapOvr>
+</p:sld>
+</file>
+
+<file path=ppt/slides/slide13.xml><?xml version="1.0" encoding="utf-8"?>
+<p:sld xmlns:a="http://schemas.openxmlformats.org/drawingml/2006/main" xmlns:r="http://schemas.openxmlformats.org/officeDocument/2006/relationships" xmlns:p="http://schemas.openxmlformats.org/presentationml/2006/main">
+  <p:cSld>
+    <p:spTree>
+      <p:nvGrpSpPr>
+        <p:cNvPr id="1" name=""/>
+        <p:cNvGrpSpPr/>
+        <p:nvPr/>
+      </p:nvGrpSpPr>
+      <p:grpSpPr>
+        <a:xfrm>
+          <a:off x="0" y="0"/>
+          <a:ext cx="0" cy="0"/>
+          <a:chOff x="0" y="0"/>
+          <a:chExt cx="0" cy="0"/>
+        </a:xfrm>
+      </p:grpSpPr>
+      <p:sp>
+        <p:nvSpPr>
+          <p:cNvPr id="4" name="TextBox 3"/>
+          <p:cNvSpPr txBox="1"/>
+          <p:nvPr/>
+        </p:nvSpPr>
+        <p:spPr>
+          <a:xfrm>
+            <a:off x="0" y="-17641"/>
+            <a:ext cx="4442242" cy="6555639"/>
+          </a:xfrm>
+          <a:prstGeom prst="rect">
+            <a:avLst/>
+          </a:prstGeom>
+          <a:noFill/>
+        </p:spPr>
+        <p:txBody>
+          <a:bodyPr wrap="none" rtlCol="0">
+            <a:spAutoFit/>
+          </a:bodyPr>
+          <a:lstStyle/>
+          <a:p>
+            <a:r>
+              <a:rPr lang="en-US" sz="1200" dirty="0"/>
+              <a:t>public class Solution {</a:t>
+            </a:r>
+          </a:p>
+          <a:p>
+            <a:r>
+              <a:rPr lang="en-US" sz="1200" dirty="0"/>
+              <a:t>    public </a:t>
+            </a:r>
+            <a:r>
+              <a:rPr lang="en-US" sz="1200" dirty="0" err="1"/>
+              <a:t>int</a:t>
+            </a:r>
+            <a:r>
+              <a:rPr lang="en-US" sz="1200" dirty="0"/>
+              <a:t> calculate(String s) {</a:t>
+            </a:r>
+          </a:p>
+          <a:p>
+            <a:r>
+              <a:rPr lang="en-US" sz="1200" dirty="0"/>
+              <a:t>        </a:t>
+            </a:r>
+            <a:r>
+              <a:rPr lang="en-US" sz="1200" dirty="0" err="1"/>
+              <a:t>int</a:t>
+            </a:r>
+            <a:r>
+              <a:rPr lang="en-US" sz="1200" dirty="0"/>
+              <a:t> </a:t>
+            </a:r>
+            <a:r>
+              <a:rPr lang="en-US" sz="1200" dirty="0" err="1"/>
+              <a:t>len</a:t>
+            </a:r>
+            <a:r>
+              <a:rPr lang="en-US" sz="1200" dirty="0"/>
+              <a:t>;</a:t>
+            </a:r>
+          </a:p>
+          <a:p>
+            <a:r>
+              <a:rPr lang="en-US" sz="1200" dirty="0"/>
+              <a:t>    if(s==null || (</a:t>
+            </a:r>
+            <a:r>
+              <a:rPr lang="en-US" sz="1200" dirty="0" err="1"/>
+              <a:t>len</a:t>
+            </a:r>
+            <a:r>
+              <a:rPr lang="en-US" sz="1200" dirty="0"/>
+              <a:t> = </a:t>
+            </a:r>
+            <a:r>
+              <a:rPr lang="en-US" sz="1200" dirty="0" err="1"/>
+              <a:t>s.length</a:t>
+            </a:r>
+            <a:r>
+              <a:rPr lang="en-US" sz="1200" dirty="0"/>
+              <a:t>())==0) return 0;</a:t>
+            </a:r>
+          </a:p>
+          <a:p>
+            <a:r>
+              <a:rPr lang="en-US" sz="1200" dirty="0"/>
+              <a:t>    Stack&lt;Integer&gt; stack = new Stack&lt;Integer&gt;();</a:t>
+            </a:r>
+          </a:p>
+          <a:p>
+            <a:r>
+              <a:rPr lang="en-US" sz="1200" dirty="0"/>
+              <a:t>    </a:t>
+            </a:r>
+            <a:r>
+              <a:rPr lang="en-US" sz="1200" dirty="0" err="1"/>
+              <a:t>int</a:t>
+            </a:r>
+            <a:r>
+              <a:rPr lang="en-US" sz="1200" dirty="0"/>
+              <a:t> </a:t>
+            </a:r>
+            <a:r>
+              <a:rPr lang="en-US" sz="1200" dirty="0" err="1"/>
+              <a:t>num</a:t>
+            </a:r>
+            <a:r>
+              <a:rPr lang="en-US" sz="1200" dirty="0"/>
+              <a:t> = 0;</a:t>
+            </a:r>
+          </a:p>
+          <a:p>
+            <a:r>
+              <a:rPr lang="en-US" sz="1200" dirty="0"/>
+              <a:t>    char sign = '+';</a:t>
+            </a:r>
+          </a:p>
+          <a:p>
+            <a:r>
+              <a:rPr lang="en-US" sz="1200" dirty="0"/>
+              <a:t>    for(</a:t>
+            </a:r>
+            <a:r>
+              <a:rPr lang="en-US" sz="1200" dirty="0" err="1"/>
+              <a:t>int</a:t>
+            </a:r>
+            <a:r>
+              <a:rPr lang="en-US" sz="1200" dirty="0"/>
+              <a:t> </a:t>
+            </a:r>
+            <a:r>
+              <a:rPr lang="en-US" sz="1200" dirty="0" err="1"/>
+              <a:t>i</a:t>
+            </a:r>
+            <a:r>
+              <a:rPr lang="en-US" sz="1200" dirty="0"/>
+              <a:t>=0;i&lt;</a:t>
+            </a:r>
+            <a:r>
+              <a:rPr lang="en-US" sz="1200" dirty="0" err="1"/>
+              <a:t>len;i</a:t>
+            </a:r>
+            <a:r>
+              <a:rPr lang="en-US" sz="1200" dirty="0"/>
+              <a:t>++){</a:t>
+            </a:r>
+          </a:p>
+          <a:p>
+            <a:r>
+              <a:rPr lang="en-US" sz="1200" dirty="0"/>
+              <a:t>        if(</a:t>
+            </a:r>
+            <a:r>
+              <a:rPr lang="en-US" sz="1200" dirty="0" err="1"/>
+              <a:t>Character.isDigit</a:t>
+            </a:r>
+            <a:r>
+              <a:rPr lang="en-US" sz="1200" dirty="0"/>
+              <a:t>(</a:t>
+            </a:r>
+            <a:r>
+              <a:rPr lang="en-US" sz="1200" dirty="0" err="1"/>
+              <a:t>s.charAt</a:t>
+            </a:r>
+            <a:r>
+              <a:rPr lang="en-US" sz="1200" dirty="0"/>
+              <a:t>(</a:t>
+            </a:r>
+            <a:r>
+              <a:rPr lang="en-US" sz="1200" dirty="0" err="1"/>
+              <a:t>i</a:t>
+            </a:r>
+            <a:r>
+              <a:rPr lang="en-US" sz="1200" dirty="0"/>
+              <a:t>))){</a:t>
+            </a:r>
+          </a:p>
+          <a:p>
+            <a:r>
+              <a:rPr lang="en-US" sz="1200" dirty="0"/>
+              <a:t>            </a:t>
+            </a:r>
+            <a:r>
+              <a:rPr lang="en-US" sz="1200" dirty="0" err="1"/>
+              <a:t>num</a:t>
+            </a:r>
+            <a:r>
+              <a:rPr lang="en-US" sz="1200" dirty="0"/>
+              <a:t> = </a:t>
+            </a:r>
+            <a:r>
+              <a:rPr lang="en-US" sz="1200" dirty="0" err="1"/>
+              <a:t>num</a:t>
+            </a:r>
+            <a:r>
+              <a:rPr lang="en-US" sz="1200" dirty="0"/>
+              <a:t>*10+s.charAt(</a:t>
+            </a:r>
+            <a:r>
+              <a:rPr lang="en-US" sz="1200" dirty="0" err="1"/>
+              <a:t>i</a:t>
+            </a:r>
+            <a:r>
+              <a:rPr lang="en-US" sz="1200" dirty="0"/>
+              <a:t>)-'0';</a:t>
+            </a:r>
+          </a:p>
+          <a:p>
+            <a:r>
+              <a:rPr lang="en-US" sz="1200" dirty="0"/>
+              <a:t>        }</a:t>
+            </a:r>
+          </a:p>
+          <a:p>
+            <a:r>
+              <a:rPr lang="en-US" sz="1200" dirty="0"/>
+              <a:t>        if((!</a:t>
+            </a:r>
+            <a:r>
+              <a:rPr lang="en-US" sz="1200" dirty="0" err="1"/>
+              <a:t>Character.isDigit</a:t>
+            </a:r>
+            <a:r>
+              <a:rPr lang="en-US" sz="1200" dirty="0"/>
+              <a:t>(</a:t>
+            </a:r>
+            <a:r>
+              <a:rPr lang="en-US" sz="1200" dirty="0" err="1"/>
+              <a:t>s.charAt</a:t>
+            </a:r>
+            <a:r>
+              <a:rPr lang="en-US" sz="1200" dirty="0"/>
+              <a:t>(</a:t>
+            </a:r>
+            <a:r>
+              <a:rPr lang="en-US" sz="1200" dirty="0" err="1"/>
+              <a:t>i</a:t>
+            </a:r>
+            <a:r>
+              <a:rPr lang="en-US" sz="1200" dirty="0"/>
+              <a:t>)) &amp;&amp;' '!=</a:t>
+            </a:r>
+            <a:r>
+              <a:rPr lang="en-US" sz="1200" dirty="0" err="1"/>
+              <a:t>s.charAt</a:t>
+            </a:r>
+            <a:r>
+              <a:rPr lang="en-US" sz="1200" dirty="0"/>
+              <a:t>(</a:t>
+            </a:r>
+            <a:r>
+              <a:rPr lang="en-US" sz="1200" dirty="0" err="1"/>
+              <a:t>i</a:t>
+            </a:r>
+            <a:r>
+              <a:rPr lang="en-US" sz="1200" dirty="0"/>
+              <a:t>)) || </a:t>
+            </a:r>
+            <a:r>
+              <a:rPr lang="en-US" sz="1200" dirty="0" err="1"/>
+              <a:t>i</a:t>
+            </a:r>
+            <a:r>
+              <a:rPr lang="en-US" sz="1200" dirty="0"/>
+              <a:t>==len-1){</a:t>
+            </a:r>
+          </a:p>
+          <a:p>
+            <a:r>
+              <a:rPr lang="en-US" sz="1200" dirty="0"/>
+              <a:t>            if(sign=='-'){</a:t>
+            </a:r>
+          </a:p>
+          <a:p>
+            <a:r>
+              <a:rPr lang="en-US" sz="1200" dirty="0"/>
+              <a:t>                </a:t>
+            </a:r>
+            <a:r>
+              <a:rPr lang="en-US" sz="1200" dirty="0" err="1"/>
+              <a:t>stack.push</a:t>
+            </a:r>
+            <a:r>
+              <a:rPr lang="en-US" sz="1200" dirty="0"/>
+              <a:t>(-</a:t>
+            </a:r>
+            <a:r>
+              <a:rPr lang="en-US" sz="1200" dirty="0" err="1"/>
+              <a:t>num</a:t>
+            </a:r>
+            <a:r>
+              <a:rPr lang="en-US" sz="1200" dirty="0"/>
+              <a:t>);</a:t>
+            </a:r>
+          </a:p>
+          <a:p>
+            <a:r>
+              <a:rPr lang="en-US" sz="1200" dirty="0"/>
+              <a:t>            }</a:t>
+            </a:r>
+          </a:p>
+          <a:p>
+            <a:r>
+              <a:rPr lang="en-US" sz="1200" dirty="0"/>
+              <a:t>            if(sign=='+'){</a:t>
+            </a:r>
+          </a:p>
+          <a:p>
+            <a:r>
+              <a:rPr lang="en-US" sz="1200" dirty="0"/>
+              <a:t>                </a:t>
+            </a:r>
+            <a:r>
+              <a:rPr lang="en-US" sz="1200" dirty="0" err="1"/>
+              <a:t>stack.push</a:t>
+            </a:r>
+            <a:r>
+              <a:rPr lang="en-US" sz="1200" dirty="0"/>
+              <a:t>(</a:t>
+            </a:r>
+            <a:r>
+              <a:rPr lang="en-US" sz="1200" dirty="0" err="1"/>
+              <a:t>num</a:t>
+            </a:r>
+            <a:r>
+              <a:rPr lang="en-US" sz="1200" dirty="0"/>
+              <a:t>);</a:t>
+            </a:r>
+          </a:p>
+          <a:p>
+            <a:r>
+              <a:rPr lang="en-US" sz="1200" dirty="0"/>
+              <a:t>            }</a:t>
+            </a:r>
+          </a:p>
+          <a:p>
+            <a:r>
+              <a:rPr lang="en-US" sz="1200" dirty="0"/>
+              <a:t>            if(sign=='*'){</a:t>
+            </a:r>
+          </a:p>
+          <a:p>
+            <a:r>
+              <a:rPr lang="en-US" sz="1200" dirty="0"/>
+              <a:t>                </a:t>
+            </a:r>
+            <a:r>
+              <a:rPr lang="en-US" sz="1200" dirty="0" err="1"/>
+              <a:t>stack.push</a:t>
+            </a:r>
+            <a:r>
+              <a:rPr lang="en-US" sz="1200" dirty="0"/>
+              <a:t>(</a:t>
+            </a:r>
+            <a:r>
+              <a:rPr lang="en-US" sz="1200" dirty="0" err="1"/>
+              <a:t>stack.pop</a:t>
+            </a:r>
+            <a:r>
+              <a:rPr lang="en-US" sz="1200" dirty="0"/>
+              <a:t>()*</a:t>
+            </a:r>
+            <a:r>
+              <a:rPr lang="en-US" sz="1200" dirty="0" err="1"/>
+              <a:t>num</a:t>
+            </a:r>
+            <a:r>
+              <a:rPr lang="en-US" sz="1200" dirty="0"/>
+              <a:t>);</a:t>
+            </a:r>
+          </a:p>
+          <a:p>
+            <a:r>
+              <a:rPr lang="en-US" sz="1200" dirty="0"/>
+              <a:t>            }</a:t>
+            </a:r>
+          </a:p>
+          <a:p>
+            <a:r>
+              <a:rPr lang="en-US" sz="1200" dirty="0"/>
+              <a:t>            if(sign=='/'){</a:t>
+            </a:r>
+          </a:p>
+          <a:p>
+            <a:r>
+              <a:rPr lang="en-US" sz="1200" dirty="0"/>
+              <a:t>                </a:t>
+            </a:r>
+            <a:r>
+              <a:rPr lang="en-US" sz="1200" dirty="0" err="1"/>
+              <a:t>stack.push</a:t>
+            </a:r>
+            <a:r>
+              <a:rPr lang="en-US" sz="1200" dirty="0"/>
+              <a:t>(</a:t>
+            </a:r>
+            <a:r>
+              <a:rPr lang="en-US" sz="1200" dirty="0" err="1"/>
+              <a:t>stack.pop</a:t>
+            </a:r>
+            <a:r>
+              <a:rPr lang="en-US" sz="1200" dirty="0"/>
+              <a:t>()/</a:t>
+            </a:r>
+            <a:r>
+              <a:rPr lang="en-US" sz="1200" dirty="0" err="1"/>
+              <a:t>num</a:t>
+            </a:r>
+            <a:r>
+              <a:rPr lang="en-US" sz="1200" dirty="0"/>
+              <a:t>);</a:t>
+            </a:r>
+          </a:p>
+          <a:p>
+            <a:r>
+              <a:rPr lang="en-US" sz="1200" dirty="0"/>
+              <a:t>            }</a:t>
+            </a:r>
+          </a:p>
+          <a:p>
+            <a:r>
+              <a:rPr lang="en-US" sz="1200" dirty="0"/>
+              <a:t>            sign = </a:t>
+            </a:r>
+            <a:r>
+              <a:rPr lang="en-US" sz="1200" dirty="0" err="1"/>
+              <a:t>s.charAt</a:t>
+            </a:r>
+            <a:r>
+              <a:rPr lang="en-US" sz="1200" dirty="0"/>
+              <a:t>(</a:t>
+            </a:r>
+            <a:r>
+              <a:rPr lang="en-US" sz="1200" dirty="0" err="1"/>
+              <a:t>i</a:t>
+            </a:r>
+            <a:r>
+              <a:rPr lang="en-US" sz="1200" dirty="0"/>
+              <a:t>);</a:t>
+            </a:r>
+          </a:p>
+          <a:p>
+            <a:r>
+              <a:rPr lang="en-US" sz="1200" dirty="0"/>
+              <a:t>            </a:t>
+            </a:r>
+            <a:r>
+              <a:rPr lang="en-US" sz="1200" dirty="0" err="1"/>
+              <a:t>num</a:t>
+            </a:r>
+            <a:r>
+              <a:rPr lang="en-US" sz="1200" dirty="0"/>
+              <a:t> = 0;</a:t>
+            </a:r>
+          </a:p>
+          <a:p>
+            <a:r>
+              <a:rPr lang="en-US" sz="1200" dirty="0"/>
+              <a:t>        }</a:t>
+            </a:r>
+          </a:p>
+          <a:p>
+            <a:r>
+              <a:rPr lang="en-US" sz="1200" dirty="0"/>
+              <a:t>    </a:t>
+            </a:r>
+            <a:r>
+              <a:rPr lang="en-US" sz="1200" dirty="0" smtClean="0"/>
+              <a:t>}</a:t>
+            </a:r>
+            <a:endParaRPr lang="en-US" sz="1200" dirty="0"/>
+          </a:p>
+          <a:p>
+            <a:r>
+              <a:rPr lang="en-US" sz="1200" dirty="0"/>
+              <a:t>    </a:t>
+            </a:r>
+            <a:r>
+              <a:rPr lang="en-US" sz="1200" dirty="0" err="1"/>
+              <a:t>int</a:t>
+            </a:r>
+            <a:r>
+              <a:rPr lang="en-US" sz="1200" dirty="0"/>
+              <a:t> re = 0;</a:t>
+            </a:r>
+          </a:p>
+          <a:p>
+            <a:r>
+              <a:rPr lang="en-US" sz="1200" dirty="0"/>
+              <a:t>    for(</a:t>
+            </a:r>
+            <a:r>
+              <a:rPr lang="en-US" sz="1200" dirty="0" err="1"/>
+              <a:t>int</a:t>
+            </a:r>
+            <a:r>
+              <a:rPr lang="en-US" sz="1200" dirty="0"/>
+              <a:t> </a:t>
+            </a:r>
+            <a:r>
+              <a:rPr lang="en-US" sz="1200" dirty="0" err="1"/>
+              <a:t>i:stack</a:t>
+            </a:r>
+            <a:r>
+              <a:rPr lang="en-US" sz="1200" dirty="0"/>
+              <a:t>){</a:t>
+            </a:r>
+          </a:p>
+          <a:p>
+            <a:r>
+              <a:rPr lang="en-US" sz="1200" dirty="0"/>
+              <a:t>        re += </a:t>
+            </a:r>
+            <a:r>
+              <a:rPr lang="en-US" sz="1200" dirty="0" err="1"/>
+              <a:t>i</a:t>
+            </a:r>
+            <a:r>
+              <a:rPr lang="en-US" sz="1200" dirty="0"/>
+              <a:t>;</a:t>
+            </a:r>
+          </a:p>
+          <a:p>
+            <a:r>
+              <a:rPr lang="en-US" sz="1200" dirty="0"/>
+              <a:t>    }</a:t>
+            </a:r>
+          </a:p>
+          <a:p>
+            <a:r>
+              <a:rPr lang="en-US" sz="1200" dirty="0"/>
+              <a:t>    return re;</a:t>
+            </a:r>
+          </a:p>
+          <a:p>
+            <a:r>
+              <a:rPr lang="en-US" sz="1200" dirty="0"/>
+              <a:t>    }</a:t>
+            </a:r>
+          </a:p>
+          <a:p>
+            <a:r>
+              <a:rPr lang="en-US" sz="1200" dirty="0"/>
+              <a:t>}</a:t>
+            </a:r>
+          </a:p>
+        </p:txBody>
+      </p:sp>
+      <p:sp>
+        <p:nvSpPr>
+          <p:cNvPr id="5" name="TextBox 4"/>
+          <p:cNvSpPr txBox="1"/>
+          <p:nvPr/>
+        </p:nvSpPr>
+        <p:spPr>
+          <a:xfrm>
+            <a:off x="3939969" y="2769662"/>
+            <a:ext cx="5204031" cy="3139321"/>
+          </a:xfrm>
+          <a:prstGeom prst="rect">
+            <a:avLst/>
+          </a:prstGeom>
+          <a:noFill/>
+        </p:spPr>
+        <p:txBody>
+          <a:bodyPr wrap="square" rtlCol="0">
+            <a:spAutoFit/>
+          </a:bodyPr>
+          <a:lstStyle/>
+          <a:p>
+            <a:r>
+              <a:rPr lang="en-US" dirty="0"/>
+              <a:t>Implement a basic calculator to evaluate a simple expression string.</a:t>
+            </a:r>
+          </a:p>
+          <a:p>
+            <a:r>
+              <a:rPr lang="en-US" dirty="0"/>
+              <a:t>The expression string contains only </a:t>
+            </a:r>
+            <a:r>
+              <a:rPr lang="en-US" b="1" dirty="0"/>
+              <a:t>non-negative</a:t>
+            </a:r>
+            <a:r>
+              <a:rPr lang="en-US" dirty="0"/>
+              <a:t> integers, +, -, *, / operators and empty spaces . The integer division should truncate toward zero.</a:t>
+            </a:r>
+          </a:p>
+          <a:p>
+            <a:r>
+              <a:rPr lang="en-US" dirty="0"/>
+              <a:t>You may assume that the given expression is always valid.</a:t>
+            </a:r>
+          </a:p>
+          <a:p>
+            <a:r>
+              <a:rPr lang="en-US" dirty="0"/>
+              <a:t>Some examples:</a:t>
+            </a:r>
+          </a:p>
+          <a:p>
+            <a:r>
+              <a:rPr lang="en-US" dirty="0"/>
+              <a:t>"3+2*2" = 7</a:t>
+            </a:r>
+          </a:p>
+          <a:p>
+            <a:r>
+              <a:rPr lang="en-US" dirty="0"/>
+              <a:t>" 3/2 " = 1</a:t>
+            </a:r>
+          </a:p>
+          <a:p>
+            <a:r>
+              <a:rPr lang="en-US" dirty="0"/>
+              <a:t>" 3+5 / 2 " = 5</a:t>
+            </a:r>
+            <a:endParaRPr lang="en-US" dirty="0"/>
+          </a:p>
+        </p:txBody>
+      </p:sp>
+      <p:sp>
+        <p:nvSpPr>
+          <p:cNvPr id="6" name="TextBox 5"/>
+          <p:cNvSpPr txBox="1"/>
+          <p:nvPr/>
+        </p:nvSpPr>
+        <p:spPr>
+          <a:xfrm>
+            <a:off x="5097885" y="970264"/>
+            <a:ext cx="2292364" cy="369332"/>
+          </a:xfrm>
+          <a:prstGeom prst="rect">
+            <a:avLst/>
+          </a:prstGeom>
+          <a:noFill/>
+        </p:spPr>
+        <p:txBody>
+          <a:bodyPr wrap="none" rtlCol="0">
+            <a:spAutoFit/>
+          </a:bodyPr>
+          <a:lstStyle/>
+          <a:p>
+            <a:r>
+              <a:rPr lang="en-US" dirty="0"/>
+              <a:t>227. </a:t>
+            </a:r>
+            <a:r>
+              <a:rPr lang="en-US"/>
+              <a:t>Basic Calculator II</a:t>
+            </a:r>
+            <a:endParaRPr lang="en-US"/>
+          </a:p>
+        </p:txBody>
+      </p:sp>
+    </p:spTree>
+    <p:extLst>
+      <p:ext uri="{BB962C8B-B14F-4D97-AF65-F5344CB8AC3E}">
+        <p14:creationId xmlns:p14="http://schemas.microsoft.com/office/powerpoint/2010/main" val="2721597040"/>
       </p:ext>
     </p:extLst>
   </p:cSld>

--- a/Basic/Leetcode.pptx
+++ b/Basic/Leetcode.pptx
@@ -18,6 +18,7 @@
     <p:sldId id="266" r:id="rId12"/>
     <p:sldId id="267" r:id="rId13"/>
     <p:sldId id="268" r:id="rId14"/>
+    <p:sldId id="269" r:id="rId15"/>
   </p:sldIdLst>
   <p:sldSz cx="9144000" cy="6858000" type="screen4x3"/>
   <p:notesSz cx="6858000" cy="9144000"/>
@@ -300,7 +301,7 @@
           <a:p>
             <a:fld id="{71FE50ED-E91C-CA43-967B-57A0700BD591}" type="datetimeFigureOut">
               <a:rPr lang="en-US" smtClean="0"/>
-              <a:t>10/9/16</a:t>
+              <a:t>10/20/16</a:t>
             </a:fld>
             <a:endParaRPr lang="en-US"/>
           </a:p>
@@ -470,7 +471,7 @@
           <a:p>
             <a:fld id="{71FE50ED-E91C-CA43-967B-57A0700BD591}" type="datetimeFigureOut">
               <a:rPr lang="en-US" smtClean="0"/>
-              <a:t>10/9/16</a:t>
+              <a:t>10/20/16</a:t>
             </a:fld>
             <a:endParaRPr lang="en-US"/>
           </a:p>
@@ -650,7 +651,7 @@
           <a:p>
             <a:fld id="{71FE50ED-E91C-CA43-967B-57A0700BD591}" type="datetimeFigureOut">
               <a:rPr lang="en-US" smtClean="0"/>
-              <a:t>10/9/16</a:t>
+              <a:t>10/20/16</a:t>
             </a:fld>
             <a:endParaRPr lang="en-US"/>
           </a:p>
@@ -820,7 +821,7 @@
           <a:p>
             <a:fld id="{71FE50ED-E91C-CA43-967B-57A0700BD591}" type="datetimeFigureOut">
               <a:rPr lang="en-US" smtClean="0"/>
-              <a:t>10/9/16</a:t>
+              <a:t>10/20/16</a:t>
             </a:fld>
             <a:endParaRPr lang="en-US"/>
           </a:p>
@@ -1066,7 +1067,7 @@
           <a:p>
             <a:fld id="{71FE50ED-E91C-CA43-967B-57A0700BD591}" type="datetimeFigureOut">
               <a:rPr lang="en-US" smtClean="0"/>
-              <a:t>10/9/16</a:t>
+              <a:t>10/20/16</a:t>
             </a:fld>
             <a:endParaRPr lang="en-US"/>
           </a:p>
@@ -1354,7 +1355,7 @@
           <a:p>
             <a:fld id="{71FE50ED-E91C-CA43-967B-57A0700BD591}" type="datetimeFigureOut">
               <a:rPr lang="en-US" smtClean="0"/>
-              <a:t>10/9/16</a:t>
+              <a:t>10/20/16</a:t>
             </a:fld>
             <a:endParaRPr lang="en-US"/>
           </a:p>
@@ -1776,7 +1777,7 @@
           <a:p>
             <a:fld id="{71FE50ED-E91C-CA43-967B-57A0700BD591}" type="datetimeFigureOut">
               <a:rPr lang="en-US" smtClean="0"/>
-              <a:t>10/9/16</a:t>
+              <a:t>10/20/16</a:t>
             </a:fld>
             <a:endParaRPr lang="en-US"/>
           </a:p>
@@ -1894,7 +1895,7 @@
           <a:p>
             <a:fld id="{71FE50ED-E91C-CA43-967B-57A0700BD591}" type="datetimeFigureOut">
               <a:rPr lang="en-US" smtClean="0"/>
-              <a:t>10/9/16</a:t>
+              <a:t>10/20/16</a:t>
             </a:fld>
             <a:endParaRPr lang="en-US"/>
           </a:p>
@@ -1989,7 +1990,7 @@
           <a:p>
             <a:fld id="{71FE50ED-E91C-CA43-967B-57A0700BD591}" type="datetimeFigureOut">
               <a:rPr lang="en-US" smtClean="0"/>
-              <a:t>10/9/16</a:t>
+              <a:t>10/20/16</a:t>
             </a:fld>
             <a:endParaRPr lang="en-US"/>
           </a:p>
@@ -2266,7 +2267,7 @@
           <a:p>
             <a:fld id="{71FE50ED-E91C-CA43-967B-57A0700BD591}" type="datetimeFigureOut">
               <a:rPr lang="en-US" smtClean="0"/>
-              <a:t>10/9/16</a:t>
+              <a:t>10/20/16</a:t>
             </a:fld>
             <a:endParaRPr lang="en-US"/>
           </a:p>
@@ -2519,7 +2520,7 @@
           <a:p>
             <a:fld id="{71FE50ED-E91C-CA43-967B-57A0700BD591}" type="datetimeFigureOut">
               <a:rPr lang="en-US" smtClean="0"/>
-              <a:t>10/9/16</a:t>
+              <a:t>10/20/16</a:t>
             </a:fld>
             <a:endParaRPr lang="en-US"/>
           </a:p>
@@ -2732,7 +2733,7 @@
           <a:p>
             <a:fld id="{71FE50ED-E91C-CA43-967B-57A0700BD591}" type="datetimeFigureOut">
               <a:rPr lang="en-US" smtClean="0"/>
-              <a:t>10/9/16</a:t>
+              <a:t>10/20/16</a:t>
             </a:fld>
             <a:endParaRPr lang="en-US"/>
           </a:p>
@@ -4489,7 +4490,6 @@
               <a:rPr lang="en-US" dirty="0"/>
               <a:t>143. Reorder List</a:t>
             </a:r>
-            <a:endParaRPr lang="en-US" dirty="0"/>
           </a:p>
         </p:txBody>
       </p:sp>
@@ -4631,7 +4631,6 @@
               <a:rPr lang="en-US" dirty="0"/>
               <a:t>Given {1,2,3,4}, reorder it to {1,4,2,3}.</a:t>
             </a:r>
-            <a:endParaRPr lang="en-US" dirty="0"/>
           </a:p>
         </p:txBody>
       </p:sp>
@@ -4941,7 +4940,6 @@
               <a:rPr lang="en-US" dirty="0"/>
               <a:t>(x)</a:t>
             </a:r>
-            <a:endParaRPr lang="en-US" dirty="0"/>
           </a:p>
         </p:txBody>
       </p:sp>
@@ -5009,7 +5007,6 @@
               <a:rPr lang="en-US" dirty="0"/>
               <a:t>.</a:t>
             </a:r>
-            <a:endParaRPr lang="en-US" dirty="0"/>
           </a:p>
         </p:txBody>
       </p:sp>
@@ -5413,7 +5410,6 @@
               <a:rPr lang="en-US" dirty="0"/>
               <a:t>.</a:t>
             </a:r>
-            <a:endParaRPr lang="en-US" dirty="0"/>
           </a:p>
         </p:txBody>
       </p:sp>
@@ -5443,7 +5439,6 @@
               <a:rPr lang="en-US" dirty="0"/>
               <a:t>213. House Robber II</a:t>
             </a:r>
-            <a:endParaRPr lang="en-US" dirty="0"/>
           </a:p>
         </p:txBody>
       </p:sp>
@@ -6097,7 +6092,6 @@
               <a:rPr lang="en-US" dirty="0"/>
               <a:t>" 3+5 / 2 " = 5</a:t>
             </a:r>
-            <a:endParaRPr lang="en-US" dirty="0"/>
           </a:p>
         </p:txBody>
       </p:sp>
@@ -6131,7 +6125,6 @@
               <a:rPr lang="en-US"/>
               <a:t>Basic Calculator II</a:t>
             </a:r>
-            <a:endParaRPr lang="en-US"/>
           </a:p>
         </p:txBody>
       </p:sp>
@@ -6139,6 +6132,669 @@
     <p:extLst>
       <p:ext uri="{BB962C8B-B14F-4D97-AF65-F5344CB8AC3E}">
         <p14:creationId xmlns:p14="http://schemas.microsoft.com/office/powerpoint/2010/main" val="2721597040"/>
+      </p:ext>
+    </p:extLst>
+  </p:cSld>
+  <p:clrMapOvr>
+    <a:masterClrMapping/>
+  </p:clrMapOvr>
+</p:sld>
+</file>
+
+<file path=ppt/slides/slide14.xml><?xml version="1.0" encoding="utf-8"?>
+<p:sld xmlns:a="http://schemas.openxmlformats.org/drawingml/2006/main" xmlns:r="http://schemas.openxmlformats.org/officeDocument/2006/relationships" xmlns:p="http://schemas.openxmlformats.org/presentationml/2006/main">
+  <p:cSld>
+    <p:spTree>
+      <p:nvGrpSpPr>
+        <p:cNvPr id="1" name=""/>
+        <p:cNvGrpSpPr/>
+        <p:nvPr/>
+      </p:nvGrpSpPr>
+      <p:grpSpPr>
+        <a:xfrm>
+          <a:off x="0" y="0"/>
+          <a:ext cx="0" cy="0"/>
+          <a:chOff x="0" y="0"/>
+          <a:chExt cx="0" cy="0"/>
+        </a:xfrm>
+      </p:grpSpPr>
+      <p:sp>
+        <p:nvSpPr>
+          <p:cNvPr id="4" name="TextBox 3"/>
+          <p:cNvSpPr txBox="1"/>
+          <p:nvPr/>
+        </p:nvSpPr>
+        <p:spPr>
+          <a:xfrm>
+            <a:off x="0" y="-66971"/>
+            <a:ext cx="3802092" cy="6924971"/>
+          </a:xfrm>
+          <a:prstGeom prst="rect">
+            <a:avLst/>
+          </a:prstGeom>
+          <a:noFill/>
+        </p:spPr>
+        <p:txBody>
+          <a:bodyPr wrap="none" rtlCol="0">
+            <a:spAutoFit/>
+          </a:bodyPr>
+          <a:lstStyle/>
+          <a:p>
+            <a:r>
+              <a:rPr lang="en-US" sz="1200" dirty="0"/>
+              <a:t>public class Solution {</a:t>
+            </a:r>
+          </a:p>
+          <a:p>
+            <a:r>
+              <a:rPr lang="en-US" sz="1200" dirty="0"/>
+              <a:t>    public List&lt;String&gt; </a:t>
+            </a:r>
+            <a:r>
+              <a:rPr lang="en-US" sz="1200" dirty="0" err="1"/>
+              <a:t>removeInvalidParentheses</a:t>
+            </a:r>
+            <a:r>
+              <a:rPr lang="en-US" sz="1200" dirty="0"/>
+              <a:t>(String s) {</a:t>
+            </a:r>
+          </a:p>
+          <a:p>
+            <a:r>
+              <a:rPr lang="en-US" sz="1200" dirty="0"/>
+              <a:t>        List&lt;String&gt; res = new </a:t>
+            </a:r>
+            <a:r>
+              <a:rPr lang="en-US" sz="1200" dirty="0" err="1"/>
+              <a:t>ArrayList</a:t>
+            </a:r>
+            <a:r>
+              <a:rPr lang="en-US" sz="1200" dirty="0"/>
+              <a:t>&lt;&gt;();</a:t>
+            </a:r>
+          </a:p>
+          <a:p>
+            <a:r>
+              <a:rPr lang="en-US" sz="1200" dirty="0"/>
+              <a:t>      if (s == null) return res;</a:t>
+            </a:r>
+          </a:p>
+          <a:p>
+            <a:r>
+              <a:rPr lang="en-US" sz="1200" dirty="0"/>
+              <a:t>      Set&lt;String&gt; visited = new </a:t>
+            </a:r>
+            <a:r>
+              <a:rPr lang="en-US" sz="1200" dirty="0" err="1"/>
+              <a:t>HashSet</a:t>
+            </a:r>
+            <a:r>
+              <a:rPr lang="en-US" sz="1200" dirty="0"/>
+              <a:t>&lt;&gt;();</a:t>
+            </a:r>
+          </a:p>
+          <a:p>
+            <a:r>
+              <a:rPr lang="en-US" sz="1200" dirty="0"/>
+              <a:t>      Queue&lt;String&gt; queue = new </a:t>
+            </a:r>
+            <a:r>
+              <a:rPr lang="en-US" sz="1200" dirty="0" err="1"/>
+              <a:t>LinkedList</a:t>
+            </a:r>
+            <a:r>
+              <a:rPr lang="en-US" sz="1200" dirty="0"/>
+              <a:t>&lt;&gt;();</a:t>
+            </a:r>
+          </a:p>
+          <a:p>
+            <a:r>
+              <a:rPr lang="en-US" sz="1200" dirty="0"/>
+              <a:t>      </a:t>
+            </a:r>
+            <a:r>
+              <a:rPr lang="en-US" sz="1200" dirty="0" err="1"/>
+              <a:t>queue.add</a:t>
+            </a:r>
+            <a:r>
+              <a:rPr lang="en-US" sz="1200" dirty="0"/>
+              <a:t>(s);</a:t>
+            </a:r>
+          </a:p>
+          <a:p>
+            <a:r>
+              <a:rPr lang="en-US" sz="1200" dirty="0"/>
+              <a:t>      </a:t>
+            </a:r>
+            <a:r>
+              <a:rPr lang="en-US" sz="1200" dirty="0" err="1"/>
+              <a:t>visited.add</a:t>
+            </a:r>
+            <a:r>
+              <a:rPr lang="en-US" sz="1200" dirty="0"/>
+              <a:t>(s);</a:t>
+            </a:r>
+          </a:p>
+          <a:p>
+            <a:r>
+              <a:rPr lang="en-US" sz="1200" dirty="0"/>
+              <a:t>      </a:t>
+            </a:r>
+            <a:r>
+              <a:rPr lang="en-US" sz="1200" dirty="0" err="1"/>
+              <a:t>boolean</a:t>
+            </a:r>
+            <a:r>
+              <a:rPr lang="en-US" sz="1200" dirty="0"/>
+              <a:t> found = false;</a:t>
+            </a:r>
+          </a:p>
+          <a:p>
+            <a:r>
+              <a:rPr lang="en-US" sz="1200" dirty="0"/>
+              <a:t>      while (!</a:t>
+            </a:r>
+            <a:r>
+              <a:rPr lang="en-US" sz="1200" dirty="0" err="1"/>
+              <a:t>queue.isEmpty</a:t>
+            </a:r>
+            <a:r>
+              <a:rPr lang="en-US" sz="1200" dirty="0"/>
+              <a:t>()) {</a:t>
+            </a:r>
+          </a:p>
+          <a:p>
+            <a:r>
+              <a:rPr lang="en-US" sz="1200" dirty="0"/>
+              <a:t>        s = </a:t>
+            </a:r>
+            <a:r>
+              <a:rPr lang="en-US" sz="1200" dirty="0" err="1"/>
+              <a:t>queue.poll</a:t>
+            </a:r>
+            <a:r>
+              <a:rPr lang="en-US" sz="1200" dirty="0"/>
+              <a:t>();</a:t>
+            </a:r>
+          </a:p>
+          <a:p>
+            <a:r>
+              <a:rPr lang="en-US" sz="1200" dirty="0"/>
+              <a:t>        if (</a:t>
+            </a:r>
+            <a:r>
+              <a:rPr lang="en-US" sz="1200" dirty="0" err="1"/>
+              <a:t>isValid</a:t>
+            </a:r>
+            <a:r>
+              <a:rPr lang="en-US" sz="1200" dirty="0"/>
+              <a:t>(s)) {</a:t>
+            </a:r>
+          </a:p>
+          <a:p>
+            <a:r>
+              <a:rPr lang="en-US" sz="1200" dirty="0"/>
+              <a:t>          </a:t>
+            </a:r>
+            <a:r>
+              <a:rPr lang="en-US" sz="1200" dirty="0" err="1"/>
+              <a:t>res.add</a:t>
+            </a:r>
+            <a:r>
+              <a:rPr lang="en-US" sz="1200" dirty="0"/>
+              <a:t>(s);</a:t>
+            </a:r>
+          </a:p>
+          <a:p>
+            <a:r>
+              <a:rPr lang="en-US" sz="1200" dirty="0"/>
+              <a:t>          found = true;</a:t>
+            </a:r>
+          </a:p>
+          <a:p>
+            <a:r>
+              <a:rPr lang="en-US" sz="1200" dirty="0"/>
+              <a:t>        }</a:t>
+            </a:r>
+          </a:p>
+          <a:p>
+            <a:r>
+              <a:rPr lang="en-US" sz="1200" dirty="0"/>
+              <a:t>        if (found) continue;</a:t>
+            </a:r>
+          </a:p>
+          <a:p>
+            <a:r>
+              <a:rPr lang="en-US" sz="1200" dirty="0"/>
+              <a:t>        for (</a:t>
+            </a:r>
+            <a:r>
+              <a:rPr lang="en-US" sz="1200" dirty="0" err="1"/>
+              <a:t>int</a:t>
+            </a:r>
+            <a:r>
+              <a:rPr lang="en-US" sz="1200" dirty="0"/>
+              <a:t> </a:t>
+            </a:r>
+            <a:r>
+              <a:rPr lang="en-US" sz="1200" dirty="0" err="1"/>
+              <a:t>i</a:t>
+            </a:r>
+            <a:r>
+              <a:rPr lang="en-US" sz="1200" dirty="0"/>
+              <a:t> = 0; </a:t>
+            </a:r>
+            <a:r>
+              <a:rPr lang="en-US" sz="1200" dirty="0" err="1"/>
+              <a:t>i</a:t>
+            </a:r>
+            <a:r>
+              <a:rPr lang="en-US" sz="1200" dirty="0"/>
+              <a:t> &lt; </a:t>
+            </a:r>
+            <a:r>
+              <a:rPr lang="en-US" sz="1200" dirty="0" err="1"/>
+              <a:t>s.length</a:t>
+            </a:r>
+            <a:r>
+              <a:rPr lang="en-US" sz="1200" dirty="0"/>
+              <a:t>(); </a:t>
+            </a:r>
+            <a:r>
+              <a:rPr lang="en-US" sz="1200" dirty="0" err="1"/>
+              <a:t>i</a:t>
+            </a:r>
+            <a:r>
+              <a:rPr lang="en-US" sz="1200" dirty="0"/>
+              <a:t>++) {</a:t>
+            </a:r>
+          </a:p>
+          <a:p>
+            <a:r>
+              <a:rPr lang="en-US" sz="1200" dirty="0"/>
+              <a:t>          if (</a:t>
+            </a:r>
+            <a:r>
+              <a:rPr lang="en-US" sz="1200" dirty="0" err="1"/>
+              <a:t>s.charAt</a:t>
+            </a:r>
+            <a:r>
+              <a:rPr lang="en-US" sz="1200" dirty="0"/>
+              <a:t>(</a:t>
+            </a:r>
+            <a:r>
+              <a:rPr lang="en-US" sz="1200" dirty="0" err="1"/>
+              <a:t>i</a:t>
+            </a:r>
+            <a:r>
+              <a:rPr lang="en-US" sz="1200" dirty="0"/>
+              <a:t>) != '(' &amp;&amp; </a:t>
+            </a:r>
+            <a:r>
+              <a:rPr lang="en-US" sz="1200" dirty="0" err="1"/>
+              <a:t>s.charAt</a:t>
+            </a:r>
+            <a:r>
+              <a:rPr lang="en-US" sz="1200" dirty="0"/>
+              <a:t>(</a:t>
+            </a:r>
+            <a:r>
+              <a:rPr lang="en-US" sz="1200" dirty="0" err="1"/>
+              <a:t>i</a:t>
+            </a:r>
+            <a:r>
+              <a:rPr lang="en-US" sz="1200" dirty="0"/>
+              <a:t>) != ')') continue;</a:t>
+            </a:r>
+          </a:p>
+          <a:p>
+            <a:r>
+              <a:rPr lang="en-US" sz="1200" dirty="0"/>
+              <a:t>          String t = </a:t>
+            </a:r>
+            <a:r>
+              <a:rPr lang="en-US" sz="1200" dirty="0" err="1"/>
+              <a:t>s.substring</a:t>
+            </a:r>
+            <a:r>
+              <a:rPr lang="en-US" sz="1200" dirty="0"/>
+              <a:t>(0, </a:t>
+            </a:r>
+            <a:r>
+              <a:rPr lang="en-US" sz="1200" dirty="0" err="1"/>
+              <a:t>i</a:t>
+            </a:r>
+            <a:r>
+              <a:rPr lang="en-US" sz="1200" dirty="0"/>
+              <a:t>) + </a:t>
+            </a:r>
+            <a:r>
+              <a:rPr lang="en-US" sz="1200" dirty="0" err="1"/>
+              <a:t>s.substring</a:t>
+            </a:r>
+            <a:r>
+              <a:rPr lang="en-US" sz="1200" dirty="0"/>
+              <a:t>(</a:t>
+            </a:r>
+            <a:r>
+              <a:rPr lang="en-US" sz="1200" dirty="0" err="1"/>
+              <a:t>i</a:t>
+            </a:r>
+            <a:r>
+              <a:rPr lang="en-US" sz="1200" dirty="0"/>
+              <a:t> + 1);</a:t>
+            </a:r>
+          </a:p>
+          <a:p>
+            <a:r>
+              <a:rPr lang="en-US" sz="1200" dirty="0"/>
+              <a:t>          if (!</a:t>
+            </a:r>
+            <a:r>
+              <a:rPr lang="en-US" sz="1200" dirty="0" err="1"/>
+              <a:t>visited.contains</a:t>
+            </a:r>
+            <a:r>
+              <a:rPr lang="en-US" sz="1200" dirty="0"/>
+              <a:t>(t)) {</a:t>
+            </a:r>
+          </a:p>
+          <a:p>
+            <a:r>
+              <a:rPr lang="en-US" sz="1200" dirty="0"/>
+              <a:t>            </a:t>
+            </a:r>
+            <a:r>
+              <a:rPr lang="en-US" sz="1200" dirty="0" err="1"/>
+              <a:t>queue.add</a:t>
+            </a:r>
+            <a:r>
+              <a:rPr lang="en-US" sz="1200" dirty="0"/>
+              <a:t>(t);</a:t>
+            </a:r>
+          </a:p>
+          <a:p>
+            <a:r>
+              <a:rPr lang="en-US" sz="1200" dirty="0"/>
+              <a:t>            </a:t>
+            </a:r>
+            <a:r>
+              <a:rPr lang="en-US" sz="1200" dirty="0" err="1"/>
+              <a:t>visited.add</a:t>
+            </a:r>
+            <a:r>
+              <a:rPr lang="en-US" sz="1200" dirty="0"/>
+              <a:t>(t);</a:t>
+            </a:r>
+          </a:p>
+          <a:p>
+            <a:r>
+              <a:rPr lang="en-US" sz="1200" dirty="0"/>
+              <a:t>          }</a:t>
+            </a:r>
+          </a:p>
+          <a:p>
+            <a:r>
+              <a:rPr lang="en-US" sz="1200" dirty="0"/>
+              <a:t>        }</a:t>
+            </a:r>
+          </a:p>
+          <a:p>
+            <a:r>
+              <a:rPr lang="en-US" sz="1200" dirty="0"/>
+              <a:t>      }</a:t>
+            </a:r>
+          </a:p>
+          <a:p>
+            <a:r>
+              <a:rPr lang="en-US" sz="1200" dirty="0"/>
+              <a:t>      return res;</a:t>
+            </a:r>
+          </a:p>
+          <a:p>
+            <a:r>
+              <a:rPr lang="en-US" sz="1200" dirty="0"/>
+              <a:t>    }</a:t>
+            </a:r>
+          </a:p>
+          <a:p>
+            <a:r>
+              <a:rPr lang="en-US" sz="1200" dirty="0"/>
+              <a:t>    </a:t>
+            </a:r>
+            <a:r>
+              <a:rPr lang="en-US" sz="1200" dirty="0" err="1"/>
+              <a:t>boolean</a:t>
+            </a:r>
+            <a:r>
+              <a:rPr lang="en-US" sz="1200" dirty="0"/>
+              <a:t> </a:t>
+            </a:r>
+            <a:r>
+              <a:rPr lang="en-US" sz="1200" dirty="0" err="1"/>
+              <a:t>isValid</a:t>
+            </a:r>
+            <a:r>
+              <a:rPr lang="en-US" sz="1200" dirty="0"/>
+              <a:t>(String s) {</a:t>
+            </a:r>
+          </a:p>
+          <a:p>
+            <a:r>
+              <a:rPr lang="en-US" sz="1200" dirty="0"/>
+              <a:t>      </a:t>
+            </a:r>
+            <a:r>
+              <a:rPr lang="en-US" sz="1200" dirty="0" err="1"/>
+              <a:t>int</a:t>
+            </a:r>
+            <a:r>
+              <a:rPr lang="en-US" sz="1200" dirty="0"/>
+              <a:t> count = 0;</a:t>
+            </a:r>
+          </a:p>
+          <a:p>
+            <a:r>
+              <a:rPr lang="en-US" sz="1200" dirty="0"/>
+              <a:t>      for (</a:t>
+            </a:r>
+            <a:r>
+              <a:rPr lang="en-US" sz="1200" dirty="0" err="1"/>
+              <a:t>int</a:t>
+            </a:r>
+            <a:r>
+              <a:rPr lang="en-US" sz="1200" dirty="0"/>
+              <a:t> </a:t>
+            </a:r>
+            <a:r>
+              <a:rPr lang="en-US" sz="1200" dirty="0" err="1"/>
+              <a:t>i</a:t>
+            </a:r>
+            <a:r>
+              <a:rPr lang="en-US" sz="1200" dirty="0"/>
+              <a:t> = 0; </a:t>
+            </a:r>
+            <a:r>
+              <a:rPr lang="en-US" sz="1200" dirty="0" err="1"/>
+              <a:t>i</a:t>
+            </a:r>
+            <a:r>
+              <a:rPr lang="en-US" sz="1200" dirty="0"/>
+              <a:t> &lt; </a:t>
+            </a:r>
+            <a:r>
+              <a:rPr lang="en-US" sz="1200" dirty="0" err="1"/>
+              <a:t>s.length</a:t>
+            </a:r>
+            <a:r>
+              <a:rPr lang="en-US" sz="1200" dirty="0"/>
+              <a:t>(); </a:t>
+            </a:r>
+            <a:r>
+              <a:rPr lang="en-US" sz="1200" dirty="0" err="1"/>
+              <a:t>i</a:t>
+            </a:r>
+            <a:r>
+              <a:rPr lang="en-US" sz="1200" dirty="0"/>
+              <a:t>++) {</a:t>
+            </a:r>
+          </a:p>
+          <a:p>
+            <a:r>
+              <a:rPr lang="en-US" sz="1200" dirty="0"/>
+              <a:t>        char c = </a:t>
+            </a:r>
+            <a:r>
+              <a:rPr lang="en-US" sz="1200" dirty="0" err="1"/>
+              <a:t>s.charAt</a:t>
+            </a:r>
+            <a:r>
+              <a:rPr lang="en-US" sz="1200" dirty="0"/>
+              <a:t>(</a:t>
+            </a:r>
+            <a:r>
+              <a:rPr lang="en-US" sz="1200" dirty="0" err="1"/>
+              <a:t>i</a:t>
+            </a:r>
+            <a:r>
+              <a:rPr lang="en-US" sz="1200" dirty="0"/>
+              <a:t>);</a:t>
+            </a:r>
+          </a:p>
+          <a:p>
+            <a:r>
+              <a:rPr lang="en-US" sz="1200" dirty="0"/>
+              <a:t>        if (c == '(') count++;</a:t>
+            </a:r>
+          </a:p>
+          <a:p>
+            <a:r>
+              <a:rPr lang="en-US" sz="1200" dirty="0"/>
+              <a:t>        if (c == ')' &amp;&amp; count-- == 0) return false;</a:t>
+            </a:r>
+          </a:p>
+          <a:p>
+            <a:r>
+              <a:rPr lang="en-US" sz="1200" dirty="0"/>
+              <a:t>      }</a:t>
+            </a:r>
+          </a:p>
+          <a:p>
+            <a:r>
+              <a:rPr lang="en-US" sz="1200" dirty="0"/>
+              <a:t>      return count == 0;</a:t>
+            </a:r>
+          </a:p>
+          <a:p>
+            <a:r>
+              <a:rPr lang="en-US" sz="1200" dirty="0"/>
+              <a:t>    }</a:t>
+            </a:r>
+          </a:p>
+          <a:p>
+            <a:endParaRPr lang="en-US" sz="1200" dirty="0"/>
+          </a:p>
+        </p:txBody>
+      </p:sp>
+      <p:sp>
+        <p:nvSpPr>
+          <p:cNvPr id="5" name="TextBox 4"/>
+          <p:cNvSpPr txBox="1"/>
+          <p:nvPr/>
+        </p:nvSpPr>
+        <p:spPr>
+          <a:xfrm>
+            <a:off x="5080245" y="617441"/>
+            <a:ext cx="3292676" cy="646331"/>
+          </a:xfrm>
+          <a:prstGeom prst="rect">
+            <a:avLst/>
+          </a:prstGeom>
+          <a:noFill/>
+        </p:spPr>
+        <p:txBody>
+          <a:bodyPr wrap="none" rtlCol="0">
+            <a:spAutoFit/>
+          </a:bodyPr>
+          <a:lstStyle/>
+          <a:p>
+            <a:r>
+              <a:rPr lang="en-US" dirty="0"/>
+              <a:t>301. Remove Invalid Parentheses</a:t>
+            </a:r>
+          </a:p>
+          <a:p>
+            <a:endParaRPr lang="en-US" dirty="0"/>
+          </a:p>
+        </p:txBody>
+      </p:sp>
+      <p:sp>
+        <p:nvSpPr>
+          <p:cNvPr id="6" name="TextBox 5"/>
+          <p:cNvSpPr txBox="1"/>
+          <p:nvPr/>
+        </p:nvSpPr>
+        <p:spPr>
+          <a:xfrm>
+            <a:off x="4180619" y="2240428"/>
+            <a:ext cx="4682630" cy="2862323"/>
+          </a:xfrm>
+          <a:prstGeom prst="rect">
+            <a:avLst/>
+          </a:prstGeom>
+          <a:noFill/>
+        </p:spPr>
+        <p:txBody>
+          <a:bodyPr wrap="square" rtlCol="0">
+            <a:spAutoFit/>
+          </a:bodyPr>
+          <a:lstStyle/>
+          <a:p>
+            <a:r>
+              <a:rPr lang="en-US" dirty="0"/>
+              <a:t>Remove the minimum number of invalid parentheses in order to make the input string valid. Return all possible results.</a:t>
+            </a:r>
+          </a:p>
+          <a:p>
+            <a:r>
+              <a:rPr lang="en-US" dirty="0"/>
+              <a:t>Note: The input string may contain letters other than the parentheses ( and ).</a:t>
+            </a:r>
+          </a:p>
+          <a:p>
+            <a:r>
+              <a:rPr lang="en-US" b="1" dirty="0"/>
+              <a:t>Examples:</a:t>
+            </a:r>
+            <a:endParaRPr lang="en-US" dirty="0"/>
+          </a:p>
+          <a:p>
+            <a:r>
+              <a:rPr lang="en-US" dirty="0"/>
+              <a:t>"()())()" -&gt; ["()()()", "(())()"]</a:t>
+            </a:r>
+          </a:p>
+          <a:p>
+            <a:r>
+              <a:rPr lang="en-US" dirty="0"/>
+              <a:t>"(a)())()" -&gt; ["(a)()()", "(a())()"]</a:t>
+            </a:r>
+          </a:p>
+          <a:p>
+            <a:r>
+              <a:rPr lang="en-US" dirty="0"/>
+              <a:t>")(" -&gt; [""]</a:t>
+            </a:r>
+          </a:p>
+          <a:p>
+            <a:endParaRPr lang="en-US" dirty="0"/>
+          </a:p>
+        </p:txBody>
+      </p:sp>
+    </p:spTree>
+    <p:extLst>
+      <p:ext uri="{BB962C8B-B14F-4D97-AF65-F5344CB8AC3E}">
+        <p14:creationId xmlns:p14="http://schemas.microsoft.com/office/powerpoint/2010/main" val="1251390516"/>
       </p:ext>
     </p:extLst>
   </p:cSld>
@@ -8604,7 +9260,7 @@
         </p:nvSpPr>
         <p:spPr>
           <a:xfrm>
-            <a:off x="5227543" y="164400"/>
+            <a:off x="4539593" y="170030"/>
             <a:ext cx="4326826" cy="369332"/>
           </a:xfrm>
           <a:prstGeom prst="rect">
@@ -9813,7 +10469,6 @@
               <a:rPr lang="en-US" dirty="0"/>
               <a:t>151. Reverse Words in a String</a:t>
             </a:r>
-            <a:endParaRPr lang="en-US" dirty="0"/>
           </a:p>
         </p:txBody>
       </p:sp>
@@ -9890,7 +10545,6 @@
               <a:rPr lang="en-US" dirty="0"/>
               <a:t>(1) space.</a:t>
             </a:r>
-            <a:endParaRPr lang="en-US" dirty="0"/>
           </a:p>
         </p:txBody>
       </p:sp>
@@ -10881,7 +11535,6 @@
               <a:rPr lang="en-US" sz="1400" dirty="0"/>
               <a:t>         a. An integer containing value 789.</a:t>
             </a:r>
-            <a:endParaRPr lang="en-US" sz="1400" dirty="0"/>
           </a:p>
         </p:txBody>
       </p:sp>
@@ -10911,7 +11564,6 @@
               <a:rPr lang="en-US" dirty="0"/>
               <a:t>385. Mini Parser</a:t>
             </a:r>
-            <a:endParaRPr lang="en-US" dirty="0"/>
           </a:p>
         </p:txBody>
       </p:sp>
@@ -11360,7 +12012,6 @@
               <a:rPr lang="en-US" dirty="0"/>
               <a:t>259. 3Sum Smaller</a:t>
             </a:r>
-            <a:endParaRPr lang="en-US" dirty="0"/>
           </a:p>
         </p:txBody>
       </p:sp>
@@ -11531,7 +12182,6 @@
               <a:rPr lang="en-US" dirty="0"/>
               <a:t>2) runtime?</a:t>
             </a:r>
-            <a:endParaRPr lang="en-US" dirty="0"/>
           </a:p>
         </p:txBody>
       </p:sp>
